--- a/extras/Vignette.pptx
+++ b/extras/Vignette.pptx
@@ -6,6 +6,9 @@
   </p:sldMasterIdLst>
   <p:sldIdLst>
     <p:sldId id="256" r:id="rId2"/>
+    <p:sldId id="257" r:id="rId3"/>
+    <p:sldId id="258" r:id="rId4"/>
+    <p:sldId id="259" r:id="rId5"/>
   </p:sldIdLst>
   <p:sldSz cx="12192000" cy="6858000"/>
   <p:notesSz cx="6858000" cy="9144000"/>
@@ -104,6 +107,11 @@
       </a:defRPr>
     </a:lvl9pPr>
   </p:defaultTextStyle>
+  <p:extLst>
+    <p:ext uri="{EFAFB233-063F-42B5-8137-9DF3F51BA10A}">
+      <p15:sldGuideLst xmlns:p15="http://schemas.microsoft.com/office/powerpoint/2012/main"/>
+    </p:ext>
+  </p:extLst>
 </p:presentation>
 </file>
 
@@ -238,7 +246,7 @@
           <a:p>
             <a:fld id="{D415BA7F-60B0-4A73-95AD-754B31BE1533}" type="datetimeFigureOut">
               <a:rPr lang="en-US" smtClean="0"/>
-              <a:t>7/11/2022</a:t>
+              <a:t>7/12/2022</a:t>
             </a:fld>
             <a:endParaRPr lang="en-US"/>
           </a:p>
@@ -408,7 +416,7 @@
           <a:p>
             <a:fld id="{D415BA7F-60B0-4A73-95AD-754B31BE1533}" type="datetimeFigureOut">
               <a:rPr lang="en-US" smtClean="0"/>
-              <a:t>7/11/2022</a:t>
+              <a:t>7/12/2022</a:t>
             </a:fld>
             <a:endParaRPr lang="en-US"/>
           </a:p>
@@ -588,7 +596,7 @@
           <a:p>
             <a:fld id="{D415BA7F-60B0-4A73-95AD-754B31BE1533}" type="datetimeFigureOut">
               <a:rPr lang="en-US" smtClean="0"/>
-              <a:t>7/11/2022</a:t>
+              <a:t>7/12/2022</a:t>
             </a:fld>
             <a:endParaRPr lang="en-US"/>
           </a:p>
@@ -758,7 +766,7 @@
           <a:p>
             <a:fld id="{D415BA7F-60B0-4A73-95AD-754B31BE1533}" type="datetimeFigureOut">
               <a:rPr lang="en-US" smtClean="0"/>
-              <a:t>7/11/2022</a:t>
+              <a:t>7/12/2022</a:t>
             </a:fld>
             <a:endParaRPr lang="en-US"/>
           </a:p>
@@ -1004,7 +1012,7 @@
           <a:p>
             <a:fld id="{D415BA7F-60B0-4A73-95AD-754B31BE1533}" type="datetimeFigureOut">
               <a:rPr lang="en-US" smtClean="0"/>
-              <a:t>7/11/2022</a:t>
+              <a:t>7/12/2022</a:t>
             </a:fld>
             <a:endParaRPr lang="en-US"/>
           </a:p>
@@ -1236,7 +1244,7 @@
           <a:p>
             <a:fld id="{D415BA7F-60B0-4A73-95AD-754B31BE1533}" type="datetimeFigureOut">
               <a:rPr lang="en-US" smtClean="0"/>
-              <a:t>7/11/2022</a:t>
+              <a:t>7/12/2022</a:t>
             </a:fld>
             <a:endParaRPr lang="en-US"/>
           </a:p>
@@ -1603,7 +1611,7 @@
           <a:p>
             <a:fld id="{D415BA7F-60B0-4A73-95AD-754B31BE1533}" type="datetimeFigureOut">
               <a:rPr lang="en-US" smtClean="0"/>
-              <a:t>7/11/2022</a:t>
+              <a:t>7/12/2022</a:t>
             </a:fld>
             <a:endParaRPr lang="en-US"/>
           </a:p>
@@ -1721,7 +1729,7 @@
           <a:p>
             <a:fld id="{D415BA7F-60B0-4A73-95AD-754B31BE1533}" type="datetimeFigureOut">
               <a:rPr lang="en-US" smtClean="0"/>
-              <a:t>7/11/2022</a:t>
+              <a:t>7/12/2022</a:t>
             </a:fld>
             <a:endParaRPr lang="en-US"/>
           </a:p>
@@ -1816,7 +1824,7 @@
           <a:p>
             <a:fld id="{D415BA7F-60B0-4A73-95AD-754B31BE1533}" type="datetimeFigureOut">
               <a:rPr lang="en-US" smtClean="0"/>
-              <a:t>7/11/2022</a:t>
+              <a:t>7/12/2022</a:t>
             </a:fld>
             <a:endParaRPr lang="en-US"/>
           </a:p>
@@ -2093,7 +2101,7 @@
           <a:p>
             <a:fld id="{D415BA7F-60B0-4A73-95AD-754B31BE1533}" type="datetimeFigureOut">
               <a:rPr lang="en-US" smtClean="0"/>
-              <a:t>7/11/2022</a:t>
+              <a:t>7/12/2022</a:t>
             </a:fld>
             <a:endParaRPr lang="en-US"/>
           </a:p>
@@ -2346,7 +2354,7 @@
           <a:p>
             <a:fld id="{D415BA7F-60B0-4A73-95AD-754B31BE1533}" type="datetimeFigureOut">
               <a:rPr lang="en-US" smtClean="0"/>
-              <a:t>7/11/2022</a:t>
+              <a:t>7/12/2022</a:t>
             </a:fld>
             <a:endParaRPr lang="en-US"/>
           </a:p>
@@ -2559,7 +2567,7 @@
           <a:p>
             <a:fld id="{D415BA7F-60B0-4A73-95AD-754B31BE1533}" type="datetimeFigureOut">
               <a:rPr lang="en-US" smtClean="0"/>
-              <a:t>7/11/2022</a:t>
+              <a:t>7/12/2022</a:t>
             </a:fld>
             <a:endParaRPr lang="en-US"/>
           </a:p>
@@ -3839,6 +3847,2691 @@
 </p:sld>
 </file>
 
+<file path=ppt/slides/slide2.xml><?xml version="1.0" encoding="utf-8"?>
+<p:sld xmlns:a="http://schemas.openxmlformats.org/drawingml/2006/main" xmlns:r="http://schemas.openxmlformats.org/officeDocument/2006/relationships" xmlns:p="http://schemas.openxmlformats.org/presentationml/2006/main">
+  <p:cSld>
+    <p:spTree>
+      <p:nvGrpSpPr>
+        <p:cNvPr id="1" name=""/>
+        <p:cNvGrpSpPr/>
+        <p:nvPr/>
+      </p:nvGrpSpPr>
+      <p:grpSpPr>
+        <a:xfrm>
+          <a:off x="0" y="0"/>
+          <a:ext cx="0" cy="0"/>
+          <a:chOff x="0" y="0"/>
+          <a:chExt cx="0" cy="0"/>
+        </a:xfrm>
+      </p:grpSpPr>
+      <p:sp>
+        <p:nvSpPr>
+          <p:cNvPr id="8" name="Rectangle 7"/>
+          <p:cNvSpPr/>
+          <p:nvPr/>
+        </p:nvSpPr>
+        <p:spPr>
+          <a:xfrm>
+            <a:off x="637082" y="406653"/>
+            <a:ext cx="6941975" cy="3377681"/>
+          </a:xfrm>
+          <a:prstGeom prst="rect">
+            <a:avLst/>
+          </a:prstGeom>
+          <a:noFill/>
+          <a:ln>
+            <a:solidFill>
+              <a:schemeClr val="tx1"/>
+            </a:solidFill>
+          </a:ln>
+        </p:spPr>
+        <p:style>
+          <a:lnRef idx="2">
+            <a:schemeClr val="accent1">
+              <a:shade val="50000"/>
+            </a:schemeClr>
+          </a:lnRef>
+          <a:fillRef idx="1">
+            <a:schemeClr val="accent1"/>
+          </a:fillRef>
+          <a:effectRef idx="0">
+            <a:schemeClr val="accent1"/>
+          </a:effectRef>
+          <a:fontRef idx="minor">
+            <a:schemeClr val="lt1"/>
+          </a:fontRef>
+        </p:style>
+        <p:txBody>
+          <a:bodyPr rtlCol="0" anchor="ctr"/>
+          <a:lstStyle/>
+          <a:p>
+            <a:pPr algn="ctr"/>
+            <a:endParaRPr lang="en-US"/>
+          </a:p>
+        </p:txBody>
+      </p:sp>
+      <p:cxnSp>
+        <p:nvCxnSpPr>
+          <p:cNvPr id="5" name="Straight Arrow Connector 4"/>
+          <p:cNvCxnSpPr/>
+          <p:nvPr/>
+        </p:nvCxnSpPr>
+        <p:spPr>
+          <a:xfrm>
+            <a:off x="2132300" y="1787575"/>
+            <a:ext cx="18615" cy="4782"/>
+          </a:xfrm>
+          <a:prstGeom prst="straightConnector1">
+            <a:avLst/>
+          </a:prstGeom>
+          <a:ln w="28575" cap="sq">
+            <a:solidFill>
+              <a:schemeClr val="tx1">
+                <a:alpha val="93000"/>
+              </a:schemeClr>
+            </a:solidFill>
+            <a:bevel/>
+            <a:headEnd type="diamond" w="lg" len="lg"/>
+            <a:tailEnd type="diamond" w="lg" len="lg"/>
+          </a:ln>
+        </p:spPr>
+        <p:style>
+          <a:lnRef idx="1">
+            <a:schemeClr val="accent1"/>
+          </a:lnRef>
+          <a:fillRef idx="0">
+            <a:schemeClr val="accent1"/>
+          </a:fillRef>
+          <a:effectRef idx="0">
+            <a:schemeClr val="accent1"/>
+          </a:effectRef>
+          <a:fontRef idx="minor">
+            <a:schemeClr val="tx1"/>
+          </a:fontRef>
+        </p:style>
+      </p:cxnSp>
+      <p:sp>
+        <p:nvSpPr>
+          <p:cNvPr id="9" name="TextBox 8"/>
+          <p:cNvSpPr txBox="1"/>
+          <p:nvPr/>
+        </p:nvSpPr>
+        <p:spPr>
+          <a:xfrm>
+            <a:off x="1491665" y="1403524"/>
+            <a:ext cx="1119674" cy="369332"/>
+          </a:xfrm>
+          <a:prstGeom prst="rect">
+            <a:avLst/>
+          </a:prstGeom>
+          <a:noFill/>
+        </p:spPr>
+        <p:txBody>
+          <a:bodyPr wrap="square" rtlCol="0">
+            <a:spAutoFit/>
+          </a:bodyPr>
+          <a:lstStyle/>
+          <a:p>
+            <a:r>
+              <a:rPr lang="en-US" dirty="0" smtClean="0"/>
+              <a:t>Cohort 1</a:t>
+            </a:r>
+            <a:endParaRPr lang="en-US" dirty="0"/>
+          </a:p>
+        </p:txBody>
+      </p:sp>
+      <p:cxnSp>
+        <p:nvCxnSpPr>
+          <p:cNvPr id="10" name="Straight Arrow Connector 9"/>
+          <p:cNvCxnSpPr/>
+          <p:nvPr/>
+        </p:nvCxnSpPr>
+        <p:spPr>
+          <a:xfrm flipV="1">
+            <a:off x="2168319" y="2561007"/>
+            <a:ext cx="2238330" cy="1527"/>
+          </a:xfrm>
+          <a:prstGeom prst="straightConnector1">
+            <a:avLst/>
+          </a:prstGeom>
+          <a:ln w="28575" cap="sq">
+            <a:solidFill>
+              <a:schemeClr val="tx1">
+                <a:alpha val="93000"/>
+              </a:schemeClr>
+            </a:solidFill>
+            <a:bevel/>
+            <a:headEnd type="diamond" w="lg" len="lg"/>
+            <a:tailEnd type="diamond" w="lg" len="lg"/>
+          </a:ln>
+        </p:spPr>
+        <p:style>
+          <a:lnRef idx="1">
+            <a:schemeClr val="accent1"/>
+          </a:lnRef>
+          <a:fillRef idx="0">
+            <a:schemeClr val="accent1"/>
+          </a:fillRef>
+          <a:effectRef idx="0">
+            <a:schemeClr val="accent1"/>
+          </a:effectRef>
+          <a:fontRef idx="minor">
+            <a:schemeClr val="tx1"/>
+          </a:fontRef>
+        </p:style>
+      </p:cxnSp>
+      <p:sp>
+        <p:nvSpPr>
+          <p:cNvPr id="11" name="TextBox 10"/>
+          <p:cNvSpPr txBox="1"/>
+          <p:nvPr/>
+        </p:nvSpPr>
+        <p:spPr>
+          <a:xfrm>
+            <a:off x="2951582" y="2202032"/>
+            <a:ext cx="1119674" cy="369332"/>
+          </a:xfrm>
+          <a:prstGeom prst="rect">
+            <a:avLst/>
+          </a:prstGeom>
+          <a:noFill/>
+        </p:spPr>
+        <p:txBody>
+          <a:bodyPr wrap="square" rtlCol="0">
+            <a:spAutoFit/>
+          </a:bodyPr>
+          <a:lstStyle/>
+          <a:p>
+            <a:r>
+              <a:rPr lang="en-US" dirty="0" smtClean="0"/>
+              <a:t>Cohort 2</a:t>
+            </a:r>
+            <a:endParaRPr lang="en-US" dirty="0"/>
+          </a:p>
+        </p:txBody>
+      </p:sp>
+      <p:sp>
+        <p:nvSpPr>
+          <p:cNvPr id="14" name="TextBox 13"/>
+          <p:cNvSpPr txBox="1"/>
+          <p:nvPr/>
+        </p:nvSpPr>
+        <p:spPr>
+          <a:xfrm>
+            <a:off x="1063690" y="513184"/>
+            <a:ext cx="5122506" cy="369332"/>
+          </a:xfrm>
+          <a:prstGeom prst="rect">
+            <a:avLst/>
+          </a:prstGeom>
+          <a:noFill/>
+        </p:spPr>
+        <p:txBody>
+          <a:bodyPr wrap="square" rtlCol="0">
+            <a:spAutoFit/>
+          </a:bodyPr>
+          <a:lstStyle/>
+          <a:p>
+            <a:r>
+              <a:rPr lang="en-US" dirty="0" smtClean="0"/>
+              <a:t>Cohort </a:t>
+            </a:r>
+            <a:r>
+              <a:rPr lang="en-US" dirty="0" smtClean="0"/>
+              <a:t>Intersect: 1 day cohort with </a:t>
+            </a:r>
+            <a:endParaRPr lang="en-US" dirty="0"/>
+          </a:p>
+        </p:txBody>
+      </p:sp>
+      <p:sp>
+        <p:nvSpPr>
+          <p:cNvPr id="15" name="TextBox 14"/>
+          <p:cNvSpPr txBox="1"/>
+          <p:nvPr/>
+        </p:nvSpPr>
+        <p:spPr>
+          <a:xfrm>
+            <a:off x="709127" y="46652"/>
+            <a:ext cx="1614195" cy="369332"/>
+          </a:xfrm>
+          <a:prstGeom prst="rect">
+            <a:avLst/>
+          </a:prstGeom>
+          <a:noFill/>
+        </p:spPr>
+        <p:txBody>
+          <a:bodyPr wrap="square" rtlCol="0">
+            <a:spAutoFit/>
+          </a:bodyPr>
+          <a:lstStyle/>
+          <a:p>
+            <a:r>
+              <a:rPr lang="en-US" dirty="0" smtClean="0"/>
+              <a:t>Input</a:t>
+            </a:r>
+            <a:endParaRPr lang="en-US" dirty="0"/>
+          </a:p>
+        </p:txBody>
+      </p:sp>
+      <p:sp>
+        <p:nvSpPr>
+          <p:cNvPr id="16" name="TextBox 15"/>
+          <p:cNvSpPr txBox="1"/>
+          <p:nvPr/>
+        </p:nvSpPr>
+        <p:spPr>
+          <a:xfrm>
+            <a:off x="555946" y="3930214"/>
+            <a:ext cx="1614195" cy="369332"/>
+          </a:xfrm>
+          <a:prstGeom prst="rect">
+            <a:avLst/>
+          </a:prstGeom>
+          <a:noFill/>
+        </p:spPr>
+        <p:txBody>
+          <a:bodyPr wrap="square" rtlCol="0">
+            <a:spAutoFit/>
+          </a:bodyPr>
+          <a:lstStyle/>
+          <a:p>
+            <a:r>
+              <a:rPr lang="en-US" dirty="0" smtClean="0"/>
+              <a:t>Output</a:t>
+            </a:r>
+            <a:endParaRPr lang="en-US" dirty="0"/>
+          </a:p>
+        </p:txBody>
+      </p:sp>
+      <p:sp>
+        <p:nvSpPr>
+          <p:cNvPr id="17" name="TextBox 16"/>
+          <p:cNvSpPr txBox="1"/>
+          <p:nvPr/>
+        </p:nvSpPr>
+        <p:spPr>
+          <a:xfrm>
+            <a:off x="1937090" y="1940773"/>
+            <a:ext cx="668695" cy="216133"/>
+          </a:xfrm>
+          <a:prstGeom prst="rect">
+            <a:avLst/>
+          </a:prstGeom>
+          <a:noFill/>
+        </p:spPr>
+        <p:txBody>
+          <a:bodyPr wrap="square" rtlCol="0">
+            <a:spAutoFit/>
+          </a:bodyPr>
+          <a:lstStyle/>
+          <a:p>
+            <a:r>
+              <a:rPr lang="en-US" sz="800" dirty="0" smtClean="0"/>
+              <a:t>Jan/1/2022</a:t>
+            </a:r>
+            <a:endParaRPr lang="en-US" sz="800" dirty="0"/>
+          </a:p>
+        </p:txBody>
+      </p:sp>
+      <p:sp>
+        <p:nvSpPr>
+          <p:cNvPr id="19" name="TextBox 18"/>
+          <p:cNvSpPr txBox="1"/>
+          <p:nvPr/>
+        </p:nvSpPr>
+        <p:spPr>
+          <a:xfrm>
+            <a:off x="2235189" y="2676882"/>
+            <a:ext cx="843911" cy="215444"/>
+          </a:xfrm>
+          <a:prstGeom prst="rect">
+            <a:avLst/>
+          </a:prstGeom>
+          <a:noFill/>
+        </p:spPr>
+        <p:txBody>
+          <a:bodyPr wrap="square" rtlCol="0">
+            <a:spAutoFit/>
+          </a:bodyPr>
+          <a:lstStyle/>
+          <a:p>
+            <a:r>
+              <a:rPr lang="en-US" sz="800" dirty="0" smtClean="0"/>
+              <a:t>Jan/1/2022</a:t>
+            </a:r>
+            <a:endParaRPr lang="en-US" sz="800" dirty="0"/>
+          </a:p>
+        </p:txBody>
+      </p:sp>
+      <p:sp>
+        <p:nvSpPr>
+          <p:cNvPr id="20" name="TextBox 19"/>
+          <p:cNvSpPr txBox="1"/>
+          <p:nvPr/>
+        </p:nvSpPr>
+        <p:spPr>
+          <a:xfrm>
+            <a:off x="4131140" y="2640898"/>
+            <a:ext cx="926050" cy="215444"/>
+          </a:xfrm>
+          <a:prstGeom prst="rect">
+            <a:avLst/>
+          </a:prstGeom>
+          <a:noFill/>
+        </p:spPr>
+        <p:txBody>
+          <a:bodyPr wrap="square" rtlCol="0">
+            <a:spAutoFit/>
+          </a:bodyPr>
+          <a:lstStyle/>
+          <a:p>
+            <a:r>
+              <a:rPr lang="en-US" sz="800" dirty="0" smtClean="0"/>
+              <a:t>Jan</a:t>
+            </a:r>
+            <a:r>
+              <a:rPr lang="en-US" sz="800" dirty="0" smtClean="0"/>
+              <a:t>/2/2022</a:t>
+            </a:r>
+            <a:endParaRPr lang="en-US" sz="800" dirty="0"/>
+          </a:p>
+        </p:txBody>
+      </p:sp>
+      <p:sp>
+        <p:nvSpPr>
+          <p:cNvPr id="23" name="Rectangle 22"/>
+          <p:cNvSpPr/>
+          <p:nvPr/>
+        </p:nvSpPr>
+        <p:spPr>
+          <a:xfrm>
+            <a:off x="637082" y="4328984"/>
+            <a:ext cx="6941975" cy="1547346"/>
+          </a:xfrm>
+          <a:prstGeom prst="rect">
+            <a:avLst/>
+          </a:prstGeom>
+          <a:noFill/>
+          <a:ln>
+            <a:solidFill>
+              <a:schemeClr val="tx1"/>
+            </a:solidFill>
+          </a:ln>
+        </p:spPr>
+        <p:style>
+          <a:lnRef idx="2">
+            <a:schemeClr val="accent1">
+              <a:shade val="50000"/>
+            </a:schemeClr>
+          </a:lnRef>
+          <a:fillRef idx="1">
+            <a:schemeClr val="accent1"/>
+          </a:fillRef>
+          <a:effectRef idx="0">
+            <a:schemeClr val="accent1"/>
+          </a:effectRef>
+          <a:fontRef idx="minor">
+            <a:schemeClr val="lt1"/>
+          </a:fontRef>
+        </p:style>
+        <p:txBody>
+          <a:bodyPr rtlCol="0" anchor="ctr"/>
+          <a:lstStyle/>
+          <a:p>
+            <a:pPr algn="ctr"/>
+            <a:endParaRPr lang="en-US"/>
+          </a:p>
+        </p:txBody>
+      </p:sp>
+      <p:cxnSp>
+        <p:nvCxnSpPr>
+          <p:cNvPr id="24" name="Straight Arrow Connector 23"/>
+          <p:cNvCxnSpPr/>
+          <p:nvPr/>
+        </p:nvCxnSpPr>
+        <p:spPr>
+          <a:xfrm flipV="1">
+            <a:off x="2146720" y="5279601"/>
+            <a:ext cx="22903" cy="22241"/>
+          </a:xfrm>
+          <a:prstGeom prst="straightConnector1">
+            <a:avLst/>
+          </a:prstGeom>
+          <a:ln w="28575" cap="sq">
+            <a:solidFill>
+              <a:schemeClr val="tx1">
+                <a:alpha val="93000"/>
+              </a:schemeClr>
+            </a:solidFill>
+            <a:bevel/>
+            <a:headEnd type="diamond" w="lg" len="lg"/>
+            <a:tailEnd type="diamond" w="lg" len="lg"/>
+          </a:ln>
+        </p:spPr>
+        <p:style>
+          <a:lnRef idx="1">
+            <a:schemeClr val="accent1"/>
+          </a:lnRef>
+          <a:fillRef idx="0">
+            <a:schemeClr val="accent1"/>
+          </a:fillRef>
+          <a:effectRef idx="0">
+            <a:schemeClr val="accent1"/>
+          </a:effectRef>
+          <a:fontRef idx="minor">
+            <a:schemeClr val="tx1"/>
+          </a:fontRef>
+        </p:style>
+      </p:cxnSp>
+      <p:sp>
+        <p:nvSpPr>
+          <p:cNvPr id="25" name="TextBox 24"/>
+          <p:cNvSpPr txBox="1"/>
+          <p:nvPr/>
+        </p:nvSpPr>
+        <p:spPr>
+          <a:xfrm>
+            <a:off x="1608482" y="4880831"/>
+            <a:ext cx="1119674" cy="369332"/>
+          </a:xfrm>
+          <a:prstGeom prst="rect">
+            <a:avLst/>
+          </a:prstGeom>
+          <a:noFill/>
+        </p:spPr>
+        <p:txBody>
+          <a:bodyPr wrap="square" rtlCol="0">
+            <a:spAutoFit/>
+          </a:bodyPr>
+          <a:lstStyle/>
+          <a:p>
+            <a:r>
+              <a:rPr lang="en-US" dirty="0" smtClean="0"/>
+              <a:t>Cohort </a:t>
+            </a:r>
+            <a:r>
+              <a:rPr lang="en-US" dirty="0" smtClean="0"/>
+              <a:t>3</a:t>
+            </a:r>
+            <a:endParaRPr lang="en-US" dirty="0"/>
+          </a:p>
+        </p:txBody>
+      </p:sp>
+      <p:sp>
+        <p:nvSpPr>
+          <p:cNvPr id="30" name="TextBox 29"/>
+          <p:cNvSpPr txBox="1"/>
+          <p:nvPr/>
+        </p:nvSpPr>
+        <p:spPr>
+          <a:xfrm>
+            <a:off x="1669276" y="4387860"/>
+            <a:ext cx="5122506" cy="369332"/>
+          </a:xfrm>
+          <a:prstGeom prst="rect">
+            <a:avLst/>
+          </a:prstGeom>
+          <a:noFill/>
+        </p:spPr>
+        <p:txBody>
+          <a:bodyPr wrap="square" rtlCol="0">
+            <a:spAutoFit/>
+          </a:bodyPr>
+          <a:lstStyle/>
+          <a:p>
+            <a:r>
+              <a:rPr lang="en-US" dirty="0" smtClean="0"/>
+              <a:t>Output</a:t>
+            </a:r>
+            <a:endParaRPr lang="en-US" dirty="0"/>
+          </a:p>
+        </p:txBody>
+      </p:sp>
+      <p:sp>
+        <p:nvSpPr>
+          <p:cNvPr id="32" name="TextBox 31"/>
+          <p:cNvSpPr txBox="1"/>
+          <p:nvPr/>
+        </p:nvSpPr>
+        <p:spPr>
+          <a:xfrm>
+            <a:off x="1908008" y="5450257"/>
+            <a:ext cx="668695" cy="216133"/>
+          </a:xfrm>
+          <a:prstGeom prst="rect">
+            <a:avLst/>
+          </a:prstGeom>
+          <a:noFill/>
+        </p:spPr>
+        <p:txBody>
+          <a:bodyPr wrap="square" rtlCol="0">
+            <a:spAutoFit/>
+          </a:bodyPr>
+          <a:lstStyle/>
+          <a:p>
+            <a:r>
+              <a:rPr lang="en-US" sz="800" dirty="0" smtClean="0"/>
+              <a:t>Jan/1/2022</a:t>
+            </a:r>
+            <a:endParaRPr lang="en-US" sz="800" dirty="0"/>
+          </a:p>
+        </p:txBody>
+      </p:sp>
+      <p:sp>
+        <p:nvSpPr>
+          <p:cNvPr id="2" name="TextBox 1"/>
+          <p:cNvSpPr txBox="1"/>
+          <p:nvPr/>
+        </p:nvSpPr>
+        <p:spPr>
+          <a:xfrm>
+            <a:off x="8520545" y="406653"/>
+            <a:ext cx="3366655" cy="369332"/>
+          </a:xfrm>
+          <a:prstGeom prst="rect">
+            <a:avLst/>
+          </a:prstGeom>
+          <a:noFill/>
+        </p:spPr>
+        <p:txBody>
+          <a:bodyPr wrap="square" rtlCol="0">
+            <a:spAutoFit/>
+          </a:bodyPr>
+          <a:lstStyle/>
+          <a:p>
+            <a:r>
+              <a:rPr lang="en-US" dirty="0" smtClean="0"/>
+              <a:t>Intersection one day</a:t>
+            </a:r>
+            <a:endParaRPr lang="en-US" dirty="0"/>
+          </a:p>
+        </p:txBody>
+      </p:sp>
+      <p:sp>
+        <p:nvSpPr>
+          <p:cNvPr id="6" name="TextBox 5"/>
+          <p:cNvSpPr txBox="1"/>
+          <p:nvPr/>
+        </p:nvSpPr>
+        <p:spPr>
+          <a:xfrm>
+            <a:off x="2132300" y="1695796"/>
+            <a:ext cx="45719" cy="399697"/>
+          </a:xfrm>
+          <a:prstGeom prst="rect">
+            <a:avLst/>
+          </a:prstGeom>
+          <a:noFill/>
+        </p:spPr>
+        <p:txBody>
+          <a:bodyPr wrap="square" rtlCol="0">
+            <a:spAutoFit/>
+          </a:bodyPr>
+          <a:lstStyle/>
+          <a:p>
+            <a:endParaRPr lang="en-US" dirty="0"/>
+          </a:p>
+        </p:txBody>
+      </p:sp>
+      <p:sp>
+        <p:nvSpPr>
+          <p:cNvPr id="26" name="TextBox 25"/>
+          <p:cNvSpPr txBox="1"/>
+          <p:nvPr/>
+        </p:nvSpPr>
+        <p:spPr>
+          <a:xfrm>
+            <a:off x="2051502" y="1695466"/>
+            <a:ext cx="190853" cy="1680852"/>
+          </a:xfrm>
+          <a:prstGeom prst="rect">
+            <a:avLst/>
+          </a:prstGeom>
+          <a:noFill/>
+        </p:spPr>
+        <p:txBody>
+          <a:bodyPr wrap="square" rtlCol="0">
+            <a:spAutoFit/>
+          </a:bodyPr>
+          <a:lstStyle/>
+          <a:p>
+            <a:endParaRPr lang="en-US" dirty="0"/>
+          </a:p>
+        </p:txBody>
+      </p:sp>
+    </p:spTree>
+    <p:extLst>
+      <p:ext uri="{BB962C8B-B14F-4D97-AF65-F5344CB8AC3E}">
+        <p14:creationId xmlns:p14="http://schemas.microsoft.com/office/powerpoint/2010/main" val="525306742"/>
+      </p:ext>
+    </p:extLst>
+  </p:cSld>
+  <p:clrMapOvr>
+    <a:masterClrMapping/>
+  </p:clrMapOvr>
+</p:sld>
+</file>
+
+<file path=ppt/slides/slide3.xml><?xml version="1.0" encoding="utf-8"?>
+<p:sld xmlns:a="http://schemas.openxmlformats.org/drawingml/2006/main" xmlns:r="http://schemas.openxmlformats.org/officeDocument/2006/relationships" xmlns:p="http://schemas.openxmlformats.org/presentationml/2006/main">
+  <p:cSld>
+    <p:spTree>
+      <p:nvGrpSpPr>
+        <p:cNvPr id="1" name=""/>
+        <p:cNvGrpSpPr/>
+        <p:nvPr/>
+      </p:nvGrpSpPr>
+      <p:grpSpPr>
+        <a:xfrm>
+          <a:off x="0" y="0"/>
+          <a:ext cx="0" cy="0"/>
+          <a:chOff x="0" y="0"/>
+          <a:chExt cx="0" cy="0"/>
+        </a:xfrm>
+      </p:grpSpPr>
+      <p:sp>
+        <p:nvSpPr>
+          <p:cNvPr id="8" name="Rectangle 7"/>
+          <p:cNvSpPr/>
+          <p:nvPr/>
+        </p:nvSpPr>
+        <p:spPr>
+          <a:xfrm>
+            <a:off x="637082" y="406653"/>
+            <a:ext cx="6941975" cy="3377681"/>
+          </a:xfrm>
+          <a:prstGeom prst="rect">
+            <a:avLst/>
+          </a:prstGeom>
+          <a:noFill/>
+          <a:ln>
+            <a:solidFill>
+              <a:schemeClr val="tx1"/>
+            </a:solidFill>
+          </a:ln>
+        </p:spPr>
+        <p:style>
+          <a:lnRef idx="2">
+            <a:schemeClr val="accent1">
+              <a:shade val="50000"/>
+            </a:schemeClr>
+          </a:lnRef>
+          <a:fillRef idx="1">
+            <a:schemeClr val="accent1"/>
+          </a:fillRef>
+          <a:effectRef idx="0">
+            <a:schemeClr val="accent1"/>
+          </a:effectRef>
+          <a:fontRef idx="minor">
+            <a:schemeClr val="lt1"/>
+          </a:fontRef>
+        </p:style>
+        <p:txBody>
+          <a:bodyPr rtlCol="0" anchor="ctr"/>
+          <a:lstStyle/>
+          <a:p>
+            <a:pPr algn="ctr"/>
+            <a:endParaRPr lang="en-US"/>
+          </a:p>
+        </p:txBody>
+      </p:sp>
+      <p:cxnSp>
+        <p:nvCxnSpPr>
+          <p:cNvPr id="5" name="Straight Arrow Connector 4"/>
+          <p:cNvCxnSpPr/>
+          <p:nvPr/>
+        </p:nvCxnSpPr>
+        <p:spPr>
+          <a:xfrm>
+            <a:off x="1010081" y="1787575"/>
+            <a:ext cx="1928552" cy="8313"/>
+          </a:xfrm>
+          <a:prstGeom prst="straightConnector1">
+            <a:avLst/>
+          </a:prstGeom>
+          <a:ln w="28575" cap="sq">
+            <a:solidFill>
+              <a:schemeClr val="tx1">
+                <a:alpha val="93000"/>
+              </a:schemeClr>
+            </a:solidFill>
+            <a:bevel/>
+            <a:headEnd type="diamond" w="lg" len="lg"/>
+            <a:tailEnd type="diamond" w="lg" len="lg"/>
+          </a:ln>
+        </p:spPr>
+        <p:style>
+          <a:lnRef idx="1">
+            <a:schemeClr val="accent1"/>
+          </a:lnRef>
+          <a:fillRef idx="0">
+            <a:schemeClr val="accent1"/>
+          </a:fillRef>
+          <a:effectRef idx="0">
+            <a:schemeClr val="accent1"/>
+          </a:effectRef>
+          <a:fontRef idx="minor">
+            <a:schemeClr val="tx1"/>
+          </a:fontRef>
+        </p:style>
+      </p:cxnSp>
+      <p:sp>
+        <p:nvSpPr>
+          <p:cNvPr id="9" name="TextBox 8"/>
+          <p:cNvSpPr txBox="1"/>
+          <p:nvPr/>
+        </p:nvSpPr>
+        <p:spPr>
+          <a:xfrm>
+            <a:off x="1483566" y="1436913"/>
+            <a:ext cx="1119674" cy="369332"/>
+          </a:xfrm>
+          <a:prstGeom prst="rect">
+            <a:avLst/>
+          </a:prstGeom>
+          <a:noFill/>
+        </p:spPr>
+        <p:txBody>
+          <a:bodyPr wrap="square" rtlCol="0">
+            <a:spAutoFit/>
+          </a:bodyPr>
+          <a:lstStyle/>
+          <a:p>
+            <a:r>
+              <a:rPr lang="en-US" dirty="0" smtClean="0"/>
+              <a:t>Cohort 1</a:t>
+            </a:r>
+            <a:endParaRPr lang="en-US" dirty="0"/>
+          </a:p>
+        </p:txBody>
+      </p:sp>
+      <p:cxnSp>
+        <p:nvCxnSpPr>
+          <p:cNvPr id="10" name="Straight Arrow Connector 9"/>
+          <p:cNvCxnSpPr/>
+          <p:nvPr/>
+        </p:nvCxnSpPr>
+        <p:spPr>
+          <a:xfrm>
+            <a:off x="2478097" y="2552694"/>
+            <a:ext cx="1928552" cy="8313"/>
+          </a:xfrm>
+          <a:prstGeom prst="straightConnector1">
+            <a:avLst/>
+          </a:prstGeom>
+          <a:ln w="28575" cap="sq">
+            <a:solidFill>
+              <a:schemeClr val="tx1">
+                <a:alpha val="93000"/>
+              </a:schemeClr>
+            </a:solidFill>
+            <a:bevel/>
+            <a:headEnd type="diamond" w="lg" len="lg"/>
+            <a:tailEnd type="diamond" w="lg" len="lg"/>
+          </a:ln>
+        </p:spPr>
+        <p:style>
+          <a:lnRef idx="1">
+            <a:schemeClr val="accent1"/>
+          </a:lnRef>
+          <a:fillRef idx="0">
+            <a:schemeClr val="accent1"/>
+          </a:fillRef>
+          <a:effectRef idx="0">
+            <a:schemeClr val="accent1"/>
+          </a:effectRef>
+          <a:fontRef idx="minor">
+            <a:schemeClr val="tx1"/>
+          </a:fontRef>
+        </p:style>
+      </p:cxnSp>
+      <p:sp>
+        <p:nvSpPr>
+          <p:cNvPr id="11" name="TextBox 10"/>
+          <p:cNvSpPr txBox="1"/>
+          <p:nvPr/>
+        </p:nvSpPr>
+        <p:spPr>
+          <a:xfrm>
+            <a:off x="2951582" y="2202032"/>
+            <a:ext cx="1119674" cy="369332"/>
+          </a:xfrm>
+          <a:prstGeom prst="rect">
+            <a:avLst/>
+          </a:prstGeom>
+          <a:noFill/>
+        </p:spPr>
+        <p:txBody>
+          <a:bodyPr wrap="square" rtlCol="0">
+            <a:spAutoFit/>
+          </a:bodyPr>
+          <a:lstStyle/>
+          <a:p>
+            <a:r>
+              <a:rPr lang="en-US" dirty="0" smtClean="0"/>
+              <a:t>Cohort 2</a:t>
+            </a:r>
+            <a:endParaRPr lang="en-US" dirty="0"/>
+          </a:p>
+        </p:txBody>
+      </p:sp>
+      <p:cxnSp>
+        <p:nvCxnSpPr>
+          <p:cNvPr id="12" name="Straight Arrow Connector 11"/>
+          <p:cNvCxnSpPr/>
+          <p:nvPr/>
+        </p:nvCxnSpPr>
+        <p:spPr>
+          <a:xfrm>
+            <a:off x="1406893" y="3280482"/>
+            <a:ext cx="1928552" cy="8313"/>
+          </a:xfrm>
+          <a:prstGeom prst="straightConnector1">
+            <a:avLst/>
+          </a:prstGeom>
+          <a:ln w="28575" cap="sq">
+            <a:solidFill>
+              <a:schemeClr val="tx1">
+                <a:alpha val="93000"/>
+              </a:schemeClr>
+            </a:solidFill>
+            <a:bevel/>
+            <a:headEnd type="diamond" w="lg" len="lg"/>
+            <a:tailEnd type="diamond" w="lg" len="lg"/>
+          </a:ln>
+        </p:spPr>
+        <p:style>
+          <a:lnRef idx="1">
+            <a:schemeClr val="accent1"/>
+          </a:lnRef>
+          <a:fillRef idx="0">
+            <a:schemeClr val="accent1"/>
+          </a:fillRef>
+          <a:effectRef idx="0">
+            <a:schemeClr val="accent1"/>
+          </a:effectRef>
+          <a:fontRef idx="minor">
+            <a:schemeClr val="tx1"/>
+          </a:fontRef>
+        </p:style>
+      </p:cxnSp>
+      <p:sp>
+        <p:nvSpPr>
+          <p:cNvPr id="13" name="TextBox 12"/>
+          <p:cNvSpPr txBox="1"/>
+          <p:nvPr/>
+        </p:nvSpPr>
+        <p:spPr>
+          <a:xfrm>
+            <a:off x="1160791" y="2890966"/>
+            <a:ext cx="1119674" cy="369332"/>
+          </a:xfrm>
+          <a:prstGeom prst="rect">
+            <a:avLst/>
+          </a:prstGeom>
+          <a:noFill/>
+        </p:spPr>
+        <p:txBody>
+          <a:bodyPr wrap="square" rtlCol="0">
+            <a:spAutoFit/>
+          </a:bodyPr>
+          <a:lstStyle/>
+          <a:p>
+            <a:r>
+              <a:rPr lang="en-US" dirty="0" smtClean="0"/>
+              <a:t>Cohort 3</a:t>
+            </a:r>
+            <a:endParaRPr lang="en-US" dirty="0"/>
+          </a:p>
+        </p:txBody>
+      </p:sp>
+      <p:sp>
+        <p:nvSpPr>
+          <p:cNvPr id="15" name="TextBox 14"/>
+          <p:cNvSpPr txBox="1"/>
+          <p:nvPr/>
+        </p:nvSpPr>
+        <p:spPr>
+          <a:xfrm>
+            <a:off x="709127" y="46652"/>
+            <a:ext cx="1614195" cy="369332"/>
+          </a:xfrm>
+          <a:prstGeom prst="rect">
+            <a:avLst/>
+          </a:prstGeom>
+          <a:noFill/>
+        </p:spPr>
+        <p:txBody>
+          <a:bodyPr wrap="square" rtlCol="0">
+            <a:spAutoFit/>
+          </a:bodyPr>
+          <a:lstStyle/>
+          <a:p>
+            <a:r>
+              <a:rPr lang="en-US" dirty="0" smtClean="0"/>
+              <a:t>Input</a:t>
+            </a:r>
+            <a:endParaRPr lang="en-US" dirty="0"/>
+          </a:p>
+        </p:txBody>
+      </p:sp>
+      <p:sp>
+        <p:nvSpPr>
+          <p:cNvPr id="16" name="TextBox 15"/>
+          <p:cNvSpPr txBox="1"/>
+          <p:nvPr/>
+        </p:nvSpPr>
+        <p:spPr>
+          <a:xfrm>
+            <a:off x="555946" y="3930214"/>
+            <a:ext cx="1614195" cy="369332"/>
+          </a:xfrm>
+          <a:prstGeom prst="rect">
+            <a:avLst/>
+          </a:prstGeom>
+          <a:noFill/>
+        </p:spPr>
+        <p:txBody>
+          <a:bodyPr wrap="square" rtlCol="0">
+            <a:spAutoFit/>
+          </a:bodyPr>
+          <a:lstStyle/>
+          <a:p>
+            <a:r>
+              <a:rPr lang="en-US" dirty="0" smtClean="0"/>
+              <a:t>Output</a:t>
+            </a:r>
+            <a:endParaRPr lang="en-US" dirty="0"/>
+          </a:p>
+        </p:txBody>
+      </p:sp>
+      <p:sp>
+        <p:nvSpPr>
+          <p:cNvPr id="17" name="TextBox 16"/>
+          <p:cNvSpPr txBox="1"/>
+          <p:nvPr/>
+        </p:nvSpPr>
+        <p:spPr>
+          <a:xfrm>
+            <a:off x="814871" y="1940773"/>
+            <a:ext cx="668695" cy="216133"/>
+          </a:xfrm>
+          <a:prstGeom prst="rect">
+            <a:avLst/>
+          </a:prstGeom>
+          <a:noFill/>
+        </p:spPr>
+        <p:txBody>
+          <a:bodyPr wrap="square" rtlCol="0">
+            <a:spAutoFit/>
+          </a:bodyPr>
+          <a:lstStyle/>
+          <a:p>
+            <a:r>
+              <a:rPr lang="en-US" sz="800" dirty="0" smtClean="0"/>
+              <a:t>Jan/1/2022</a:t>
+            </a:r>
+            <a:endParaRPr lang="en-US" sz="800" dirty="0"/>
+          </a:p>
+        </p:txBody>
+      </p:sp>
+      <p:sp>
+        <p:nvSpPr>
+          <p:cNvPr id="18" name="TextBox 17"/>
+          <p:cNvSpPr txBox="1"/>
+          <p:nvPr/>
+        </p:nvSpPr>
+        <p:spPr>
+          <a:xfrm>
+            <a:off x="2816284" y="1946425"/>
+            <a:ext cx="887967" cy="215444"/>
+          </a:xfrm>
+          <a:prstGeom prst="rect">
+            <a:avLst/>
+          </a:prstGeom>
+          <a:noFill/>
+        </p:spPr>
+        <p:txBody>
+          <a:bodyPr wrap="square" rtlCol="0">
+            <a:spAutoFit/>
+          </a:bodyPr>
+          <a:lstStyle/>
+          <a:p>
+            <a:r>
+              <a:rPr lang="en-US" sz="800" dirty="0" smtClean="0"/>
+              <a:t>Mar/1/2022</a:t>
+            </a:r>
+            <a:endParaRPr lang="en-US" sz="800" dirty="0"/>
+          </a:p>
+        </p:txBody>
+      </p:sp>
+      <p:sp>
+        <p:nvSpPr>
+          <p:cNvPr id="19" name="TextBox 18"/>
+          <p:cNvSpPr txBox="1"/>
+          <p:nvPr/>
+        </p:nvSpPr>
+        <p:spPr>
+          <a:xfrm>
+            <a:off x="2235189" y="2676882"/>
+            <a:ext cx="843911" cy="215444"/>
+          </a:xfrm>
+          <a:prstGeom prst="rect">
+            <a:avLst/>
+          </a:prstGeom>
+          <a:noFill/>
+        </p:spPr>
+        <p:txBody>
+          <a:bodyPr wrap="square" rtlCol="0">
+            <a:spAutoFit/>
+          </a:bodyPr>
+          <a:lstStyle/>
+          <a:p>
+            <a:r>
+              <a:rPr lang="en-US" sz="800" dirty="0" smtClean="0"/>
+              <a:t>Feb/10/2022</a:t>
+            </a:r>
+            <a:endParaRPr lang="en-US" sz="800" dirty="0"/>
+          </a:p>
+        </p:txBody>
+      </p:sp>
+      <p:sp>
+        <p:nvSpPr>
+          <p:cNvPr id="20" name="TextBox 19"/>
+          <p:cNvSpPr txBox="1"/>
+          <p:nvPr/>
+        </p:nvSpPr>
+        <p:spPr>
+          <a:xfrm>
+            <a:off x="4131140" y="2640898"/>
+            <a:ext cx="926050" cy="215444"/>
+          </a:xfrm>
+          <a:prstGeom prst="rect">
+            <a:avLst/>
+          </a:prstGeom>
+          <a:noFill/>
+        </p:spPr>
+        <p:txBody>
+          <a:bodyPr wrap="square" rtlCol="0">
+            <a:spAutoFit/>
+          </a:bodyPr>
+          <a:lstStyle/>
+          <a:p>
+            <a:r>
+              <a:rPr lang="en-US" sz="800" dirty="0" smtClean="0"/>
+              <a:t>May/10/2022</a:t>
+            </a:r>
+            <a:endParaRPr lang="en-US" sz="800" dirty="0"/>
+          </a:p>
+        </p:txBody>
+      </p:sp>
+      <p:sp>
+        <p:nvSpPr>
+          <p:cNvPr id="21" name="TextBox 20"/>
+          <p:cNvSpPr txBox="1"/>
+          <p:nvPr/>
+        </p:nvSpPr>
+        <p:spPr>
+          <a:xfrm>
+            <a:off x="2280465" y="3318463"/>
+            <a:ext cx="926050" cy="215444"/>
+          </a:xfrm>
+          <a:prstGeom prst="rect">
+            <a:avLst/>
+          </a:prstGeom>
+          <a:noFill/>
+        </p:spPr>
+        <p:txBody>
+          <a:bodyPr wrap="square" rtlCol="0">
+            <a:spAutoFit/>
+          </a:bodyPr>
+          <a:lstStyle/>
+          <a:p>
+            <a:r>
+              <a:rPr lang="en-US" sz="800" dirty="0" smtClean="0"/>
+              <a:t>Mar/15/2022</a:t>
+            </a:r>
+            <a:endParaRPr lang="en-US" sz="800" dirty="0"/>
+          </a:p>
+        </p:txBody>
+      </p:sp>
+      <p:sp>
+        <p:nvSpPr>
+          <p:cNvPr id="22" name="TextBox 21"/>
+          <p:cNvSpPr txBox="1"/>
+          <p:nvPr/>
+        </p:nvSpPr>
+        <p:spPr>
+          <a:xfrm>
+            <a:off x="950850" y="3330050"/>
+            <a:ext cx="843911" cy="215444"/>
+          </a:xfrm>
+          <a:prstGeom prst="rect">
+            <a:avLst/>
+          </a:prstGeom>
+          <a:noFill/>
+        </p:spPr>
+        <p:txBody>
+          <a:bodyPr wrap="square" rtlCol="0">
+            <a:spAutoFit/>
+          </a:bodyPr>
+          <a:lstStyle/>
+          <a:p>
+            <a:r>
+              <a:rPr lang="en-US" sz="800" dirty="0" smtClean="0"/>
+              <a:t>Jan</a:t>
+            </a:r>
+            <a:r>
+              <a:rPr lang="en-US" sz="800" dirty="0" smtClean="0"/>
+              <a:t>/15/2022</a:t>
+            </a:r>
+            <a:endParaRPr lang="en-US" sz="800" dirty="0"/>
+          </a:p>
+        </p:txBody>
+      </p:sp>
+      <p:sp>
+        <p:nvSpPr>
+          <p:cNvPr id="23" name="Rectangle 22"/>
+          <p:cNvSpPr/>
+          <p:nvPr/>
+        </p:nvSpPr>
+        <p:spPr>
+          <a:xfrm>
+            <a:off x="637082" y="4328984"/>
+            <a:ext cx="6941975" cy="1547346"/>
+          </a:xfrm>
+          <a:prstGeom prst="rect">
+            <a:avLst/>
+          </a:prstGeom>
+          <a:noFill/>
+          <a:ln>
+            <a:solidFill>
+              <a:schemeClr val="tx1"/>
+            </a:solidFill>
+          </a:ln>
+        </p:spPr>
+        <p:style>
+          <a:lnRef idx="2">
+            <a:schemeClr val="accent1">
+              <a:shade val="50000"/>
+            </a:schemeClr>
+          </a:lnRef>
+          <a:fillRef idx="1">
+            <a:schemeClr val="accent1"/>
+          </a:fillRef>
+          <a:effectRef idx="0">
+            <a:schemeClr val="accent1"/>
+          </a:effectRef>
+          <a:fontRef idx="minor">
+            <a:schemeClr val="lt1"/>
+          </a:fontRef>
+        </p:style>
+        <p:txBody>
+          <a:bodyPr rtlCol="0" anchor="ctr"/>
+          <a:lstStyle/>
+          <a:p>
+            <a:pPr algn="ctr"/>
+            <a:endParaRPr lang="en-US"/>
+          </a:p>
+        </p:txBody>
+      </p:sp>
+      <p:cxnSp>
+        <p:nvCxnSpPr>
+          <p:cNvPr id="24" name="Straight Arrow Connector 23"/>
+          <p:cNvCxnSpPr/>
+          <p:nvPr/>
+        </p:nvCxnSpPr>
+        <p:spPr>
+          <a:xfrm>
+            <a:off x="2478097" y="5250163"/>
+            <a:ext cx="601003" cy="0"/>
+          </a:xfrm>
+          <a:prstGeom prst="straightConnector1">
+            <a:avLst/>
+          </a:prstGeom>
+          <a:ln w="28575" cap="sq">
+            <a:solidFill>
+              <a:schemeClr val="tx1">
+                <a:alpha val="93000"/>
+              </a:schemeClr>
+            </a:solidFill>
+            <a:bevel/>
+            <a:headEnd type="diamond" w="lg" len="lg"/>
+            <a:tailEnd type="diamond" w="lg" len="lg"/>
+          </a:ln>
+        </p:spPr>
+        <p:style>
+          <a:lnRef idx="1">
+            <a:schemeClr val="accent1"/>
+          </a:lnRef>
+          <a:fillRef idx="0">
+            <a:schemeClr val="accent1"/>
+          </a:fillRef>
+          <a:effectRef idx="0">
+            <a:schemeClr val="accent1"/>
+          </a:effectRef>
+          <a:fontRef idx="minor">
+            <a:schemeClr val="tx1"/>
+          </a:fontRef>
+        </p:style>
+      </p:cxnSp>
+      <p:sp>
+        <p:nvSpPr>
+          <p:cNvPr id="25" name="TextBox 24"/>
+          <p:cNvSpPr txBox="1"/>
+          <p:nvPr/>
+        </p:nvSpPr>
+        <p:spPr>
+          <a:xfrm>
+            <a:off x="2988395" y="4880831"/>
+            <a:ext cx="1119674" cy="369332"/>
+          </a:xfrm>
+          <a:prstGeom prst="rect">
+            <a:avLst/>
+          </a:prstGeom>
+          <a:noFill/>
+        </p:spPr>
+        <p:txBody>
+          <a:bodyPr wrap="square" rtlCol="0">
+            <a:spAutoFit/>
+          </a:bodyPr>
+          <a:lstStyle/>
+          <a:p>
+            <a:r>
+              <a:rPr lang="en-US" dirty="0" smtClean="0"/>
+              <a:t>Cohort 4</a:t>
+            </a:r>
+            <a:endParaRPr lang="en-US" dirty="0"/>
+          </a:p>
+        </p:txBody>
+      </p:sp>
+      <p:sp>
+        <p:nvSpPr>
+          <p:cNvPr id="30" name="TextBox 29"/>
+          <p:cNvSpPr txBox="1"/>
+          <p:nvPr/>
+        </p:nvSpPr>
+        <p:spPr>
+          <a:xfrm>
+            <a:off x="1669276" y="4387860"/>
+            <a:ext cx="5122506" cy="369332"/>
+          </a:xfrm>
+          <a:prstGeom prst="rect">
+            <a:avLst/>
+          </a:prstGeom>
+          <a:noFill/>
+        </p:spPr>
+        <p:txBody>
+          <a:bodyPr wrap="square" rtlCol="0">
+            <a:spAutoFit/>
+          </a:bodyPr>
+          <a:lstStyle/>
+          <a:p>
+            <a:r>
+              <a:rPr lang="en-US" dirty="0" smtClean="0"/>
+              <a:t>Output</a:t>
+            </a:r>
+            <a:endParaRPr lang="en-US" dirty="0"/>
+          </a:p>
+        </p:txBody>
+      </p:sp>
+      <p:sp>
+        <p:nvSpPr>
+          <p:cNvPr id="32" name="TextBox 31"/>
+          <p:cNvSpPr txBox="1"/>
+          <p:nvPr/>
+        </p:nvSpPr>
+        <p:spPr>
+          <a:xfrm>
+            <a:off x="1955110" y="5482485"/>
+            <a:ext cx="809077" cy="215444"/>
+          </a:xfrm>
+          <a:prstGeom prst="rect">
+            <a:avLst/>
+          </a:prstGeom>
+          <a:noFill/>
+        </p:spPr>
+        <p:txBody>
+          <a:bodyPr wrap="square" rtlCol="0">
+            <a:spAutoFit/>
+          </a:bodyPr>
+          <a:lstStyle/>
+          <a:p>
+            <a:r>
+              <a:rPr lang="en-US" sz="800" dirty="0" smtClean="0"/>
+              <a:t>Feb</a:t>
+            </a:r>
+            <a:r>
+              <a:rPr lang="en-US" sz="800" dirty="0" smtClean="0"/>
+              <a:t>/10/2022</a:t>
+            </a:r>
+            <a:endParaRPr lang="en-US" sz="800" dirty="0"/>
+          </a:p>
+        </p:txBody>
+      </p:sp>
+      <p:sp>
+        <p:nvSpPr>
+          <p:cNvPr id="45" name="TextBox 44"/>
+          <p:cNvSpPr txBox="1"/>
+          <p:nvPr/>
+        </p:nvSpPr>
+        <p:spPr>
+          <a:xfrm>
+            <a:off x="2743490" y="5482485"/>
+            <a:ext cx="926050" cy="215444"/>
+          </a:xfrm>
+          <a:prstGeom prst="rect">
+            <a:avLst/>
+          </a:prstGeom>
+          <a:noFill/>
+        </p:spPr>
+        <p:txBody>
+          <a:bodyPr wrap="square" rtlCol="0">
+            <a:spAutoFit/>
+          </a:bodyPr>
+          <a:lstStyle/>
+          <a:p>
+            <a:r>
+              <a:rPr lang="en-US" sz="800" dirty="0" smtClean="0"/>
+              <a:t>Mar/1/2022</a:t>
+            </a:r>
+            <a:endParaRPr lang="en-US" sz="800" dirty="0"/>
+          </a:p>
+        </p:txBody>
+      </p:sp>
+      <p:sp>
+        <p:nvSpPr>
+          <p:cNvPr id="28" name="TextBox 27"/>
+          <p:cNvSpPr txBox="1"/>
+          <p:nvPr/>
+        </p:nvSpPr>
+        <p:spPr>
+          <a:xfrm>
+            <a:off x="1063690" y="513184"/>
+            <a:ext cx="5122506" cy="369332"/>
+          </a:xfrm>
+          <a:prstGeom prst="rect">
+            <a:avLst/>
+          </a:prstGeom>
+          <a:noFill/>
+        </p:spPr>
+        <p:txBody>
+          <a:bodyPr wrap="square" rtlCol="0">
+            <a:spAutoFit/>
+          </a:bodyPr>
+          <a:lstStyle/>
+          <a:p>
+            <a:r>
+              <a:rPr lang="en-US" dirty="0" smtClean="0"/>
+              <a:t>Cohort </a:t>
+            </a:r>
+            <a:r>
+              <a:rPr lang="en-US" dirty="0" smtClean="0"/>
+              <a:t>Intersect:</a:t>
+            </a:r>
+            <a:endParaRPr lang="en-US" dirty="0"/>
+          </a:p>
+        </p:txBody>
+      </p:sp>
+      <p:sp>
+        <p:nvSpPr>
+          <p:cNvPr id="4" name="Rectangle 3"/>
+          <p:cNvSpPr/>
+          <p:nvPr/>
+        </p:nvSpPr>
+        <p:spPr>
+          <a:xfrm>
+            <a:off x="1010081" y="1354975"/>
+            <a:ext cx="396812" cy="2429359"/>
+          </a:xfrm>
+          <a:prstGeom prst="rect">
+            <a:avLst/>
+          </a:prstGeom>
+          <a:noFill/>
+        </p:spPr>
+        <p:style>
+          <a:lnRef idx="2">
+            <a:schemeClr val="accent1">
+              <a:shade val="50000"/>
+            </a:schemeClr>
+          </a:lnRef>
+          <a:fillRef idx="1">
+            <a:schemeClr val="accent1"/>
+          </a:fillRef>
+          <a:effectRef idx="0">
+            <a:schemeClr val="accent1"/>
+          </a:effectRef>
+          <a:fontRef idx="minor">
+            <a:schemeClr val="lt1"/>
+          </a:fontRef>
+        </p:style>
+        <p:txBody>
+          <a:bodyPr rtlCol="0" anchor="ctr"/>
+          <a:lstStyle/>
+          <a:p>
+            <a:pPr algn="ctr"/>
+            <a:endParaRPr lang="en-US"/>
+          </a:p>
+        </p:txBody>
+      </p:sp>
+      <p:sp>
+        <p:nvSpPr>
+          <p:cNvPr id="33" name="Rectangle 32"/>
+          <p:cNvSpPr/>
+          <p:nvPr/>
+        </p:nvSpPr>
+        <p:spPr>
+          <a:xfrm>
+            <a:off x="1417258" y="1354974"/>
+            <a:ext cx="1060839" cy="2424815"/>
+          </a:xfrm>
+          <a:prstGeom prst="rect">
+            <a:avLst/>
+          </a:prstGeom>
+          <a:noFill/>
+        </p:spPr>
+        <p:style>
+          <a:lnRef idx="2">
+            <a:schemeClr val="accent1">
+              <a:shade val="50000"/>
+            </a:schemeClr>
+          </a:lnRef>
+          <a:fillRef idx="1">
+            <a:schemeClr val="accent1"/>
+          </a:fillRef>
+          <a:effectRef idx="0">
+            <a:schemeClr val="accent1"/>
+          </a:effectRef>
+          <a:fontRef idx="minor">
+            <a:schemeClr val="lt1"/>
+          </a:fontRef>
+        </p:style>
+        <p:txBody>
+          <a:bodyPr rtlCol="0" anchor="ctr"/>
+          <a:lstStyle/>
+          <a:p>
+            <a:pPr algn="ctr"/>
+            <a:endParaRPr lang="en-US"/>
+          </a:p>
+        </p:txBody>
+      </p:sp>
+      <p:sp>
+        <p:nvSpPr>
+          <p:cNvPr id="34" name="Rectangle 33"/>
+          <p:cNvSpPr/>
+          <p:nvPr/>
+        </p:nvSpPr>
+        <p:spPr>
+          <a:xfrm>
+            <a:off x="2467445" y="1366680"/>
+            <a:ext cx="481554" cy="2413109"/>
+          </a:xfrm>
+          <a:prstGeom prst="rect">
+            <a:avLst/>
+          </a:prstGeom>
+          <a:noFill/>
+        </p:spPr>
+        <p:style>
+          <a:lnRef idx="2">
+            <a:schemeClr val="accent1">
+              <a:shade val="50000"/>
+            </a:schemeClr>
+          </a:lnRef>
+          <a:fillRef idx="1">
+            <a:schemeClr val="accent1"/>
+          </a:fillRef>
+          <a:effectRef idx="0">
+            <a:schemeClr val="accent1"/>
+          </a:effectRef>
+          <a:fontRef idx="minor">
+            <a:schemeClr val="lt1"/>
+          </a:fontRef>
+        </p:style>
+        <p:txBody>
+          <a:bodyPr rtlCol="0" anchor="ctr"/>
+          <a:lstStyle/>
+          <a:p>
+            <a:pPr algn="ctr"/>
+            <a:endParaRPr lang="en-US"/>
+          </a:p>
+        </p:txBody>
+      </p:sp>
+      <p:sp>
+        <p:nvSpPr>
+          <p:cNvPr id="35" name="Rectangle 34"/>
+          <p:cNvSpPr/>
+          <p:nvPr/>
+        </p:nvSpPr>
+        <p:spPr>
+          <a:xfrm>
+            <a:off x="2942880" y="1359640"/>
+            <a:ext cx="402930" cy="2420150"/>
+          </a:xfrm>
+          <a:prstGeom prst="rect">
+            <a:avLst/>
+          </a:prstGeom>
+          <a:noFill/>
+        </p:spPr>
+        <p:style>
+          <a:lnRef idx="2">
+            <a:schemeClr val="accent1">
+              <a:shade val="50000"/>
+            </a:schemeClr>
+          </a:lnRef>
+          <a:fillRef idx="1">
+            <a:schemeClr val="accent1"/>
+          </a:fillRef>
+          <a:effectRef idx="0">
+            <a:schemeClr val="accent1"/>
+          </a:effectRef>
+          <a:fontRef idx="minor">
+            <a:schemeClr val="lt1"/>
+          </a:fontRef>
+        </p:style>
+        <p:txBody>
+          <a:bodyPr rtlCol="0" anchor="ctr"/>
+          <a:lstStyle/>
+          <a:p>
+            <a:pPr algn="ctr"/>
+            <a:endParaRPr lang="en-US"/>
+          </a:p>
+        </p:txBody>
+      </p:sp>
+      <p:sp>
+        <p:nvSpPr>
+          <p:cNvPr id="36" name="Rectangle 35"/>
+          <p:cNvSpPr/>
+          <p:nvPr/>
+        </p:nvSpPr>
+        <p:spPr>
+          <a:xfrm>
+            <a:off x="3335544" y="1366680"/>
+            <a:ext cx="1050087" cy="2417653"/>
+          </a:xfrm>
+          <a:prstGeom prst="rect">
+            <a:avLst/>
+          </a:prstGeom>
+          <a:noFill/>
+        </p:spPr>
+        <p:style>
+          <a:lnRef idx="2">
+            <a:schemeClr val="accent1">
+              <a:shade val="50000"/>
+            </a:schemeClr>
+          </a:lnRef>
+          <a:fillRef idx="1">
+            <a:schemeClr val="accent1"/>
+          </a:fillRef>
+          <a:effectRef idx="0">
+            <a:schemeClr val="accent1"/>
+          </a:effectRef>
+          <a:fontRef idx="minor">
+            <a:schemeClr val="lt1"/>
+          </a:fontRef>
+        </p:style>
+        <p:txBody>
+          <a:bodyPr rtlCol="0" anchor="ctr"/>
+          <a:lstStyle/>
+          <a:p>
+            <a:pPr algn="ctr"/>
+            <a:endParaRPr lang="en-US"/>
+          </a:p>
+        </p:txBody>
+      </p:sp>
+      <p:sp>
+        <p:nvSpPr>
+          <p:cNvPr id="6" name="TextBox 5"/>
+          <p:cNvSpPr txBox="1"/>
+          <p:nvPr/>
+        </p:nvSpPr>
+        <p:spPr>
+          <a:xfrm>
+            <a:off x="1074047" y="997348"/>
+            <a:ext cx="249721" cy="369332"/>
+          </a:xfrm>
+          <a:prstGeom prst="rect">
+            <a:avLst/>
+          </a:prstGeom>
+          <a:noFill/>
+        </p:spPr>
+        <p:txBody>
+          <a:bodyPr wrap="square" rtlCol="0">
+            <a:spAutoFit/>
+          </a:bodyPr>
+          <a:lstStyle/>
+          <a:p>
+            <a:r>
+              <a:rPr lang="en-US" dirty="0" smtClean="0"/>
+              <a:t>1</a:t>
+            </a:r>
+            <a:endParaRPr lang="en-US" dirty="0"/>
+          </a:p>
+        </p:txBody>
+      </p:sp>
+      <p:sp>
+        <p:nvSpPr>
+          <p:cNvPr id="37" name="TextBox 36"/>
+          <p:cNvSpPr txBox="1"/>
+          <p:nvPr/>
+        </p:nvSpPr>
+        <p:spPr>
+          <a:xfrm>
+            <a:off x="1728728" y="1000242"/>
+            <a:ext cx="249721" cy="369332"/>
+          </a:xfrm>
+          <a:prstGeom prst="rect">
+            <a:avLst/>
+          </a:prstGeom>
+          <a:noFill/>
+        </p:spPr>
+        <p:txBody>
+          <a:bodyPr wrap="square" rtlCol="0">
+            <a:spAutoFit/>
+          </a:bodyPr>
+          <a:lstStyle/>
+          <a:p>
+            <a:r>
+              <a:rPr lang="en-US" dirty="0" smtClean="0"/>
+              <a:t>2</a:t>
+            </a:r>
+            <a:endParaRPr lang="en-US" dirty="0"/>
+          </a:p>
+        </p:txBody>
+      </p:sp>
+      <p:sp>
+        <p:nvSpPr>
+          <p:cNvPr id="38" name="TextBox 37"/>
+          <p:cNvSpPr txBox="1"/>
+          <p:nvPr/>
+        </p:nvSpPr>
+        <p:spPr>
+          <a:xfrm>
+            <a:off x="2523103" y="982925"/>
+            <a:ext cx="249721" cy="369332"/>
+          </a:xfrm>
+          <a:prstGeom prst="rect">
+            <a:avLst/>
+          </a:prstGeom>
+          <a:noFill/>
+        </p:spPr>
+        <p:txBody>
+          <a:bodyPr wrap="square" rtlCol="0">
+            <a:spAutoFit/>
+          </a:bodyPr>
+          <a:lstStyle/>
+          <a:p>
+            <a:r>
+              <a:rPr lang="en-US" dirty="0" smtClean="0"/>
+              <a:t>3</a:t>
+            </a:r>
+            <a:endParaRPr lang="en-US" dirty="0"/>
+          </a:p>
+        </p:txBody>
+      </p:sp>
+      <p:sp>
+        <p:nvSpPr>
+          <p:cNvPr id="39" name="TextBox 38"/>
+          <p:cNvSpPr txBox="1"/>
+          <p:nvPr/>
+        </p:nvSpPr>
+        <p:spPr>
+          <a:xfrm>
+            <a:off x="2960886" y="981391"/>
+            <a:ext cx="249721" cy="369332"/>
+          </a:xfrm>
+          <a:prstGeom prst="rect">
+            <a:avLst/>
+          </a:prstGeom>
+          <a:noFill/>
+        </p:spPr>
+        <p:txBody>
+          <a:bodyPr wrap="square" rtlCol="0">
+            <a:spAutoFit/>
+          </a:bodyPr>
+          <a:lstStyle/>
+          <a:p>
+            <a:r>
+              <a:rPr lang="en-US" dirty="0" smtClean="0"/>
+              <a:t>2</a:t>
+            </a:r>
+            <a:endParaRPr lang="en-US" dirty="0"/>
+          </a:p>
+        </p:txBody>
+      </p:sp>
+      <p:sp>
+        <p:nvSpPr>
+          <p:cNvPr id="40" name="TextBox 39"/>
+          <p:cNvSpPr txBox="1"/>
+          <p:nvPr/>
+        </p:nvSpPr>
+        <p:spPr>
+          <a:xfrm>
+            <a:off x="3544679" y="982925"/>
+            <a:ext cx="249721" cy="369332"/>
+          </a:xfrm>
+          <a:prstGeom prst="rect">
+            <a:avLst/>
+          </a:prstGeom>
+          <a:noFill/>
+        </p:spPr>
+        <p:txBody>
+          <a:bodyPr wrap="square" rtlCol="0">
+            <a:spAutoFit/>
+          </a:bodyPr>
+          <a:lstStyle/>
+          <a:p>
+            <a:r>
+              <a:rPr lang="en-US" dirty="0" smtClean="0"/>
+              <a:t>1</a:t>
+            </a:r>
+            <a:endParaRPr lang="en-US" dirty="0"/>
+          </a:p>
+        </p:txBody>
+      </p:sp>
+      <p:sp>
+        <p:nvSpPr>
+          <p:cNvPr id="41" name="TextBox 40"/>
+          <p:cNvSpPr txBox="1"/>
+          <p:nvPr/>
+        </p:nvSpPr>
+        <p:spPr>
+          <a:xfrm>
+            <a:off x="2583361" y="4785367"/>
+            <a:ext cx="249721" cy="369332"/>
+          </a:xfrm>
+          <a:prstGeom prst="rect">
+            <a:avLst/>
+          </a:prstGeom>
+          <a:noFill/>
+        </p:spPr>
+        <p:txBody>
+          <a:bodyPr wrap="square" rtlCol="0">
+            <a:spAutoFit/>
+          </a:bodyPr>
+          <a:lstStyle/>
+          <a:p>
+            <a:r>
+              <a:rPr lang="en-US" dirty="0" smtClean="0"/>
+              <a:t>3</a:t>
+            </a:r>
+            <a:endParaRPr lang="en-US" dirty="0"/>
+          </a:p>
+        </p:txBody>
+      </p:sp>
+    </p:spTree>
+    <p:extLst>
+      <p:ext uri="{BB962C8B-B14F-4D97-AF65-F5344CB8AC3E}">
+        <p14:creationId xmlns:p14="http://schemas.microsoft.com/office/powerpoint/2010/main" val="3343999880"/>
+      </p:ext>
+    </p:extLst>
+  </p:cSld>
+  <p:clrMapOvr>
+    <a:masterClrMapping/>
+  </p:clrMapOvr>
+</p:sld>
+</file>
+
+<file path=ppt/slides/slide4.xml><?xml version="1.0" encoding="utf-8"?>
+<p:sld xmlns:a="http://schemas.openxmlformats.org/drawingml/2006/main" xmlns:r="http://schemas.openxmlformats.org/officeDocument/2006/relationships" xmlns:p="http://schemas.openxmlformats.org/presentationml/2006/main">
+  <p:cSld>
+    <p:spTree>
+      <p:nvGrpSpPr>
+        <p:cNvPr id="1" name=""/>
+        <p:cNvGrpSpPr/>
+        <p:nvPr/>
+      </p:nvGrpSpPr>
+      <p:grpSpPr>
+        <a:xfrm>
+          <a:off x="0" y="0"/>
+          <a:ext cx="0" cy="0"/>
+          <a:chOff x="0" y="0"/>
+          <a:chExt cx="0" cy="0"/>
+        </a:xfrm>
+      </p:grpSpPr>
+      <p:sp>
+        <p:nvSpPr>
+          <p:cNvPr id="8" name="Rectangle 7"/>
+          <p:cNvSpPr/>
+          <p:nvPr/>
+        </p:nvSpPr>
+        <p:spPr>
+          <a:xfrm>
+            <a:off x="637082" y="406653"/>
+            <a:ext cx="6941975" cy="3377681"/>
+          </a:xfrm>
+          <a:prstGeom prst="rect">
+            <a:avLst/>
+          </a:prstGeom>
+          <a:noFill/>
+          <a:ln>
+            <a:solidFill>
+              <a:schemeClr val="tx1"/>
+            </a:solidFill>
+          </a:ln>
+        </p:spPr>
+        <p:style>
+          <a:lnRef idx="2">
+            <a:schemeClr val="accent1">
+              <a:shade val="50000"/>
+            </a:schemeClr>
+          </a:lnRef>
+          <a:fillRef idx="1">
+            <a:schemeClr val="accent1"/>
+          </a:fillRef>
+          <a:effectRef idx="0">
+            <a:schemeClr val="accent1"/>
+          </a:effectRef>
+          <a:fontRef idx="minor">
+            <a:schemeClr val="lt1"/>
+          </a:fontRef>
+        </p:style>
+        <p:txBody>
+          <a:bodyPr rtlCol="0" anchor="ctr"/>
+          <a:lstStyle/>
+          <a:p>
+            <a:pPr algn="ctr"/>
+            <a:endParaRPr lang="en-US"/>
+          </a:p>
+        </p:txBody>
+      </p:sp>
+      <p:cxnSp>
+        <p:nvCxnSpPr>
+          <p:cNvPr id="5" name="Straight Arrow Connector 4"/>
+          <p:cNvCxnSpPr/>
+          <p:nvPr/>
+        </p:nvCxnSpPr>
+        <p:spPr>
+          <a:xfrm>
+            <a:off x="1010081" y="1787575"/>
+            <a:ext cx="1928552" cy="8313"/>
+          </a:xfrm>
+          <a:prstGeom prst="straightConnector1">
+            <a:avLst/>
+          </a:prstGeom>
+          <a:ln w="28575" cap="sq">
+            <a:solidFill>
+              <a:schemeClr val="tx1">
+                <a:alpha val="93000"/>
+              </a:schemeClr>
+            </a:solidFill>
+            <a:bevel/>
+            <a:headEnd type="diamond" w="lg" len="lg"/>
+            <a:tailEnd type="diamond" w="lg" len="lg"/>
+          </a:ln>
+        </p:spPr>
+        <p:style>
+          <a:lnRef idx="1">
+            <a:schemeClr val="accent1"/>
+          </a:lnRef>
+          <a:fillRef idx="0">
+            <a:schemeClr val="accent1"/>
+          </a:fillRef>
+          <a:effectRef idx="0">
+            <a:schemeClr val="accent1"/>
+          </a:effectRef>
+          <a:fontRef idx="minor">
+            <a:schemeClr val="tx1"/>
+          </a:fontRef>
+        </p:style>
+      </p:cxnSp>
+      <p:sp>
+        <p:nvSpPr>
+          <p:cNvPr id="9" name="TextBox 8"/>
+          <p:cNvSpPr txBox="1"/>
+          <p:nvPr/>
+        </p:nvSpPr>
+        <p:spPr>
+          <a:xfrm>
+            <a:off x="1483566" y="1436913"/>
+            <a:ext cx="1119674" cy="369332"/>
+          </a:xfrm>
+          <a:prstGeom prst="rect">
+            <a:avLst/>
+          </a:prstGeom>
+          <a:noFill/>
+        </p:spPr>
+        <p:txBody>
+          <a:bodyPr wrap="square" rtlCol="0">
+            <a:spAutoFit/>
+          </a:bodyPr>
+          <a:lstStyle/>
+          <a:p>
+            <a:r>
+              <a:rPr lang="en-US" dirty="0" smtClean="0"/>
+              <a:t>Cohort 1</a:t>
+            </a:r>
+            <a:endParaRPr lang="en-US" dirty="0"/>
+          </a:p>
+        </p:txBody>
+      </p:sp>
+      <p:cxnSp>
+        <p:nvCxnSpPr>
+          <p:cNvPr id="10" name="Straight Arrow Connector 9"/>
+          <p:cNvCxnSpPr/>
+          <p:nvPr/>
+        </p:nvCxnSpPr>
+        <p:spPr>
+          <a:xfrm>
+            <a:off x="2478097" y="2552694"/>
+            <a:ext cx="1928552" cy="8313"/>
+          </a:xfrm>
+          <a:prstGeom prst="straightConnector1">
+            <a:avLst/>
+          </a:prstGeom>
+          <a:ln w="28575" cap="sq">
+            <a:solidFill>
+              <a:schemeClr val="tx1">
+                <a:alpha val="93000"/>
+              </a:schemeClr>
+            </a:solidFill>
+            <a:bevel/>
+            <a:headEnd type="diamond" w="lg" len="lg"/>
+            <a:tailEnd type="diamond" w="lg" len="lg"/>
+          </a:ln>
+        </p:spPr>
+        <p:style>
+          <a:lnRef idx="1">
+            <a:schemeClr val="accent1"/>
+          </a:lnRef>
+          <a:fillRef idx="0">
+            <a:schemeClr val="accent1"/>
+          </a:fillRef>
+          <a:effectRef idx="0">
+            <a:schemeClr val="accent1"/>
+          </a:effectRef>
+          <a:fontRef idx="minor">
+            <a:schemeClr val="tx1"/>
+          </a:fontRef>
+        </p:style>
+      </p:cxnSp>
+      <p:sp>
+        <p:nvSpPr>
+          <p:cNvPr id="11" name="TextBox 10"/>
+          <p:cNvSpPr txBox="1"/>
+          <p:nvPr/>
+        </p:nvSpPr>
+        <p:spPr>
+          <a:xfrm>
+            <a:off x="2951582" y="2202032"/>
+            <a:ext cx="1119674" cy="369332"/>
+          </a:xfrm>
+          <a:prstGeom prst="rect">
+            <a:avLst/>
+          </a:prstGeom>
+          <a:noFill/>
+        </p:spPr>
+        <p:txBody>
+          <a:bodyPr wrap="square" rtlCol="0">
+            <a:spAutoFit/>
+          </a:bodyPr>
+          <a:lstStyle/>
+          <a:p>
+            <a:r>
+              <a:rPr lang="en-US" dirty="0" smtClean="0"/>
+              <a:t>Cohort 2</a:t>
+            </a:r>
+            <a:endParaRPr lang="en-US" dirty="0"/>
+          </a:p>
+        </p:txBody>
+      </p:sp>
+      <p:sp>
+        <p:nvSpPr>
+          <p:cNvPr id="15" name="TextBox 14"/>
+          <p:cNvSpPr txBox="1"/>
+          <p:nvPr/>
+        </p:nvSpPr>
+        <p:spPr>
+          <a:xfrm>
+            <a:off x="709127" y="46652"/>
+            <a:ext cx="1614195" cy="369332"/>
+          </a:xfrm>
+          <a:prstGeom prst="rect">
+            <a:avLst/>
+          </a:prstGeom>
+          <a:noFill/>
+        </p:spPr>
+        <p:txBody>
+          <a:bodyPr wrap="square" rtlCol="0">
+            <a:spAutoFit/>
+          </a:bodyPr>
+          <a:lstStyle/>
+          <a:p>
+            <a:r>
+              <a:rPr lang="en-US" dirty="0" smtClean="0"/>
+              <a:t>Input</a:t>
+            </a:r>
+            <a:endParaRPr lang="en-US" dirty="0"/>
+          </a:p>
+        </p:txBody>
+      </p:sp>
+      <p:sp>
+        <p:nvSpPr>
+          <p:cNvPr id="16" name="TextBox 15"/>
+          <p:cNvSpPr txBox="1"/>
+          <p:nvPr/>
+        </p:nvSpPr>
+        <p:spPr>
+          <a:xfrm>
+            <a:off x="555946" y="3930214"/>
+            <a:ext cx="1614195" cy="369332"/>
+          </a:xfrm>
+          <a:prstGeom prst="rect">
+            <a:avLst/>
+          </a:prstGeom>
+          <a:noFill/>
+        </p:spPr>
+        <p:txBody>
+          <a:bodyPr wrap="square" rtlCol="0">
+            <a:spAutoFit/>
+          </a:bodyPr>
+          <a:lstStyle/>
+          <a:p>
+            <a:r>
+              <a:rPr lang="en-US" dirty="0" smtClean="0"/>
+              <a:t>Output</a:t>
+            </a:r>
+            <a:endParaRPr lang="en-US" dirty="0"/>
+          </a:p>
+        </p:txBody>
+      </p:sp>
+      <p:sp>
+        <p:nvSpPr>
+          <p:cNvPr id="17" name="TextBox 16"/>
+          <p:cNvSpPr txBox="1"/>
+          <p:nvPr/>
+        </p:nvSpPr>
+        <p:spPr>
+          <a:xfrm>
+            <a:off x="814871" y="1940773"/>
+            <a:ext cx="668695" cy="216133"/>
+          </a:xfrm>
+          <a:prstGeom prst="rect">
+            <a:avLst/>
+          </a:prstGeom>
+          <a:noFill/>
+        </p:spPr>
+        <p:txBody>
+          <a:bodyPr wrap="square" rtlCol="0">
+            <a:spAutoFit/>
+          </a:bodyPr>
+          <a:lstStyle/>
+          <a:p>
+            <a:r>
+              <a:rPr lang="en-US" sz="800" dirty="0" smtClean="0"/>
+              <a:t>Jan/1/2022</a:t>
+            </a:r>
+            <a:endParaRPr lang="en-US" sz="800" dirty="0"/>
+          </a:p>
+        </p:txBody>
+      </p:sp>
+      <p:sp>
+        <p:nvSpPr>
+          <p:cNvPr id="18" name="TextBox 17"/>
+          <p:cNvSpPr txBox="1"/>
+          <p:nvPr/>
+        </p:nvSpPr>
+        <p:spPr>
+          <a:xfrm>
+            <a:off x="2816284" y="1946425"/>
+            <a:ext cx="887967" cy="215444"/>
+          </a:xfrm>
+          <a:prstGeom prst="rect">
+            <a:avLst/>
+          </a:prstGeom>
+          <a:noFill/>
+        </p:spPr>
+        <p:txBody>
+          <a:bodyPr wrap="square" rtlCol="0">
+            <a:spAutoFit/>
+          </a:bodyPr>
+          <a:lstStyle/>
+          <a:p>
+            <a:r>
+              <a:rPr lang="en-US" sz="800" dirty="0" smtClean="0"/>
+              <a:t>Mar/1/2022</a:t>
+            </a:r>
+            <a:endParaRPr lang="en-US" sz="800" dirty="0"/>
+          </a:p>
+        </p:txBody>
+      </p:sp>
+      <p:sp>
+        <p:nvSpPr>
+          <p:cNvPr id="19" name="TextBox 18"/>
+          <p:cNvSpPr txBox="1"/>
+          <p:nvPr/>
+        </p:nvSpPr>
+        <p:spPr>
+          <a:xfrm>
+            <a:off x="2235189" y="2676882"/>
+            <a:ext cx="843911" cy="215444"/>
+          </a:xfrm>
+          <a:prstGeom prst="rect">
+            <a:avLst/>
+          </a:prstGeom>
+          <a:noFill/>
+        </p:spPr>
+        <p:txBody>
+          <a:bodyPr wrap="square" rtlCol="0">
+            <a:spAutoFit/>
+          </a:bodyPr>
+          <a:lstStyle/>
+          <a:p>
+            <a:r>
+              <a:rPr lang="en-US" sz="800" dirty="0" smtClean="0"/>
+              <a:t>Feb/10/2022</a:t>
+            </a:r>
+            <a:endParaRPr lang="en-US" sz="800" dirty="0"/>
+          </a:p>
+        </p:txBody>
+      </p:sp>
+      <p:sp>
+        <p:nvSpPr>
+          <p:cNvPr id="20" name="TextBox 19"/>
+          <p:cNvSpPr txBox="1"/>
+          <p:nvPr/>
+        </p:nvSpPr>
+        <p:spPr>
+          <a:xfrm>
+            <a:off x="4131140" y="2640898"/>
+            <a:ext cx="926050" cy="215444"/>
+          </a:xfrm>
+          <a:prstGeom prst="rect">
+            <a:avLst/>
+          </a:prstGeom>
+          <a:noFill/>
+        </p:spPr>
+        <p:txBody>
+          <a:bodyPr wrap="square" rtlCol="0">
+            <a:spAutoFit/>
+          </a:bodyPr>
+          <a:lstStyle/>
+          <a:p>
+            <a:r>
+              <a:rPr lang="en-US" sz="800" dirty="0" smtClean="0"/>
+              <a:t>May/10/2022</a:t>
+            </a:r>
+            <a:endParaRPr lang="en-US" sz="800" dirty="0"/>
+          </a:p>
+        </p:txBody>
+      </p:sp>
+      <p:sp>
+        <p:nvSpPr>
+          <p:cNvPr id="23" name="Rectangle 22"/>
+          <p:cNvSpPr/>
+          <p:nvPr/>
+        </p:nvSpPr>
+        <p:spPr>
+          <a:xfrm>
+            <a:off x="637082" y="4328984"/>
+            <a:ext cx="6941975" cy="1547346"/>
+          </a:xfrm>
+          <a:prstGeom prst="rect">
+            <a:avLst/>
+          </a:prstGeom>
+          <a:noFill/>
+          <a:ln>
+            <a:solidFill>
+              <a:schemeClr val="tx1"/>
+            </a:solidFill>
+          </a:ln>
+        </p:spPr>
+        <p:style>
+          <a:lnRef idx="2">
+            <a:schemeClr val="accent1">
+              <a:shade val="50000"/>
+            </a:schemeClr>
+          </a:lnRef>
+          <a:fillRef idx="1">
+            <a:schemeClr val="accent1"/>
+          </a:fillRef>
+          <a:effectRef idx="0">
+            <a:schemeClr val="accent1"/>
+          </a:effectRef>
+          <a:fontRef idx="minor">
+            <a:schemeClr val="lt1"/>
+          </a:fontRef>
+        </p:style>
+        <p:txBody>
+          <a:bodyPr rtlCol="0" anchor="ctr"/>
+          <a:lstStyle/>
+          <a:p>
+            <a:pPr algn="ctr"/>
+            <a:endParaRPr lang="en-US"/>
+          </a:p>
+        </p:txBody>
+      </p:sp>
+      <p:cxnSp>
+        <p:nvCxnSpPr>
+          <p:cNvPr id="24" name="Straight Arrow Connector 23"/>
+          <p:cNvCxnSpPr/>
+          <p:nvPr/>
+        </p:nvCxnSpPr>
+        <p:spPr>
+          <a:xfrm>
+            <a:off x="1068273" y="5154699"/>
+            <a:ext cx="1399172" cy="0"/>
+          </a:xfrm>
+          <a:prstGeom prst="straightConnector1">
+            <a:avLst/>
+          </a:prstGeom>
+          <a:ln w="28575" cap="sq">
+            <a:solidFill>
+              <a:schemeClr val="tx1">
+                <a:alpha val="93000"/>
+              </a:schemeClr>
+            </a:solidFill>
+            <a:bevel/>
+            <a:headEnd type="diamond" w="lg" len="lg"/>
+            <a:tailEnd type="diamond" w="lg" len="lg"/>
+          </a:ln>
+        </p:spPr>
+        <p:style>
+          <a:lnRef idx="1">
+            <a:schemeClr val="accent1"/>
+          </a:lnRef>
+          <a:fillRef idx="0">
+            <a:schemeClr val="accent1"/>
+          </a:fillRef>
+          <a:effectRef idx="0">
+            <a:schemeClr val="accent1"/>
+          </a:effectRef>
+          <a:fontRef idx="minor">
+            <a:schemeClr val="tx1"/>
+          </a:fontRef>
+        </p:style>
+      </p:cxnSp>
+      <p:sp>
+        <p:nvSpPr>
+          <p:cNvPr id="25" name="TextBox 24"/>
+          <p:cNvSpPr txBox="1"/>
+          <p:nvPr/>
+        </p:nvSpPr>
+        <p:spPr>
+          <a:xfrm>
+            <a:off x="1231622" y="5130994"/>
+            <a:ext cx="1119674" cy="369332"/>
+          </a:xfrm>
+          <a:prstGeom prst="rect">
+            <a:avLst/>
+          </a:prstGeom>
+          <a:noFill/>
+        </p:spPr>
+        <p:txBody>
+          <a:bodyPr wrap="square" rtlCol="0">
+            <a:spAutoFit/>
+          </a:bodyPr>
+          <a:lstStyle/>
+          <a:p>
+            <a:r>
+              <a:rPr lang="en-US" dirty="0" smtClean="0"/>
+              <a:t>Cohort </a:t>
+            </a:r>
+            <a:r>
+              <a:rPr lang="en-US" dirty="0" smtClean="0"/>
+              <a:t>3</a:t>
+            </a:r>
+            <a:endParaRPr lang="en-US" dirty="0"/>
+          </a:p>
+        </p:txBody>
+      </p:sp>
+      <p:sp>
+        <p:nvSpPr>
+          <p:cNvPr id="32" name="TextBox 31"/>
+          <p:cNvSpPr txBox="1"/>
+          <p:nvPr/>
+        </p:nvSpPr>
+        <p:spPr>
+          <a:xfrm>
+            <a:off x="814871" y="5478570"/>
+            <a:ext cx="809077" cy="215444"/>
+          </a:xfrm>
+          <a:prstGeom prst="rect">
+            <a:avLst/>
+          </a:prstGeom>
+          <a:noFill/>
+        </p:spPr>
+        <p:txBody>
+          <a:bodyPr wrap="square" rtlCol="0">
+            <a:spAutoFit/>
+          </a:bodyPr>
+          <a:lstStyle/>
+          <a:p>
+            <a:r>
+              <a:rPr lang="en-US" sz="800" dirty="0" smtClean="0"/>
+              <a:t>Jan</a:t>
+            </a:r>
+            <a:r>
+              <a:rPr lang="en-US" sz="800" dirty="0" smtClean="0"/>
+              <a:t>/1/2022</a:t>
+            </a:r>
+            <a:endParaRPr lang="en-US" sz="800" dirty="0"/>
+          </a:p>
+        </p:txBody>
+      </p:sp>
+      <p:sp>
+        <p:nvSpPr>
+          <p:cNvPr id="45" name="TextBox 44"/>
+          <p:cNvSpPr txBox="1"/>
+          <p:nvPr/>
+        </p:nvSpPr>
+        <p:spPr>
+          <a:xfrm>
+            <a:off x="2170141" y="5475185"/>
+            <a:ext cx="926050" cy="215444"/>
+          </a:xfrm>
+          <a:prstGeom prst="rect">
+            <a:avLst/>
+          </a:prstGeom>
+          <a:noFill/>
+        </p:spPr>
+        <p:txBody>
+          <a:bodyPr wrap="square" rtlCol="0">
+            <a:spAutoFit/>
+          </a:bodyPr>
+          <a:lstStyle/>
+          <a:p>
+            <a:r>
+              <a:rPr lang="en-US" sz="800" dirty="0" smtClean="0"/>
+              <a:t>Feb/10/2022</a:t>
+            </a:r>
+            <a:endParaRPr lang="en-US" sz="800" dirty="0"/>
+          </a:p>
+        </p:txBody>
+      </p:sp>
+      <p:sp>
+        <p:nvSpPr>
+          <p:cNvPr id="28" name="TextBox 27"/>
+          <p:cNvSpPr txBox="1"/>
+          <p:nvPr/>
+        </p:nvSpPr>
+        <p:spPr>
+          <a:xfrm>
+            <a:off x="1063690" y="513184"/>
+            <a:ext cx="5122506" cy="369332"/>
+          </a:xfrm>
+          <a:prstGeom prst="rect">
+            <a:avLst/>
+          </a:prstGeom>
+          <a:noFill/>
+        </p:spPr>
+        <p:txBody>
+          <a:bodyPr wrap="square" rtlCol="0">
+            <a:spAutoFit/>
+          </a:bodyPr>
+          <a:lstStyle/>
+          <a:p>
+            <a:r>
+              <a:rPr lang="en-US" dirty="0" smtClean="0"/>
+              <a:t>Cohort </a:t>
+            </a:r>
+            <a:r>
+              <a:rPr lang="en-US" dirty="0" smtClean="0"/>
+              <a:t>Minus:</a:t>
+            </a:r>
+            <a:endParaRPr lang="en-US" dirty="0"/>
+          </a:p>
+        </p:txBody>
+      </p:sp>
+      <p:sp>
+        <p:nvSpPr>
+          <p:cNvPr id="33" name="Rectangle 32"/>
+          <p:cNvSpPr/>
+          <p:nvPr/>
+        </p:nvSpPr>
+        <p:spPr>
+          <a:xfrm>
+            <a:off x="1005834" y="1354974"/>
+            <a:ext cx="1472263" cy="2424815"/>
+          </a:xfrm>
+          <a:prstGeom prst="rect">
+            <a:avLst/>
+          </a:prstGeom>
+          <a:noFill/>
+        </p:spPr>
+        <p:style>
+          <a:lnRef idx="2">
+            <a:schemeClr val="accent1">
+              <a:shade val="50000"/>
+            </a:schemeClr>
+          </a:lnRef>
+          <a:fillRef idx="1">
+            <a:schemeClr val="accent1"/>
+          </a:fillRef>
+          <a:effectRef idx="0">
+            <a:schemeClr val="accent1"/>
+          </a:effectRef>
+          <a:fontRef idx="minor">
+            <a:schemeClr val="lt1"/>
+          </a:fontRef>
+        </p:style>
+        <p:txBody>
+          <a:bodyPr rtlCol="0" anchor="ctr"/>
+          <a:lstStyle/>
+          <a:p>
+            <a:pPr algn="ctr"/>
+            <a:endParaRPr lang="en-US"/>
+          </a:p>
+        </p:txBody>
+      </p:sp>
+      <p:sp>
+        <p:nvSpPr>
+          <p:cNvPr id="34" name="Rectangle 33"/>
+          <p:cNvSpPr/>
+          <p:nvPr/>
+        </p:nvSpPr>
+        <p:spPr>
+          <a:xfrm>
+            <a:off x="2467445" y="1352258"/>
+            <a:ext cx="481554" cy="2427532"/>
+          </a:xfrm>
+          <a:prstGeom prst="rect">
+            <a:avLst/>
+          </a:prstGeom>
+          <a:noFill/>
+        </p:spPr>
+        <p:style>
+          <a:lnRef idx="2">
+            <a:schemeClr val="accent1">
+              <a:shade val="50000"/>
+            </a:schemeClr>
+          </a:lnRef>
+          <a:fillRef idx="1">
+            <a:schemeClr val="accent1"/>
+          </a:fillRef>
+          <a:effectRef idx="0">
+            <a:schemeClr val="accent1"/>
+          </a:effectRef>
+          <a:fontRef idx="minor">
+            <a:schemeClr val="lt1"/>
+          </a:fontRef>
+        </p:style>
+        <p:txBody>
+          <a:bodyPr rtlCol="0" anchor="ctr"/>
+          <a:lstStyle/>
+          <a:p>
+            <a:pPr algn="ctr"/>
+            <a:endParaRPr lang="en-US"/>
+          </a:p>
+        </p:txBody>
+      </p:sp>
+      <p:sp>
+        <p:nvSpPr>
+          <p:cNvPr id="36" name="Rectangle 35"/>
+          <p:cNvSpPr/>
+          <p:nvPr/>
+        </p:nvSpPr>
+        <p:spPr>
+          <a:xfrm>
+            <a:off x="2938634" y="1354974"/>
+            <a:ext cx="1446998" cy="2429359"/>
+          </a:xfrm>
+          <a:prstGeom prst="rect">
+            <a:avLst/>
+          </a:prstGeom>
+          <a:noFill/>
+          <a:ln>
+            <a:prstDash val="sysDot"/>
+          </a:ln>
+        </p:spPr>
+        <p:style>
+          <a:lnRef idx="2">
+            <a:schemeClr val="accent1">
+              <a:shade val="50000"/>
+            </a:schemeClr>
+          </a:lnRef>
+          <a:fillRef idx="1">
+            <a:schemeClr val="accent1"/>
+          </a:fillRef>
+          <a:effectRef idx="0">
+            <a:schemeClr val="accent1"/>
+          </a:effectRef>
+          <a:fontRef idx="minor">
+            <a:schemeClr val="lt1"/>
+          </a:fontRef>
+        </p:style>
+        <p:txBody>
+          <a:bodyPr rtlCol="0" anchor="ctr"/>
+          <a:lstStyle/>
+          <a:p>
+            <a:pPr algn="ctr"/>
+            <a:endParaRPr lang="en-US"/>
+          </a:p>
+        </p:txBody>
+      </p:sp>
+      <p:sp>
+        <p:nvSpPr>
+          <p:cNvPr id="6" name="TextBox 5"/>
+          <p:cNvSpPr txBox="1"/>
+          <p:nvPr/>
+        </p:nvSpPr>
+        <p:spPr>
+          <a:xfrm>
+            <a:off x="1601823" y="997348"/>
+            <a:ext cx="249721" cy="369332"/>
+          </a:xfrm>
+          <a:prstGeom prst="rect">
+            <a:avLst/>
+          </a:prstGeom>
+          <a:noFill/>
+        </p:spPr>
+        <p:txBody>
+          <a:bodyPr wrap="square" rtlCol="0">
+            <a:spAutoFit/>
+          </a:bodyPr>
+          <a:lstStyle/>
+          <a:p>
+            <a:r>
+              <a:rPr lang="en-US" dirty="0" smtClean="0"/>
+              <a:t>1</a:t>
+            </a:r>
+            <a:endParaRPr lang="en-US" dirty="0"/>
+          </a:p>
+        </p:txBody>
+      </p:sp>
+      <p:sp>
+        <p:nvSpPr>
+          <p:cNvPr id="38" name="TextBox 37"/>
+          <p:cNvSpPr txBox="1"/>
+          <p:nvPr/>
+        </p:nvSpPr>
+        <p:spPr>
+          <a:xfrm>
+            <a:off x="2523103" y="982925"/>
+            <a:ext cx="249721" cy="369332"/>
+          </a:xfrm>
+          <a:prstGeom prst="rect">
+            <a:avLst/>
+          </a:prstGeom>
+          <a:noFill/>
+        </p:spPr>
+        <p:txBody>
+          <a:bodyPr wrap="square" rtlCol="0">
+            <a:spAutoFit/>
+          </a:bodyPr>
+          <a:lstStyle/>
+          <a:p>
+            <a:r>
+              <a:rPr lang="en-US" dirty="0" smtClean="0"/>
+              <a:t>2</a:t>
+            </a:r>
+            <a:endParaRPr lang="en-US" dirty="0"/>
+          </a:p>
+        </p:txBody>
+      </p:sp>
+      <p:sp>
+        <p:nvSpPr>
+          <p:cNvPr id="41" name="TextBox 40"/>
+          <p:cNvSpPr txBox="1"/>
+          <p:nvPr/>
+        </p:nvSpPr>
+        <p:spPr>
+          <a:xfrm>
+            <a:off x="1465210" y="4732224"/>
+            <a:ext cx="249721" cy="369332"/>
+          </a:xfrm>
+          <a:prstGeom prst="rect">
+            <a:avLst/>
+          </a:prstGeom>
+          <a:noFill/>
+        </p:spPr>
+        <p:txBody>
+          <a:bodyPr wrap="square" rtlCol="0">
+            <a:spAutoFit/>
+          </a:bodyPr>
+          <a:lstStyle/>
+          <a:p>
+            <a:r>
+              <a:rPr lang="en-US" dirty="0" smtClean="0"/>
+              <a:t>1</a:t>
+            </a:r>
+            <a:endParaRPr lang="en-US" dirty="0"/>
+          </a:p>
+        </p:txBody>
+      </p:sp>
+      <p:sp>
+        <p:nvSpPr>
+          <p:cNvPr id="3" name="TextBox 2"/>
+          <p:cNvSpPr txBox="1"/>
+          <p:nvPr/>
+        </p:nvSpPr>
+        <p:spPr>
+          <a:xfrm>
+            <a:off x="3260267" y="1097280"/>
+            <a:ext cx="1261857" cy="461665"/>
+          </a:xfrm>
+          <a:prstGeom prst="rect">
+            <a:avLst/>
+          </a:prstGeom>
+          <a:noFill/>
+        </p:spPr>
+        <p:txBody>
+          <a:bodyPr wrap="square" rtlCol="0">
+            <a:spAutoFit/>
+          </a:bodyPr>
+          <a:lstStyle/>
+          <a:p>
+            <a:r>
+              <a:rPr lang="en-US" sz="1200" dirty="0" smtClean="0"/>
+              <a:t>Removed by intersect</a:t>
+            </a:r>
+            <a:endParaRPr lang="en-US" sz="1200" dirty="0"/>
+          </a:p>
+        </p:txBody>
+      </p:sp>
+    </p:spTree>
+    <p:extLst>
+      <p:ext uri="{BB962C8B-B14F-4D97-AF65-F5344CB8AC3E}">
+        <p14:creationId xmlns:p14="http://schemas.microsoft.com/office/powerpoint/2010/main" val="182041440"/>
+      </p:ext>
+    </p:extLst>
+  </p:cSld>
+  <p:clrMapOvr>
+    <a:masterClrMapping/>
+  </p:clrMapOvr>
+</p:sld>
+</file>
+
 <file path=ppt/theme/theme1.xml><?xml version="1.0" encoding="utf-8"?>
 <a:theme xmlns:a="http://schemas.openxmlformats.org/drawingml/2006/main" name="Office Theme">
   <a:themeElements>

--- a/extras/Vignette.pptx
+++ b/extras/Vignette.pptx
@@ -6,9 +6,15 @@
   </p:sldMasterIdLst>
   <p:sldIdLst>
     <p:sldId id="256" r:id="rId2"/>
-    <p:sldId id="257" r:id="rId3"/>
-    <p:sldId id="258" r:id="rId4"/>
-    <p:sldId id="259" r:id="rId5"/>
+    <p:sldId id="260" r:id="rId3"/>
+    <p:sldId id="261" r:id="rId4"/>
+    <p:sldId id="262" r:id="rId5"/>
+    <p:sldId id="263" r:id="rId6"/>
+    <p:sldId id="257" r:id="rId7"/>
+    <p:sldId id="264" r:id="rId8"/>
+    <p:sldId id="265" r:id="rId9"/>
+    <p:sldId id="258" r:id="rId10"/>
+    <p:sldId id="259" r:id="rId11"/>
   </p:sldIdLst>
   <p:sldSz cx="12192000" cy="6858000"/>
   <p:notesSz cx="6858000" cy="9144000"/>
@@ -246,7 +252,7 @@
           <a:p>
             <a:fld id="{D415BA7F-60B0-4A73-95AD-754B31BE1533}" type="datetimeFigureOut">
               <a:rPr lang="en-US" smtClean="0"/>
-              <a:t>7/12/2022</a:t>
+              <a:t>7/14/2022</a:t>
             </a:fld>
             <a:endParaRPr lang="en-US"/>
           </a:p>
@@ -416,7 +422,7 @@
           <a:p>
             <a:fld id="{D415BA7F-60B0-4A73-95AD-754B31BE1533}" type="datetimeFigureOut">
               <a:rPr lang="en-US" smtClean="0"/>
-              <a:t>7/12/2022</a:t>
+              <a:t>7/14/2022</a:t>
             </a:fld>
             <a:endParaRPr lang="en-US"/>
           </a:p>
@@ -596,7 +602,7 @@
           <a:p>
             <a:fld id="{D415BA7F-60B0-4A73-95AD-754B31BE1533}" type="datetimeFigureOut">
               <a:rPr lang="en-US" smtClean="0"/>
-              <a:t>7/12/2022</a:t>
+              <a:t>7/14/2022</a:t>
             </a:fld>
             <a:endParaRPr lang="en-US"/>
           </a:p>
@@ -766,7 +772,7 @@
           <a:p>
             <a:fld id="{D415BA7F-60B0-4A73-95AD-754B31BE1533}" type="datetimeFigureOut">
               <a:rPr lang="en-US" smtClean="0"/>
-              <a:t>7/12/2022</a:t>
+              <a:t>7/14/2022</a:t>
             </a:fld>
             <a:endParaRPr lang="en-US"/>
           </a:p>
@@ -1012,7 +1018,7 @@
           <a:p>
             <a:fld id="{D415BA7F-60B0-4A73-95AD-754B31BE1533}" type="datetimeFigureOut">
               <a:rPr lang="en-US" smtClean="0"/>
-              <a:t>7/12/2022</a:t>
+              <a:t>7/14/2022</a:t>
             </a:fld>
             <a:endParaRPr lang="en-US"/>
           </a:p>
@@ -1244,7 +1250,7 @@
           <a:p>
             <a:fld id="{D415BA7F-60B0-4A73-95AD-754B31BE1533}" type="datetimeFigureOut">
               <a:rPr lang="en-US" smtClean="0"/>
-              <a:t>7/12/2022</a:t>
+              <a:t>7/14/2022</a:t>
             </a:fld>
             <a:endParaRPr lang="en-US"/>
           </a:p>
@@ -1611,7 +1617,7 @@
           <a:p>
             <a:fld id="{D415BA7F-60B0-4A73-95AD-754B31BE1533}" type="datetimeFigureOut">
               <a:rPr lang="en-US" smtClean="0"/>
-              <a:t>7/12/2022</a:t>
+              <a:t>7/14/2022</a:t>
             </a:fld>
             <a:endParaRPr lang="en-US"/>
           </a:p>
@@ -1729,7 +1735,7 @@
           <a:p>
             <a:fld id="{D415BA7F-60B0-4A73-95AD-754B31BE1533}" type="datetimeFigureOut">
               <a:rPr lang="en-US" smtClean="0"/>
-              <a:t>7/12/2022</a:t>
+              <a:t>7/14/2022</a:t>
             </a:fld>
             <a:endParaRPr lang="en-US"/>
           </a:p>
@@ -1824,7 +1830,7 @@
           <a:p>
             <a:fld id="{D415BA7F-60B0-4A73-95AD-754B31BE1533}" type="datetimeFigureOut">
               <a:rPr lang="en-US" smtClean="0"/>
-              <a:t>7/12/2022</a:t>
+              <a:t>7/14/2022</a:t>
             </a:fld>
             <a:endParaRPr lang="en-US"/>
           </a:p>
@@ -2101,7 +2107,7 @@
           <a:p>
             <a:fld id="{D415BA7F-60B0-4A73-95AD-754B31BE1533}" type="datetimeFigureOut">
               <a:rPr lang="en-US" smtClean="0"/>
-              <a:t>7/12/2022</a:t>
+              <a:t>7/14/2022</a:t>
             </a:fld>
             <a:endParaRPr lang="en-US"/>
           </a:p>
@@ -2354,7 +2360,7 @@
           <a:p>
             <a:fld id="{D415BA7F-60B0-4A73-95AD-754B31BE1533}" type="datetimeFigureOut">
               <a:rPr lang="en-US" smtClean="0"/>
-              <a:t>7/12/2022</a:t>
+              <a:t>7/14/2022</a:t>
             </a:fld>
             <a:endParaRPr lang="en-US"/>
           </a:p>
@@ -2567,7 +2573,7 @@
           <a:p>
             <a:fld id="{D415BA7F-60B0-4A73-95AD-754B31BE1533}" type="datetimeFigureOut">
               <a:rPr lang="en-US" smtClean="0"/>
-              <a:t>7/12/2022</a:t>
+              <a:t>7/14/2022</a:t>
             </a:fld>
             <a:endParaRPr lang="en-US"/>
           </a:p>
@@ -3166,7 +3172,7 @@
         </p:nvCxnSpPr>
         <p:spPr>
           <a:xfrm>
-            <a:off x="5455185" y="3504925"/>
+            <a:off x="5455185" y="2524025"/>
             <a:ext cx="1928552" cy="8313"/>
           </a:xfrm>
           <a:prstGeom prst="straightConnector1">
@@ -3206,7 +3212,7 @@
         </p:nvSpPr>
         <p:spPr>
           <a:xfrm>
-            <a:off x="5209083" y="3115409"/>
+            <a:off x="5997206" y="2212210"/>
             <a:ext cx="1119674" cy="369332"/>
           </a:xfrm>
           <a:prstGeom prst="rect">
@@ -3222,7 +3228,7 @@
           <a:p>
             <a:r>
               <a:rPr lang="en-US" dirty="0" smtClean="0"/>
-              <a:t>Cohort 3</a:t>
+              <a:t>Cohort 2</a:t>
             </a:r>
             <a:endParaRPr lang="en-US" dirty="0"/>
           </a:p>
@@ -3237,7 +3243,7 @@
         <p:spPr>
           <a:xfrm>
             <a:off x="1063690" y="513184"/>
-            <a:ext cx="5122506" cy="923330"/>
+            <a:ext cx="5122506" cy="369332"/>
           </a:xfrm>
           <a:prstGeom prst="rect">
             <a:avLst/>
@@ -3252,7 +3258,7 @@
           <a:p>
             <a:r>
               <a:rPr lang="en-US" dirty="0" smtClean="0"/>
-              <a:t>Cohort Union: In this example, we have one person who is present in 3 cohorts. When we perform the union of the three cohorts</a:t>
+              <a:t>Cohort Union: Performing a union of three cohorts </a:t>
             </a:r>
             <a:endParaRPr lang="en-US" dirty="0"/>
           </a:p>
@@ -3446,7 +3452,7 @@
         </p:nvSpPr>
         <p:spPr>
           <a:xfrm>
-            <a:off x="6328757" y="3542906"/>
+            <a:off x="6920712" y="2544895"/>
             <a:ext cx="926050" cy="215444"/>
           </a:xfrm>
           <a:prstGeom prst="rect">
@@ -3476,7 +3482,7 @@
         </p:nvSpPr>
         <p:spPr>
           <a:xfrm>
-            <a:off x="4999142" y="3554493"/>
+            <a:off x="4999142" y="2565280"/>
             <a:ext cx="843911" cy="215444"/>
           </a:xfrm>
           <a:prstGeom prst="rect">
@@ -3608,37 +3614,7 @@
           <a:p>
             <a:r>
               <a:rPr lang="en-US" dirty="0" smtClean="0"/>
-              <a:t>Cohort 4</a:t>
-            </a:r>
-            <a:endParaRPr lang="en-US" dirty="0"/>
-          </a:p>
-        </p:txBody>
-      </p:sp>
-      <p:sp>
-        <p:nvSpPr>
-          <p:cNvPr id="30" name="TextBox 29"/>
-          <p:cNvSpPr txBox="1"/>
-          <p:nvPr/>
-        </p:nvSpPr>
-        <p:spPr>
-          <a:xfrm>
-            <a:off x="1669276" y="4387860"/>
-            <a:ext cx="5122506" cy="369332"/>
-          </a:xfrm>
-          <a:prstGeom prst="rect">
-            <a:avLst/>
-          </a:prstGeom>
-          <a:noFill/>
-        </p:spPr>
-        <p:txBody>
-          <a:bodyPr wrap="square" rtlCol="0">
-            <a:spAutoFit/>
-          </a:bodyPr>
-          <a:lstStyle/>
-          <a:p>
-            <a:r>
-              <a:rPr lang="en-US" dirty="0" smtClean="0"/>
-              <a:t>Output w</a:t>
+              <a:t>Cohort 3</a:t>
             </a:r>
             <a:endParaRPr lang="en-US" dirty="0"/>
           </a:p>
@@ -3768,7 +3744,7 @@
           <a:p>
             <a:r>
               <a:rPr lang="en-US" dirty="0" smtClean="0"/>
-              <a:t>Cohort 4</a:t>
+              <a:t>Cohort 3</a:t>
             </a:r>
             <a:endParaRPr lang="en-US" dirty="0"/>
           </a:p>
@@ -3782,7 +3758,7 @@
         </p:nvSpPr>
         <p:spPr>
           <a:xfrm>
-            <a:off x="6331864" y="5346822"/>
+            <a:off x="6920712" y="5381298"/>
             <a:ext cx="926050" cy="215444"/>
           </a:xfrm>
           <a:prstGeom prst="rect">
@@ -3812,7 +3788,7 @@
         </p:nvSpPr>
         <p:spPr>
           <a:xfrm>
-            <a:off x="5002249" y="5358409"/>
+            <a:off x="5004525" y="5434994"/>
             <a:ext cx="843911" cy="215444"/>
           </a:xfrm>
           <a:prstGeom prst="rect">
@@ -3838,6 +3814,854 @@
     <p:extLst>
       <p:ext uri="{BB962C8B-B14F-4D97-AF65-F5344CB8AC3E}">
         <p14:creationId xmlns:p14="http://schemas.microsoft.com/office/powerpoint/2010/main" val="352458605"/>
+      </p:ext>
+    </p:extLst>
+  </p:cSld>
+  <p:clrMapOvr>
+    <a:masterClrMapping/>
+  </p:clrMapOvr>
+</p:sld>
+</file>
+
+<file path=ppt/slides/slide10.xml><?xml version="1.0" encoding="utf-8"?>
+<p:sld xmlns:a="http://schemas.openxmlformats.org/drawingml/2006/main" xmlns:r="http://schemas.openxmlformats.org/officeDocument/2006/relationships" xmlns:p="http://schemas.openxmlformats.org/presentationml/2006/main">
+  <p:cSld>
+    <p:spTree>
+      <p:nvGrpSpPr>
+        <p:cNvPr id="1" name=""/>
+        <p:cNvGrpSpPr/>
+        <p:nvPr/>
+      </p:nvGrpSpPr>
+      <p:grpSpPr>
+        <a:xfrm>
+          <a:off x="0" y="0"/>
+          <a:ext cx="0" cy="0"/>
+          <a:chOff x="0" y="0"/>
+          <a:chExt cx="0" cy="0"/>
+        </a:xfrm>
+      </p:grpSpPr>
+      <p:sp>
+        <p:nvSpPr>
+          <p:cNvPr id="8" name="Rectangle 7"/>
+          <p:cNvSpPr/>
+          <p:nvPr/>
+        </p:nvSpPr>
+        <p:spPr>
+          <a:xfrm>
+            <a:off x="637082" y="406653"/>
+            <a:ext cx="6941975" cy="3377681"/>
+          </a:xfrm>
+          <a:prstGeom prst="rect">
+            <a:avLst/>
+          </a:prstGeom>
+          <a:noFill/>
+          <a:ln>
+            <a:solidFill>
+              <a:schemeClr val="tx1"/>
+            </a:solidFill>
+          </a:ln>
+        </p:spPr>
+        <p:style>
+          <a:lnRef idx="2">
+            <a:schemeClr val="accent1">
+              <a:shade val="50000"/>
+            </a:schemeClr>
+          </a:lnRef>
+          <a:fillRef idx="1">
+            <a:schemeClr val="accent1"/>
+          </a:fillRef>
+          <a:effectRef idx="0">
+            <a:schemeClr val="accent1"/>
+          </a:effectRef>
+          <a:fontRef idx="minor">
+            <a:schemeClr val="lt1"/>
+          </a:fontRef>
+        </p:style>
+        <p:txBody>
+          <a:bodyPr rtlCol="0" anchor="ctr"/>
+          <a:lstStyle/>
+          <a:p>
+            <a:pPr algn="ctr"/>
+            <a:endParaRPr lang="en-US"/>
+          </a:p>
+        </p:txBody>
+      </p:sp>
+      <p:cxnSp>
+        <p:nvCxnSpPr>
+          <p:cNvPr id="5" name="Straight Arrow Connector 4"/>
+          <p:cNvCxnSpPr/>
+          <p:nvPr/>
+        </p:nvCxnSpPr>
+        <p:spPr>
+          <a:xfrm>
+            <a:off x="1010081" y="1787575"/>
+            <a:ext cx="1928552" cy="8313"/>
+          </a:xfrm>
+          <a:prstGeom prst="straightConnector1">
+            <a:avLst/>
+          </a:prstGeom>
+          <a:ln w="28575" cap="sq">
+            <a:solidFill>
+              <a:schemeClr val="tx1">
+                <a:alpha val="93000"/>
+              </a:schemeClr>
+            </a:solidFill>
+            <a:bevel/>
+            <a:headEnd type="diamond" w="lg" len="lg"/>
+            <a:tailEnd type="diamond" w="lg" len="lg"/>
+          </a:ln>
+        </p:spPr>
+        <p:style>
+          <a:lnRef idx="1">
+            <a:schemeClr val="accent1"/>
+          </a:lnRef>
+          <a:fillRef idx="0">
+            <a:schemeClr val="accent1"/>
+          </a:fillRef>
+          <a:effectRef idx="0">
+            <a:schemeClr val="accent1"/>
+          </a:effectRef>
+          <a:fontRef idx="minor">
+            <a:schemeClr val="tx1"/>
+          </a:fontRef>
+        </p:style>
+      </p:cxnSp>
+      <p:sp>
+        <p:nvSpPr>
+          <p:cNvPr id="9" name="TextBox 8"/>
+          <p:cNvSpPr txBox="1"/>
+          <p:nvPr/>
+        </p:nvSpPr>
+        <p:spPr>
+          <a:xfrm>
+            <a:off x="1483566" y="1436913"/>
+            <a:ext cx="1119674" cy="369332"/>
+          </a:xfrm>
+          <a:prstGeom prst="rect">
+            <a:avLst/>
+          </a:prstGeom>
+          <a:noFill/>
+        </p:spPr>
+        <p:txBody>
+          <a:bodyPr wrap="square" rtlCol="0">
+            <a:spAutoFit/>
+          </a:bodyPr>
+          <a:lstStyle/>
+          <a:p>
+            <a:r>
+              <a:rPr lang="en-US" dirty="0" smtClean="0"/>
+              <a:t>Cohort 1</a:t>
+            </a:r>
+            <a:endParaRPr lang="en-US" dirty="0"/>
+          </a:p>
+        </p:txBody>
+      </p:sp>
+      <p:cxnSp>
+        <p:nvCxnSpPr>
+          <p:cNvPr id="10" name="Straight Arrow Connector 9"/>
+          <p:cNvCxnSpPr/>
+          <p:nvPr/>
+        </p:nvCxnSpPr>
+        <p:spPr>
+          <a:xfrm>
+            <a:off x="2478097" y="2552694"/>
+            <a:ext cx="1928552" cy="8313"/>
+          </a:xfrm>
+          <a:prstGeom prst="straightConnector1">
+            <a:avLst/>
+          </a:prstGeom>
+          <a:ln w="28575" cap="sq">
+            <a:solidFill>
+              <a:schemeClr val="tx1">
+                <a:alpha val="93000"/>
+              </a:schemeClr>
+            </a:solidFill>
+            <a:bevel/>
+            <a:headEnd type="diamond" w="lg" len="lg"/>
+            <a:tailEnd type="diamond" w="lg" len="lg"/>
+          </a:ln>
+        </p:spPr>
+        <p:style>
+          <a:lnRef idx="1">
+            <a:schemeClr val="accent1"/>
+          </a:lnRef>
+          <a:fillRef idx="0">
+            <a:schemeClr val="accent1"/>
+          </a:fillRef>
+          <a:effectRef idx="0">
+            <a:schemeClr val="accent1"/>
+          </a:effectRef>
+          <a:fontRef idx="minor">
+            <a:schemeClr val="tx1"/>
+          </a:fontRef>
+        </p:style>
+      </p:cxnSp>
+      <p:sp>
+        <p:nvSpPr>
+          <p:cNvPr id="11" name="TextBox 10"/>
+          <p:cNvSpPr txBox="1"/>
+          <p:nvPr/>
+        </p:nvSpPr>
+        <p:spPr>
+          <a:xfrm>
+            <a:off x="2951582" y="2202032"/>
+            <a:ext cx="1119674" cy="369332"/>
+          </a:xfrm>
+          <a:prstGeom prst="rect">
+            <a:avLst/>
+          </a:prstGeom>
+          <a:noFill/>
+        </p:spPr>
+        <p:txBody>
+          <a:bodyPr wrap="square" rtlCol="0">
+            <a:spAutoFit/>
+          </a:bodyPr>
+          <a:lstStyle/>
+          <a:p>
+            <a:r>
+              <a:rPr lang="en-US" dirty="0" smtClean="0"/>
+              <a:t>Cohort 2</a:t>
+            </a:r>
+            <a:endParaRPr lang="en-US" dirty="0"/>
+          </a:p>
+        </p:txBody>
+      </p:sp>
+      <p:sp>
+        <p:nvSpPr>
+          <p:cNvPr id="15" name="TextBox 14"/>
+          <p:cNvSpPr txBox="1"/>
+          <p:nvPr/>
+        </p:nvSpPr>
+        <p:spPr>
+          <a:xfrm>
+            <a:off x="709127" y="46652"/>
+            <a:ext cx="1614195" cy="369332"/>
+          </a:xfrm>
+          <a:prstGeom prst="rect">
+            <a:avLst/>
+          </a:prstGeom>
+          <a:noFill/>
+        </p:spPr>
+        <p:txBody>
+          <a:bodyPr wrap="square" rtlCol="0">
+            <a:spAutoFit/>
+          </a:bodyPr>
+          <a:lstStyle/>
+          <a:p>
+            <a:r>
+              <a:rPr lang="en-US" dirty="0" smtClean="0"/>
+              <a:t>Input</a:t>
+            </a:r>
+            <a:endParaRPr lang="en-US" dirty="0"/>
+          </a:p>
+        </p:txBody>
+      </p:sp>
+      <p:sp>
+        <p:nvSpPr>
+          <p:cNvPr id="16" name="TextBox 15"/>
+          <p:cNvSpPr txBox="1"/>
+          <p:nvPr/>
+        </p:nvSpPr>
+        <p:spPr>
+          <a:xfrm>
+            <a:off x="555946" y="3930214"/>
+            <a:ext cx="1614195" cy="369332"/>
+          </a:xfrm>
+          <a:prstGeom prst="rect">
+            <a:avLst/>
+          </a:prstGeom>
+          <a:noFill/>
+        </p:spPr>
+        <p:txBody>
+          <a:bodyPr wrap="square" rtlCol="0">
+            <a:spAutoFit/>
+          </a:bodyPr>
+          <a:lstStyle/>
+          <a:p>
+            <a:r>
+              <a:rPr lang="en-US" dirty="0" smtClean="0"/>
+              <a:t>Output</a:t>
+            </a:r>
+            <a:endParaRPr lang="en-US" dirty="0"/>
+          </a:p>
+        </p:txBody>
+      </p:sp>
+      <p:sp>
+        <p:nvSpPr>
+          <p:cNvPr id="17" name="TextBox 16"/>
+          <p:cNvSpPr txBox="1"/>
+          <p:nvPr/>
+        </p:nvSpPr>
+        <p:spPr>
+          <a:xfrm>
+            <a:off x="814871" y="1940773"/>
+            <a:ext cx="668695" cy="216133"/>
+          </a:xfrm>
+          <a:prstGeom prst="rect">
+            <a:avLst/>
+          </a:prstGeom>
+          <a:noFill/>
+        </p:spPr>
+        <p:txBody>
+          <a:bodyPr wrap="square" rtlCol="0">
+            <a:spAutoFit/>
+          </a:bodyPr>
+          <a:lstStyle/>
+          <a:p>
+            <a:r>
+              <a:rPr lang="en-US" sz="800" dirty="0" smtClean="0"/>
+              <a:t>Jan/1/2022</a:t>
+            </a:r>
+            <a:endParaRPr lang="en-US" sz="800" dirty="0"/>
+          </a:p>
+        </p:txBody>
+      </p:sp>
+      <p:sp>
+        <p:nvSpPr>
+          <p:cNvPr id="18" name="TextBox 17"/>
+          <p:cNvSpPr txBox="1"/>
+          <p:nvPr/>
+        </p:nvSpPr>
+        <p:spPr>
+          <a:xfrm>
+            <a:off x="2816284" y="1946425"/>
+            <a:ext cx="887967" cy="215444"/>
+          </a:xfrm>
+          <a:prstGeom prst="rect">
+            <a:avLst/>
+          </a:prstGeom>
+          <a:noFill/>
+        </p:spPr>
+        <p:txBody>
+          <a:bodyPr wrap="square" rtlCol="0">
+            <a:spAutoFit/>
+          </a:bodyPr>
+          <a:lstStyle/>
+          <a:p>
+            <a:r>
+              <a:rPr lang="en-US" sz="800" dirty="0" smtClean="0"/>
+              <a:t>Mar/1/2022</a:t>
+            </a:r>
+            <a:endParaRPr lang="en-US" sz="800" dirty="0"/>
+          </a:p>
+        </p:txBody>
+      </p:sp>
+      <p:sp>
+        <p:nvSpPr>
+          <p:cNvPr id="19" name="TextBox 18"/>
+          <p:cNvSpPr txBox="1"/>
+          <p:nvPr/>
+        </p:nvSpPr>
+        <p:spPr>
+          <a:xfrm>
+            <a:off x="2235189" y="2676882"/>
+            <a:ext cx="843911" cy="215444"/>
+          </a:xfrm>
+          <a:prstGeom prst="rect">
+            <a:avLst/>
+          </a:prstGeom>
+          <a:noFill/>
+        </p:spPr>
+        <p:txBody>
+          <a:bodyPr wrap="square" rtlCol="0">
+            <a:spAutoFit/>
+          </a:bodyPr>
+          <a:lstStyle/>
+          <a:p>
+            <a:r>
+              <a:rPr lang="en-US" sz="800" dirty="0" smtClean="0"/>
+              <a:t>Feb/10/2022</a:t>
+            </a:r>
+            <a:endParaRPr lang="en-US" sz="800" dirty="0"/>
+          </a:p>
+        </p:txBody>
+      </p:sp>
+      <p:sp>
+        <p:nvSpPr>
+          <p:cNvPr id="20" name="TextBox 19"/>
+          <p:cNvSpPr txBox="1"/>
+          <p:nvPr/>
+        </p:nvSpPr>
+        <p:spPr>
+          <a:xfrm>
+            <a:off x="4131140" y="2640898"/>
+            <a:ext cx="926050" cy="215444"/>
+          </a:xfrm>
+          <a:prstGeom prst="rect">
+            <a:avLst/>
+          </a:prstGeom>
+          <a:noFill/>
+        </p:spPr>
+        <p:txBody>
+          <a:bodyPr wrap="square" rtlCol="0">
+            <a:spAutoFit/>
+          </a:bodyPr>
+          <a:lstStyle/>
+          <a:p>
+            <a:r>
+              <a:rPr lang="en-US" sz="800" dirty="0" smtClean="0"/>
+              <a:t>May/10/2022</a:t>
+            </a:r>
+            <a:endParaRPr lang="en-US" sz="800" dirty="0"/>
+          </a:p>
+        </p:txBody>
+      </p:sp>
+      <p:sp>
+        <p:nvSpPr>
+          <p:cNvPr id="23" name="Rectangle 22"/>
+          <p:cNvSpPr/>
+          <p:nvPr/>
+        </p:nvSpPr>
+        <p:spPr>
+          <a:xfrm>
+            <a:off x="637082" y="4328984"/>
+            <a:ext cx="6941975" cy="1547346"/>
+          </a:xfrm>
+          <a:prstGeom prst="rect">
+            <a:avLst/>
+          </a:prstGeom>
+          <a:noFill/>
+          <a:ln>
+            <a:solidFill>
+              <a:schemeClr val="tx1"/>
+            </a:solidFill>
+          </a:ln>
+        </p:spPr>
+        <p:style>
+          <a:lnRef idx="2">
+            <a:schemeClr val="accent1">
+              <a:shade val="50000"/>
+            </a:schemeClr>
+          </a:lnRef>
+          <a:fillRef idx="1">
+            <a:schemeClr val="accent1"/>
+          </a:fillRef>
+          <a:effectRef idx="0">
+            <a:schemeClr val="accent1"/>
+          </a:effectRef>
+          <a:fontRef idx="minor">
+            <a:schemeClr val="lt1"/>
+          </a:fontRef>
+        </p:style>
+        <p:txBody>
+          <a:bodyPr rtlCol="0" anchor="ctr"/>
+          <a:lstStyle/>
+          <a:p>
+            <a:pPr algn="ctr"/>
+            <a:endParaRPr lang="en-US"/>
+          </a:p>
+        </p:txBody>
+      </p:sp>
+      <p:cxnSp>
+        <p:nvCxnSpPr>
+          <p:cNvPr id="24" name="Straight Arrow Connector 23"/>
+          <p:cNvCxnSpPr/>
+          <p:nvPr/>
+        </p:nvCxnSpPr>
+        <p:spPr>
+          <a:xfrm>
+            <a:off x="1068273" y="5154699"/>
+            <a:ext cx="1399172" cy="0"/>
+          </a:xfrm>
+          <a:prstGeom prst="straightConnector1">
+            <a:avLst/>
+          </a:prstGeom>
+          <a:ln w="28575" cap="sq">
+            <a:solidFill>
+              <a:schemeClr val="tx1">
+                <a:alpha val="93000"/>
+              </a:schemeClr>
+            </a:solidFill>
+            <a:bevel/>
+            <a:headEnd type="diamond" w="lg" len="lg"/>
+            <a:tailEnd type="diamond" w="lg" len="lg"/>
+          </a:ln>
+        </p:spPr>
+        <p:style>
+          <a:lnRef idx="1">
+            <a:schemeClr val="accent1"/>
+          </a:lnRef>
+          <a:fillRef idx="0">
+            <a:schemeClr val="accent1"/>
+          </a:fillRef>
+          <a:effectRef idx="0">
+            <a:schemeClr val="accent1"/>
+          </a:effectRef>
+          <a:fontRef idx="minor">
+            <a:schemeClr val="tx1"/>
+          </a:fontRef>
+        </p:style>
+      </p:cxnSp>
+      <p:sp>
+        <p:nvSpPr>
+          <p:cNvPr id="25" name="TextBox 24"/>
+          <p:cNvSpPr txBox="1"/>
+          <p:nvPr/>
+        </p:nvSpPr>
+        <p:spPr>
+          <a:xfrm>
+            <a:off x="1231622" y="5130994"/>
+            <a:ext cx="1119674" cy="369332"/>
+          </a:xfrm>
+          <a:prstGeom prst="rect">
+            <a:avLst/>
+          </a:prstGeom>
+          <a:noFill/>
+        </p:spPr>
+        <p:txBody>
+          <a:bodyPr wrap="square" rtlCol="0">
+            <a:spAutoFit/>
+          </a:bodyPr>
+          <a:lstStyle/>
+          <a:p>
+            <a:r>
+              <a:rPr lang="en-US" dirty="0" smtClean="0"/>
+              <a:t>Cohort 3</a:t>
+            </a:r>
+            <a:endParaRPr lang="en-US" dirty="0"/>
+          </a:p>
+        </p:txBody>
+      </p:sp>
+      <p:sp>
+        <p:nvSpPr>
+          <p:cNvPr id="32" name="TextBox 31"/>
+          <p:cNvSpPr txBox="1"/>
+          <p:nvPr/>
+        </p:nvSpPr>
+        <p:spPr>
+          <a:xfrm>
+            <a:off x="814871" y="5478570"/>
+            <a:ext cx="809077" cy="215444"/>
+          </a:xfrm>
+          <a:prstGeom prst="rect">
+            <a:avLst/>
+          </a:prstGeom>
+          <a:noFill/>
+        </p:spPr>
+        <p:txBody>
+          <a:bodyPr wrap="square" rtlCol="0">
+            <a:spAutoFit/>
+          </a:bodyPr>
+          <a:lstStyle/>
+          <a:p>
+            <a:r>
+              <a:rPr lang="en-US" sz="800" dirty="0" smtClean="0"/>
+              <a:t>Jan/1/2022</a:t>
+            </a:r>
+            <a:endParaRPr lang="en-US" sz="800" dirty="0"/>
+          </a:p>
+        </p:txBody>
+      </p:sp>
+      <p:sp>
+        <p:nvSpPr>
+          <p:cNvPr id="45" name="TextBox 44"/>
+          <p:cNvSpPr txBox="1"/>
+          <p:nvPr/>
+        </p:nvSpPr>
+        <p:spPr>
+          <a:xfrm>
+            <a:off x="2170141" y="5475185"/>
+            <a:ext cx="926050" cy="215444"/>
+          </a:xfrm>
+          <a:prstGeom prst="rect">
+            <a:avLst/>
+          </a:prstGeom>
+          <a:noFill/>
+        </p:spPr>
+        <p:txBody>
+          <a:bodyPr wrap="square" rtlCol="0">
+            <a:spAutoFit/>
+          </a:bodyPr>
+          <a:lstStyle/>
+          <a:p>
+            <a:r>
+              <a:rPr lang="en-US" sz="800" dirty="0" smtClean="0"/>
+              <a:t>Feb/10/2022</a:t>
+            </a:r>
+            <a:endParaRPr lang="en-US" sz="800" dirty="0"/>
+          </a:p>
+        </p:txBody>
+      </p:sp>
+      <p:sp>
+        <p:nvSpPr>
+          <p:cNvPr id="28" name="TextBox 27"/>
+          <p:cNvSpPr txBox="1"/>
+          <p:nvPr/>
+        </p:nvSpPr>
+        <p:spPr>
+          <a:xfrm>
+            <a:off x="1063690" y="513184"/>
+            <a:ext cx="5122506" cy="369332"/>
+          </a:xfrm>
+          <a:prstGeom prst="rect">
+            <a:avLst/>
+          </a:prstGeom>
+          <a:noFill/>
+        </p:spPr>
+        <p:txBody>
+          <a:bodyPr wrap="square" rtlCol="0">
+            <a:spAutoFit/>
+          </a:bodyPr>
+          <a:lstStyle/>
+          <a:p>
+            <a:r>
+              <a:rPr lang="en-US" dirty="0" smtClean="0"/>
+              <a:t>Cohort Minus:</a:t>
+            </a:r>
+            <a:endParaRPr lang="en-US" dirty="0"/>
+          </a:p>
+        </p:txBody>
+      </p:sp>
+      <p:sp>
+        <p:nvSpPr>
+          <p:cNvPr id="33" name="Rectangle 32"/>
+          <p:cNvSpPr/>
+          <p:nvPr/>
+        </p:nvSpPr>
+        <p:spPr>
+          <a:xfrm>
+            <a:off x="1005834" y="1354974"/>
+            <a:ext cx="1472263" cy="2424815"/>
+          </a:xfrm>
+          <a:prstGeom prst="rect">
+            <a:avLst/>
+          </a:prstGeom>
+          <a:noFill/>
+        </p:spPr>
+        <p:style>
+          <a:lnRef idx="2">
+            <a:schemeClr val="accent1">
+              <a:shade val="50000"/>
+            </a:schemeClr>
+          </a:lnRef>
+          <a:fillRef idx="1">
+            <a:schemeClr val="accent1"/>
+          </a:fillRef>
+          <a:effectRef idx="0">
+            <a:schemeClr val="accent1"/>
+          </a:effectRef>
+          <a:fontRef idx="minor">
+            <a:schemeClr val="lt1"/>
+          </a:fontRef>
+        </p:style>
+        <p:txBody>
+          <a:bodyPr rtlCol="0" anchor="ctr"/>
+          <a:lstStyle/>
+          <a:p>
+            <a:pPr algn="ctr"/>
+            <a:endParaRPr lang="en-US"/>
+          </a:p>
+        </p:txBody>
+      </p:sp>
+      <p:sp>
+        <p:nvSpPr>
+          <p:cNvPr id="34" name="Rectangle 33"/>
+          <p:cNvSpPr/>
+          <p:nvPr/>
+        </p:nvSpPr>
+        <p:spPr>
+          <a:xfrm>
+            <a:off x="2467445" y="1352258"/>
+            <a:ext cx="481554" cy="2427532"/>
+          </a:xfrm>
+          <a:prstGeom prst="rect">
+            <a:avLst/>
+          </a:prstGeom>
+          <a:noFill/>
+        </p:spPr>
+        <p:style>
+          <a:lnRef idx="2">
+            <a:schemeClr val="accent1">
+              <a:shade val="50000"/>
+            </a:schemeClr>
+          </a:lnRef>
+          <a:fillRef idx="1">
+            <a:schemeClr val="accent1"/>
+          </a:fillRef>
+          <a:effectRef idx="0">
+            <a:schemeClr val="accent1"/>
+          </a:effectRef>
+          <a:fontRef idx="minor">
+            <a:schemeClr val="lt1"/>
+          </a:fontRef>
+        </p:style>
+        <p:txBody>
+          <a:bodyPr rtlCol="0" anchor="ctr"/>
+          <a:lstStyle/>
+          <a:p>
+            <a:pPr algn="ctr"/>
+            <a:endParaRPr lang="en-US"/>
+          </a:p>
+        </p:txBody>
+      </p:sp>
+      <p:sp>
+        <p:nvSpPr>
+          <p:cNvPr id="36" name="Rectangle 35"/>
+          <p:cNvSpPr/>
+          <p:nvPr/>
+        </p:nvSpPr>
+        <p:spPr>
+          <a:xfrm>
+            <a:off x="2938634" y="1354974"/>
+            <a:ext cx="1446998" cy="2429359"/>
+          </a:xfrm>
+          <a:prstGeom prst="rect">
+            <a:avLst/>
+          </a:prstGeom>
+          <a:noFill/>
+          <a:ln>
+            <a:prstDash val="sysDot"/>
+          </a:ln>
+        </p:spPr>
+        <p:style>
+          <a:lnRef idx="2">
+            <a:schemeClr val="accent1">
+              <a:shade val="50000"/>
+            </a:schemeClr>
+          </a:lnRef>
+          <a:fillRef idx="1">
+            <a:schemeClr val="accent1"/>
+          </a:fillRef>
+          <a:effectRef idx="0">
+            <a:schemeClr val="accent1"/>
+          </a:effectRef>
+          <a:fontRef idx="minor">
+            <a:schemeClr val="lt1"/>
+          </a:fontRef>
+        </p:style>
+        <p:txBody>
+          <a:bodyPr rtlCol="0" anchor="ctr"/>
+          <a:lstStyle/>
+          <a:p>
+            <a:pPr algn="ctr"/>
+            <a:endParaRPr lang="en-US"/>
+          </a:p>
+        </p:txBody>
+      </p:sp>
+      <p:sp>
+        <p:nvSpPr>
+          <p:cNvPr id="6" name="TextBox 5"/>
+          <p:cNvSpPr txBox="1"/>
+          <p:nvPr/>
+        </p:nvSpPr>
+        <p:spPr>
+          <a:xfrm>
+            <a:off x="1601823" y="997348"/>
+            <a:ext cx="249721" cy="369332"/>
+          </a:xfrm>
+          <a:prstGeom prst="rect">
+            <a:avLst/>
+          </a:prstGeom>
+          <a:noFill/>
+        </p:spPr>
+        <p:txBody>
+          <a:bodyPr wrap="square" rtlCol="0">
+            <a:spAutoFit/>
+          </a:bodyPr>
+          <a:lstStyle/>
+          <a:p>
+            <a:r>
+              <a:rPr lang="en-US" dirty="0" smtClean="0"/>
+              <a:t>1</a:t>
+            </a:r>
+            <a:endParaRPr lang="en-US" dirty="0"/>
+          </a:p>
+        </p:txBody>
+      </p:sp>
+      <p:sp>
+        <p:nvSpPr>
+          <p:cNvPr id="38" name="TextBox 37"/>
+          <p:cNvSpPr txBox="1"/>
+          <p:nvPr/>
+        </p:nvSpPr>
+        <p:spPr>
+          <a:xfrm>
+            <a:off x="2523103" y="982925"/>
+            <a:ext cx="249721" cy="369332"/>
+          </a:xfrm>
+          <a:prstGeom prst="rect">
+            <a:avLst/>
+          </a:prstGeom>
+          <a:noFill/>
+        </p:spPr>
+        <p:txBody>
+          <a:bodyPr wrap="square" rtlCol="0">
+            <a:spAutoFit/>
+          </a:bodyPr>
+          <a:lstStyle/>
+          <a:p>
+            <a:r>
+              <a:rPr lang="en-US" dirty="0" smtClean="0"/>
+              <a:t>2</a:t>
+            </a:r>
+            <a:endParaRPr lang="en-US" dirty="0"/>
+          </a:p>
+        </p:txBody>
+      </p:sp>
+      <p:sp>
+        <p:nvSpPr>
+          <p:cNvPr id="41" name="TextBox 40"/>
+          <p:cNvSpPr txBox="1"/>
+          <p:nvPr/>
+        </p:nvSpPr>
+        <p:spPr>
+          <a:xfrm>
+            <a:off x="1465210" y="4732224"/>
+            <a:ext cx="249721" cy="369332"/>
+          </a:xfrm>
+          <a:prstGeom prst="rect">
+            <a:avLst/>
+          </a:prstGeom>
+          <a:noFill/>
+        </p:spPr>
+        <p:txBody>
+          <a:bodyPr wrap="square" rtlCol="0">
+            <a:spAutoFit/>
+          </a:bodyPr>
+          <a:lstStyle/>
+          <a:p>
+            <a:r>
+              <a:rPr lang="en-US" dirty="0" smtClean="0"/>
+              <a:t>1</a:t>
+            </a:r>
+            <a:endParaRPr lang="en-US" dirty="0"/>
+          </a:p>
+        </p:txBody>
+      </p:sp>
+      <p:sp>
+        <p:nvSpPr>
+          <p:cNvPr id="3" name="TextBox 2"/>
+          <p:cNvSpPr txBox="1"/>
+          <p:nvPr/>
+        </p:nvSpPr>
+        <p:spPr>
+          <a:xfrm>
+            <a:off x="3260267" y="1097280"/>
+            <a:ext cx="1261857" cy="461665"/>
+          </a:xfrm>
+          <a:prstGeom prst="rect">
+            <a:avLst/>
+          </a:prstGeom>
+          <a:noFill/>
+        </p:spPr>
+        <p:txBody>
+          <a:bodyPr wrap="square" rtlCol="0">
+            <a:spAutoFit/>
+          </a:bodyPr>
+          <a:lstStyle/>
+          <a:p>
+            <a:r>
+              <a:rPr lang="en-US" sz="1200" dirty="0" smtClean="0"/>
+              <a:t>Removed by intersect</a:t>
+            </a:r>
+            <a:endParaRPr lang="en-US" sz="1200" dirty="0"/>
+          </a:p>
+        </p:txBody>
+      </p:sp>
+    </p:spTree>
+    <p:extLst>
+      <p:ext uri="{BB962C8B-B14F-4D97-AF65-F5344CB8AC3E}">
+        <p14:creationId xmlns:p14="http://schemas.microsoft.com/office/powerpoint/2010/main" val="182041440"/>
       </p:ext>
     </p:extLst>
   </p:cSld>
@@ -3917,9 +4741,9 @@
           <p:nvPr/>
         </p:nvCxnSpPr>
         <p:spPr>
-          <a:xfrm>
-            <a:off x="2132300" y="1787575"/>
-            <a:ext cx="18615" cy="4782"/>
+          <a:xfrm flipV="1">
+            <a:off x="2132300" y="1772856"/>
+            <a:ext cx="946800" cy="14719"/>
           </a:xfrm>
           <a:prstGeom prst="straightConnector1">
             <a:avLst/>
@@ -3958,7 +4782,7 @@
         </p:nvSpPr>
         <p:spPr>
           <a:xfrm>
-            <a:off x="1491665" y="1403524"/>
+            <a:off x="2111958" y="1395878"/>
             <a:ext cx="1119674" cy="369332"/>
           </a:xfrm>
           <a:prstGeom prst="rect">
@@ -3988,8 +4812,8 @@
         </p:nvCxnSpPr>
         <p:spPr>
           <a:xfrm flipV="1">
-            <a:off x="2168319" y="2561007"/>
-            <a:ext cx="2238330" cy="1527"/>
+            <a:off x="1288473" y="2561008"/>
+            <a:ext cx="3118176" cy="4919"/>
           </a:xfrm>
           <a:prstGeom prst="straightConnector1">
             <a:avLst/>
@@ -4028,7 +4852,7 @@
         </p:nvSpPr>
         <p:spPr>
           <a:xfrm>
-            <a:off x="2951582" y="2202032"/>
+            <a:off x="2100877" y="2585907"/>
             <a:ext cx="1119674" cy="369332"/>
           </a:xfrm>
           <a:prstGeom prst="rect">
@@ -4058,8 +4882,8 @@
         </p:nvSpPr>
         <p:spPr>
           <a:xfrm>
-            <a:off x="1063690" y="513184"/>
-            <a:ext cx="5122506" cy="369332"/>
+            <a:off x="1063689" y="513184"/>
+            <a:ext cx="5736121" cy="369332"/>
           </a:xfrm>
           <a:prstGeom prst="rect">
             <a:avLst/>
@@ -4074,11 +4898,7 @@
           <a:p>
             <a:r>
               <a:rPr lang="en-US" dirty="0" smtClean="0"/>
-              <a:t>Cohort </a:t>
-            </a:r>
-            <a:r>
-              <a:rPr lang="en-US" dirty="0" smtClean="0"/>
-              <a:t>Intersect: 1 day cohort with </a:t>
+              <a:t>Cohort Intersect 1: Example of two cohorts with overlap</a:t>
             </a:r>
             <a:endParaRPr lang="en-US" dirty="0"/>
           </a:p>
@@ -4182,7 +5002,7 @@
         </p:nvSpPr>
         <p:spPr>
           <a:xfrm>
-            <a:off x="2235189" y="2676882"/>
+            <a:off x="874999" y="2716362"/>
             <a:ext cx="843911" cy="215444"/>
           </a:xfrm>
           <a:prstGeom prst="rect">
@@ -4198,7 +5018,7 @@
           <a:p>
             <a:r>
               <a:rPr lang="en-US" sz="800" dirty="0" smtClean="0"/>
-              <a:t>Jan/1/2022</a:t>
+              <a:t>Dec/15/2021</a:t>
             </a:r>
             <a:endParaRPr lang="en-US" sz="800" dirty="0"/>
           </a:p>
@@ -4228,11 +5048,7 @@
           <a:p>
             <a:r>
               <a:rPr lang="en-US" sz="800" dirty="0" smtClean="0"/>
-              <a:t>Jan</a:t>
-            </a:r>
-            <a:r>
-              <a:rPr lang="en-US" sz="800" dirty="0" smtClean="0"/>
-              <a:t>/2/2022</a:t>
+              <a:t>Jan/30/2022</a:t>
             </a:r>
             <a:endParaRPr lang="en-US" sz="800" dirty="0"/>
           </a:p>
@@ -4284,16 +5100,46 @@
           </a:p>
         </p:txBody>
       </p:sp>
+      <p:sp>
+        <p:nvSpPr>
+          <p:cNvPr id="27" name="TextBox 26"/>
+          <p:cNvSpPr txBox="1"/>
+          <p:nvPr/>
+        </p:nvSpPr>
+        <p:spPr>
+          <a:xfrm>
+            <a:off x="2783502" y="1924817"/>
+            <a:ext cx="874098" cy="215444"/>
+          </a:xfrm>
+          <a:prstGeom prst="rect">
+            <a:avLst/>
+          </a:prstGeom>
+          <a:noFill/>
+        </p:spPr>
+        <p:txBody>
+          <a:bodyPr wrap="square" rtlCol="0">
+            <a:spAutoFit/>
+          </a:bodyPr>
+          <a:lstStyle/>
+          <a:p>
+            <a:r>
+              <a:rPr lang="en-US" sz="800" dirty="0" smtClean="0"/>
+              <a:t>Jan/15/2022</a:t>
+            </a:r>
+            <a:endParaRPr lang="en-US" sz="800" dirty="0"/>
+          </a:p>
+        </p:txBody>
+      </p:sp>
       <p:cxnSp>
         <p:nvCxnSpPr>
-          <p:cNvPr id="24" name="Straight Arrow Connector 23"/>
+          <p:cNvPr id="28" name="Straight Arrow Connector 27"/>
           <p:cNvCxnSpPr/>
           <p:nvPr/>
         </p:nvCxnSpPr>
         <p:spPr>
           <a:xfrm flipV="1">
-            <a:off x="2146720" y="5279601"/>
-            <a:ext cx="22903" cy="22241"/>
+            <a:off x="2143381" y="4959400"/>
+            <a:ext cx="946800" cy="14719"/>
           </a:xfrm>
           <a:prstGeom prst="straightConnector1">
             <a:avLst/>
@@ -4326,77 +5172,13 @@
       </p:cxnSp>
       <p:sp>
         <p:nvSpPr>
-          <p:cNvPr id="25" name="TextBox 24"/>
-          <p:cNvSpPr txBox="1"/>
-          <p:nvPr/>
-        </p:nvSpPr>
-        <p:spPr>
-          <a:xfrm>
-            <a:off x="1608482" y="4880831"/>
-            <a:ext cx="1119674" cy="369332"/>
-          </a:xfrm>
-          <a:prstGeom prst="rect">
-            <a:avLst/>
-          </a:prstGeom>
-          <a:noFill/>
-        </p:spPr>
-        <p:txBody>
-          <a:bodyPr wrap="square" rtlCol="0">
-            <a:spAutoFit/>
-          </a:bodyPr>
-          <a:lstStyle/>
-          <a:p>
-            <a:r>
-              <a:rPr lang="en-US" dirty="0" smtClean="0"/>
-              <a:t>Cohort </a:t>
-            </a:r>
-            <a:r>
-              <a:rPr lang="en-US" dirty="0" smtClean="0"/>
-              <a:t>3</a:t>
-            </a:r>
-            <a:endParaRPr lang="en-US" dirty="0"/>
-          </a:p>
-        </p:txBody>
-      </p:sp>
-      <p:sp>
-        <p:nvSpPr>
-          <p:cNvPr id="30" name="TextBox 29"/>
-          <p:cNvSpPr txBox="1"/>
-          <p:nvPr/>
-        </p:nvSpPr>
-        <p:spPr>
-          <a:xfrm>
-            <a:off x="1669276" y="4387860"/>
-            <a:ext cx="5122506" cy="369332"/>
-          </a:xfrm>
-          <a:prstGeom prst="rect">
-            <a:avLst/>
-          </a:prstGeom>
-          <a:noFill/>
-        </p:spPr>
-        <p:txBody>
-          <a:bodyPr wrap="square" rtlCol="0">
-            <a:spAutoFit/>
-          </a:bodyPr>
-          <a:lstStyle/>
-          <a:p>
-            <a:r>
-              <a:rPr lang="en-US" dirty="0" smtClean="0"/>
-              <a:t>Output</a:t>
-            </a:r>
-            <a:endParaRPr lang="en-US" dirty="0"/>
-          </a:p>
-        </p:txBody>
-      </p:sp>
-      <p:sp>
-        <p:nvSpPr>
-          <p:cNvPr id="32" name="TextBox 31"/>
-          <p:cNvSpPr txBox="1"/>
-          <p:nvPr/>
-        </p:nvSpPr>
-        <p:spPr>
-          <a:xfrm>
-            <a:off x="1908008" y="5450257"/>
+          <p:cNvPr id="29" name="TextBox 28"/>
+          <p:cNvSpPr txBox="1"/>
+          <p:nvPr/>
+        </p:nvSpPr>
+        <p:spPr>
+          <a:xfrm>
+            <a:off x="1948171" y="5127317"/>
             <a:ext cx="668695" cy="216133"/>
           </a:xfrm>
           <a:prstGeom prst="rect">
@@ -4420,14 +5202,44 @@
       </p:sp>
       <p:sp>
         <p:nvSpPr>
-          <p:cNvPr id="2" name="TextBox 1"/>
-          <p:cNvSpPr txBox="1"/>
-          <p:nvPr/>
-        </p:nvSpPr>
-        <p:spPr>
-          <a:xfrm>
-            <a:off x="8520545" y="406653"/>
-            <a:ext cx="3366655" cy="369332"/>
+          <p:cNvPr id="31" name="TextBox 30"/>
+          <p:cNvSpPr txBox="1"/>
+          <p:nvPr/>
+        </p:nvSpPr>
+        <p:spPr>
+          <a:xfrm>
+            <a:off x="2794583" y="5111361"/>
+            <a:ext cx="874098" cy="215444"/>
+          </a:xfrm>
+          <a:prstGeom prst="rect">
+            <a:avLst/>
+          </a:prstGeom>
+          <a:noFill/>
+        </p:spPr>
+        <p:txBody>
+          <a:bodyPr wrap="square" rtlCol="0">
+            <a:spAutoFit/>
+          </a:bodyPr>
+          <a:lstStyle/>
+          <a:p>
+            <a:r>
+              <a:rPr lang="en-US" sz="800" dirty="0" smtClean="0"/>
+              <a:t>Jan/15/2022</a:t>
+            </a:r>
+            <a:endParaRPr lang="en-US" sz="800" dirty="0"/>
+          </a:p>
+        </p:txBody>
+      </p:sp>
+      <p:sp>
+        <p:nvSpPr>
+          <p:cNvPr id="33" name="TextBox 32"/>
+          <p:cNvSpPr txBox="1"/>
+          <p:nvPr/>
+        </p:nvSpPr>
+        <p:spPr>
+          <a:xfrm>
+            <a:off x="2132300" y="4542644"/>
+            <a:ext cx="1119674" cy="369332"/>
           </a:xfrm>
           <a:prstGeom prst="rect">
             <a:avLst/>
@@ -4442,7 +5254,7 @@
           <a:p>
             <a:r>
               <a:rPr lang="en-US" dirty="0" smtClean="0"/>
-              <a:t>Intersection one day</a:t>
+              <a:t>Cohort 3</a:t>
             </a:r>
             <a:endParaRPr lang="en-US" dirty="0"/>
           </a:p>
@@ -4450,45 +5262,25 @@
       </p:sp>
       <p:sp>
         <p:nvSpPr>
-          <p:cNvPr id="6" name="TextBox 5"/>
-          <p:cNvSpPr txBox="1"/>
-          <p:nvPr/>
-        </p:nvSpPr>
-        <p:spPr>
-          <a:xfrm>
-            <a:off x="2132300" y="1695796"/>
-            <a:ext cx="45719" cy="399697"/>
-          </a:xfrm>
-          <a:prstGeom prst="rect">
-            <a:avLst/>
-          </a:prstGeom>
-          <a:noFill/>
-        </p:spPr>
-        <p:txBody>
-          <a:bodyPr wrap="square" rtlCol="0">
-            <a:spAutoFit/>
-          </a:bodyPr>
-          <a:lstStyle/>
-          <a:p>
-            <a:endParaRPr lang="en-US" dirty="0"/>
-          </a:p>
-        </p:txBody>
-      </p:sp>
-      <p:sp>
-        <p:nvSpPr>
-          <p:cNvPr id="26" name="TextBox 25"/>
-          <p:cNvSpPr txBox="1"/>
-          <p:nvPr/>
-        </p:nvSpPr>
-        <p:spPr>
-          <a:xfrm>
-            <a:off x="2051502" y="1695466"/>
-            <a:ext cx="190853" cy="1680852"/>
-          </a:xfrm>
-          <a:prstGeom prst="rect">
-            <a:avLst/>
-          </a:prstGeom>
-          <a:noFill/>
+          <p:cNvPr id="12" name="TextBox 11"/>
+          <p:cNvSpPr txBox="1"/>
+          <p:nvPr/>
+        </p:nvSpPr>
+        <p:spPr>
+          <a:xfrm>
+            <a:off x="2100877" y="1155469"/>
+            <a:ext cx="989304" cy="2327564"/>
+          </a:xfrm>
+          <a:prstGeom prst="rect">
+            <a:avLst/>
+          </a:prstGeom>
+          <a:noFill/>
+          <a:ln w="28575">
+            <a:solidFill>
+              <a:schemeClr val="accent1"/>
+            </a:solidFill>
+            <a:prstDash val="sysDot"/>
+          </a:ln>
         </p:spPr>
         <p:txBody>
           <a:bodyPr wrap="square" rtlCol="0">
@@ -4503,7 +5295,7 @@
     </p:spTree>
     <p:extLst>
       <p:ext uri="{BB962C8B-B14F-4D97-AF65-F5344CB8AC3E}">
-        <p14:creationId xmlns:p14="http://schemas.microsoft.com/office/powerpoint/2010/main" val="525306742"/>
+        <p14:creationId xmlns:p14="http://schemas.microsoft.com/office/powerpoint/2010/main" val="3245480123"/>
       </p:ext>
     </p:extLst>
   </p:cSld>
@@ -4532,6 +5324,38 @@
       </p:grpSpPr>
       <p:sp>
         <p:nvSpPr>
+          <p:cNvPr id="12" name="TextBox 11"/>
+          <p:cNvSpPr txBox="1"/>
+          <p:nvPr/>
+        </p:nvSpPr>
+        <p:spPr>
+          <a:xfrm>
+            <a:off x="2100877" y="1155469"/>
+            <a:ext cx="222445" cy="2327564"/>
+          </a:xfrm>
+          <a:prstGeom prst="rect">
+            <a:avLst/>
+          </a:prstGeom>
+          <a:noFill/>
+          <a:ln w="28575">
+            <a:solidFill>
+              <a:schemeClr val="accent1"/>
+            </a:solidFill>
+            <a:prstDash val="sysDot"/>
+          </a:ln>
+        </p:spPr>
+        <p:txBody>
+          <a:bodyPr wrap="square" rtlCol="0">
+            <a:spAutoFit/>
+          </a:bodyPr>
+          <a:lstStyle/>
+          <a:p>
+            <a:endParaRPr lang="en-US" dirty="0"/>
+          </a:p>
+        </p:txBody>
+      </p:sp>
+      <p:sp>
+        <p:nvSpPr>
           <p:cNvPr id="8" name="Rectangle 7"/>
           <p:cNvSpPr/>
           <p:nvPr/>
@@ -4583,9 +5407,9 @@
           <p:nvPr/>
         </p:nvCxnSpPr>
         <p:spPr>
-          <a:xfrm>
-            <a:off x="1010081" y="1787575"/>
-            <a:ext cx="1928552" cy="8313"/>
+          <a:xfrm flipV="1">
+            <a:off x="2132300" y="1772856"/>
+            <a:ext cx="946800" cy="14719"/>
           </a:xfrm>
           <a:prstGeom prst="straightConnector1">
             <a:avLst/>
@@ -4624,7 +5448,7 @@
         </p:nvSpPr>
         <p:spPr>
           <a:xfrm>
-            <a:off x="1483566" y="1436913"/>
+            <a:off x="2111958" y="1395878"/>
             <a:ext cx="1119674" cy="369332"/>
           </a:xfrm>
           <a:prstGeom prst="rect">
@@ -4654,8 +5478,8 @@
         </p:nvCxnSpPr>
         <p:spPr>
           <a:xfrm>
-            <a:off x="2478097" y="2552694"/>
-            <a:ext cx="1928552" cy="8313"/>
+            <a:off x="1288473" y="2565928"/>
+            <a:ext cx="1034849" cy="10536"/>
           </a:xfrm>
           <a:prstGeom prst="straightConnector1">
             <a:avLst/>
@@ -4694,7 +5518,7 @@
         </p:nvSpPr>
         <p:spPr>
           <a:xfrm>
-            <a:off x="2951582" y="2202032"/>
+            <a:off x="2106468" y="2936448"/>
             <a:ext cx="1119674" cy="369332"/>
           </a:xfrm>
           <a:prstGeom prst="rect">
@@ -4716,16 +5540,272 @@
           </a:p>
         </p:txBody>
       </p:sp>
+      <p:sp>
+        <p:nvSpPr>
+          <p:cNvPr id="14" name="TextBox 13"/>
+          <p:cNvSpPr txBox="1"/>
+          <p:nvPr/>
+        </p:nvSpPr>
+        <p:spPr>
+          <a:xfrm>
+            <a:off x="1063689" y="513184"/>
+            <a:ext cx="5736121" cy="369332"/>
+          </a:xfrm>
+          <a:prstGeom prst="rect">
+            <a:avLst/>
+          </a:prstGeom>
+          <a:noFill/>
+        </p:spPr>
+        <p:txBody>
+          <a:bodyPr wrap="square" rtlCol="0">
+            <a:spAutoFit/>
+          </a:bodyPr>
+          <a:lstStyle/>
+          <a:p>
+            <a:r>
+              <a:rPr lang="en-US" dirty="0" smtClean="0"/>
+              <a:t>Cohort Intersect 2: Example of two cohorts with overlap</a:t>
+            </a:r>
+            <a:endParaRPr lang="en-US" dirty="0"/>
+          </a:p>
+        </p:txBody>
+      </p:sp>
+      <p:sp>
+        <p:nvSpPr>
+          <p:cNvPr id="15" name="TextBox 14"/>
+          <p:cNvSpPr txBox="1"/>
+          <p:nvPr/>
+        </p:nvSpPr>
+        <p:spPr>
+          <a:xfrm>
+            <a:off x="709127" y="46652"/>
+            <a:ext cx="1614195" cy="369332"/>
+          </a:xfrm>
+          <a:prstGeom prst="rect">
+            <a:avLst/>
+          </a:prstGeom>
+          <a:noFill/>
+        </p:spPr>
+        <p:txBody>
+          <a:bodyPr wrap="square" rtlCol="0">
+            <a:spAutoFit/>
+          </a:bodyPr>
+          <a:lstStyle/>
+          <a:p>
+            <a:r>
+              <a:rPr lang="en-US" dirty="0" smtClean="0"/>
+              <a:t>Input</a:t>
+            </a:r>
+            <a:endParaRPr lang="en-US" dirty="0"/>
+          </a:p>
+        </p:txBody>
+      </p:sp>
+      <p:sp>
+        <p:nvSpPr>
+          <p:cNvPr id="16" name="TextBox 15"/>
+          <p:cNvSpPr txBox="1"/>
+          <p:nvPr/>
+        </p:nvSpPr>
+        <p:spPr>
+          <a:xfrm>
+            <a:off x="555946" y="3930214"/>
+            <a:ext cx="1614195" cy="369332"/>
+          </a:xfrm>
+          <a:prstGeom prst="rect">
+            <a:avLst/>
+          </a:prstGeom>
+          <a:noFill/>
+        </p:spPr>
+        <p:txBody>
+          <a:bodyPr wrap="square" rtlCol="0">
+            <a:spAutoFit/>
+          </a:bodyPr>
+          <a:lstStyle/>
+          <a:p>
+            <a:r>
+              <a:rPr lang="en-US" dirty="0" smtClean="0"/>
+              <a:t>Output</a:t>
+            </a:r>
+            <a:endParaRPr lang="en-US" dirty="0"/>
+          </a:p>
+        </p:txBody>
+      </p:sp>
+      <p:sp>
+        <p:nvSpPr>
+          <p:cNvPr id="17" name="TextBox 16"/>
+          <p:cNvSpPr txBox="1"/>
+          <p:nvPr/>
+        </p:nvSpPr>
+        <p:spPr>
+          <a:xfrm>
+            <a:off x="1937090" y="1940773"/>
+            <a:ext cx="668695" cy="216133"/>
+          </a:xfrm>
+          <a:prstGeom prst="rect">
+            <a:avLst/>
+          </a:prstGeom>
+          <a:noFill/>
+        </p:spPr>
+        <p:txBody>
+          <a:bodyPr wrap="square" rtlCol="0">
+            <a:spAutoFit/>
+          </a:bodyPr>
+          <a:lstStyle/>
+          <a:p>
+            <a:r>
+              <a:rPr lang="en-US" sz="800" dirty="0" smtClean="0"/>
+              <a:t>Jan/1/2022</a:t>
+            </a:r>
+            <a:endParaRPr lang="en-US" sz="800" dirty="0"/>
+          </a:p>
+        </p:txBody>
+      </p:sp>
+      <p:sp>
+        <p:nvSpPr>
+          <p:cNvPr id="19" name="TextBox 18"/>
+          <p:cNvSpPr txBox="1"/>
+          <p:nvPr/>
+        </p:nvSpPr>
+        <p:spPr>
+          <a:xfrm>
+            <a:off x="874999" y="2716362"/>
+            <a:ext cx="843911" cy="215444"/>
+          </a:xfrm>
+          <a:prstGeom prst="rect">
+            <a:avLst/>
+          </a:prstGeom>
+          <a:noFill/>
+        </p:spPr>
+        <p:txBody>
+          <a:bodyPr wrap="square" rtlCol="0">
+            <a:spAutoFit/>
+          </a:bodyPr>
+          <a:lstStyle/>
+          <a:p>
+            <a:r>
+              <a:rPr lang="en-US" sz="800" dirty="0" smtClean="0"/>
+              <a:t>Dec/15/2021</a:t>
+            </a:r>
+            <a:endParaRPr lang="en-US" sz="800" dirty="0"/>
+          </a:p>
+        </p:txBody>
+      </p:sp>
+      <p:sp>
+        <p:nvSpPr>
+          <p:cNvPr id="20" name="TextBox 19"/>
+          <p:cNvSpPr txBox="1"/>
+          <p:nvPr/>
+        </p:nvSpPr>
+        <p:spPr>
+          <a:xfrm>
+            <a:off x="4131140" y="2640898"/>
+            <a:ext cx="926050" cy="215444"/>
+          </a:xfrm>
+          <a:prstGeom prst="rect">
+            <a:avLst/>
+          </a:prstGeom>
+          <a:noFill/>
+        </p:spPr>
+        <p:txBody>
+          <a:bodyPr wrap="square" rtlCol="0">
+            <a:spAutoFit/>
+          </a:bodyPr>
+          <a:lstStyle/>
+          <a:p>
+            <a:r>
+              <a:rPr lang="en-US" sz="800" dirty="0" smtClean="0"/>
+              <a:t>Jan/30/2022</a:t>
+            </a:r>
+            <a:endParaRPr lang="en-US" sz="800" dirty="0"/>
+          </a:p>
+        </p:txBody>
+      </p:sp>
+      <p:sp>
+        <p:nvSpPr>
+          <p:cNvPr id="23" name="Rectangle 22"/>
+          <p:cNvSpPr/>
+          <p:nvPr/>
+        </p:nvSpPr>
+        <p:spPr>
+          <a:xfrm>
+            <a:off x="637082" y="4328984"/>
+            <a:ext cx="6941975" cy="1547346"/>
+          </a:xfrm>
+          <a:prstGeom prst="rect">
+            <a:avLst/>
+          </a:prstGeom>
+          <a:noFill/>
+          <a:ln>
+            <a:solidFill>
+              <a:schemeClr val="tx1"/>
+            </a:solidFill>
+          </a:ln>
+        </p:spPr>
+        <p:style>
+          <a:lnRef idx="2">
+            <a:schemeClr val="accent1">
+              <a:shade val="50000"/>
+            </a:schemeClr>
+          </a:lnRef>
+          <a:fillRef idx="1">
+            <a:schemeClr val="accent1"/>
+          </a:fillRef>
+          <a:effectRef idx="0">
+            <a:schemeClr val="accent1"/>
+          </a:effectRef>
+          <a:fontRef idx="minor">
+            <a:schemeClr val="lt1"/>
+          </a:fontRef>
+        </p:style>
+        <p:txBody>
+          <a:bodyPr rtlCol="0" anchor="ctr"/>
+          <a:lstStyle/>
+          <a:p>
+            <a:pPr algn="ctr"/>
+            <a:endParaRPr lang="en-US"/>
+          </a:p>
+        </p:txBody>
+      </p:sp>
+      <p:sp>
+        <p:nvSpPr>
+          <p:cNvPr id="27" name="TextBox 26"/>
+          <p:cNvSpPr txBox="1"/>
+          <p:nvPr/>
+        </p:nvSpPr>
+        <p:spPr>
+          <a:xfrm>
+            <a:off x="2783502" y="1924817"/>
+            <a:ext cx="874098" cy="215444"/>
+          </a:xfrm>
+          <a:prstGeom prst="rect">
+            <a:avLst/>
+          </a:prstGeom>
+          <a:noFill/>
+        </p:spPr>
+        <p:txBody>
+          <a:bodyPr wrap="square" rtlCol="0">
+            <a:spAutoFit/>
+          </a:bodyPr>
+          <a:lstStyle/>
+          <a:p>
+            <a:r>
+              <a:rPr lang="en-US" sz="800" dirty="0" smtClean="0"/>
+              <a:t>Jan/15/2022</a:t>
+            </a:r>
+            <a:endParaRPr lang="en-US" sz="800" dirty="0"/>
+          </a:p>
+        </p:txBody>
+      </p:sp>
       <p:cxnSp>
         <p:nvCxnSpPr>
-          <p:cNvPr id="12" name="Straight Arrow Connector 11"/>
+          <p:cNvPr id="28" name="Straight Arrow Connector 27"/>
           <p:cNvCxnSpPr/>
           <p:nvPr/>
         </p:nvCxnSpPr>
         <p:spPr>
           <a:xfrm>
-            <a:off x="1406893" y="3280482"/>
-            <a:ext cx="1928552" cy="8313"/>
+            <a:off x="2132300" y="5002219"/>
+            <a:ext cx="150218" cy="7334"/>
           </a:xfrm>
           <a:prstGeom prst="straightConnector1">
             <a:avLst/>
@@ -4758,14 +5838,74 @@
       </p:cxnSp>
       <p:sp>
         <p:nvSpPr>
-          <p:cNvPr id="13" name="TextBox 12"/>
-          <p:cNvSpPr txBox="1"/>
-          <p:nvPr/>
-        </p:nvSpPr>
-        <p:spPr>
-          <a:xfrm>
-            <a:off x="1160791" y="2890966"/>
-            <a:ext cx="1119674" cy="369332"/>
+          <p:cNvPr id="29" name="TextBox 28"/>
+          <p:cNvSpPr txBox="1"/>
+          <p:nvPr/>
+        </p:nvSpPr>
+        <p:spPr>
+          <a:xfrm>
+            <a:off x="1493949" y="5101310"/>
+            <a:ext cx="683690" cy="215444"/>
+          </a:xfrm>
+          <a:prstGeom prst="rect">
+            <a:avLst/>
+          </a:prstGeom>
+          <a:noFill/>
+        </p:spPr>
+        <p:txBody>
+          <a:bodyPr wrap="square" rtlCol="0">
+            <a:spAutoFit/>
+          </a:bodyPr>
+          <a:lstStyle/>
+          <a:p>
+            <a:r>
+              <a:rPr lang="en-US" sz="800" dirty="0" smtClean="0"/>
+              <a:t>Jan/1/2022</a:t>
+            </a:r>
+            <a:endParaRPr lang="en-US" sz="800" dirty="0"/>
+          </a:p>
+        </p:txBody>
+      </p:sp>
+      <p:sp>
+        <p:nvSpPr>
+          <p:cNvPr id="31" name="TextBox 30"/>
+          <p:cNvSpPr txBox="1"/>
+          <p:nvPr/>
+        </p:nvSpPr>
+        <p:spPr>
+          <a:xfrm>
+            <a:off x="2166505" y="5093651"/>
+            <a:ext cx="893700" cy="215444"/>
+          </a:xfrm>
+          <a:prstGeom prst="rect">
+            <a:avLst/>
+          </a:prstGeom>
+          <a:noFill/>
+        </p:spPr>
+        <p:txBody>
+          <a:bodyPr wrap="square" rtlCol="0">
+            <a:spAutoFit/>
+          </a:bodyPr>
+          <a:lstStyle/>
+          <a:p>
+            <a:r>
+              <a:rPr lang="en-US" sz="800" dirty="0" smtClean="0"/>
+              <a:t>Jan/5/2022</a:t>
+            </a:r>
+            <a:endParaRPr lang="en-US" sz="800" dirty="0"/>
+          </a:p>
+        </p:txBody>
+      </p:sp>
+      <p:sp>
+        <p:nvSpPr>
+          <p:cNvPr id="33" name="TextBox 32"/>
+          <p:cNvSpPr txBox="1"/>
+          <p:nvPr/>
+        </p:nvSpPr>
+        <p:spPr>
+          <a:xfrm>
+            <a:off x="2119745" y="4483609"/>
+            <a:ext cx="1144784" cy="369332"/>
           </a:xfrm>
           <a:prstGeom prst="rect">
             <a:avLst/>
@@ -4786,306 +5926,16 @@
           </a:p>
         </p:txBody>
       </p:sp>
-      <p:sp>
-        <p:nvSpPr>
-          <p:cNvPr id="15" name="TextBox 14"/>
-          <p:cNvSpPr txBox="1"/>
-          <p:nvPr/>
-        </p:nvSpPr>
-        <p:spPr>
-          <a:xfrm>
-            <a:off x="709127" y="46652"/>
-            <a:ext cx="1614195" cy="369332"/>
-          </a:xfrm>
-          <a:prstGeom prst="rect">
-            <a:avLst/>
-          </a:prstGeom>
-          <a:noFill/>
-        </p:spPr>
-        <p:txBody>
-          <a:bodyPr wrap="square" rtlCol="0">
-            <a:spAutoFit/>
-          </a:bodyPr>
-          <a:lstStyle/>
-          <a:p>
-            <a:r>
-              <a:rPr lang="en-US" dirty="0" smtClean="0"/>
-              <a:t>Input</a:t>
-            </a:r>
-            <a:endParaRPr lang="en-US" dirty="0"/>
-          </a:p>
-        </p:txBody>
-      </p:sp>
-      <p:sp>
-        <p:nvSpPr>
-          <p:cNvPr id="16" name="TextBox 15"/>
-          <p:cNvSpPr txBox="1"/>
-          <p:nvPr/>
-        </p:nvSpPr>
-        <p:spPr>
-          <a:xfrm>
-            <a:off x="555946" y="3930214"/>
-            <a:ext cx="1614195" cy="369332"/>
-          </a:xfrm>
-          <a:prstGeom prst="rect">
-            <a:avLst/>
-          </a:prstGeom>
-          <a:noFill/>
-        </p:spPr>
-        <p:txBody>
-          <a:bodyPr wrap="square" rtlCol="0">
-            <a:spAutoFit/>
-          </a:bodyPr>
-          <a:lstStyle/>
-          <a:p>
-            <a:r>
-              <a:rPr lang="en-US" dirty="0" smtClean="0"/>
-              <a:t>Output</a:t>
-            </a:r>
-            <a:endParaRPr lang="en-US" dirty="0"/>
-          </a:p>
-        </p:txBody>
-      </p:sp>
-      <p:sp>
-        <p:nvSpPr>
-          <p:cNvPr id="17" name="TextBox 16"/>
-          <p:cNvSpPr txBox="1"/>
-          <p:nvPr/>
-        </p:nvSpPr>
-        <p:spPr>
-          <a:xfrm>
-            <a:off x="814871" y="1940773"/>
-            <a:ext cx="668695" cy="216133"/>
-          </a:xfrm>
-          <a:prstGeom prst="rect">
-            <a:avLst/>
-          </a:prstGeom>
-          <a:noFill/>
-        </p:spPr>
-        <p:txBody>
-          <a:bodyPr wrap="square" rtlCol="0">
-            <a:spAutoFit/>
-          </a:bodyPr>
-          <a:lstStyle/>
-          <a:p>
-            <a:r>
-              <a:rPr lang="en-US" sz="800" dirty="0" smtClean="0"/>
-              <a:t>Jan/1/2022</a:t>
-            </a:r>
-            <a:endParaRPr lang="en-US" sz="800" dirty="0"/>
-          </a:p>
-        </p:txBody>
-      </p:sp>
-      <p:sp>
-        <p:nvSpPr>
-          <p:cNvPr id="18" name="TextBox 17"/>
-          <p:cNvSpPr txBox="1"/>
-          <p:nvPr/>
-        </p:nvSpPr>
-        <p:spPr>
-          <a:xfrm>
-            <a:off x="2816284" y="1946425"/>
-            <a:ext cx="887967" cy="215444"/>
-          </a:xfrm>
-          <a:prstGeom prst="rect">
-            <a:avLst/>
-          </a:prstGeom>
-          <a:noFill/>
-        </p:spPr>
-        <p:txBody>
-          <a:bodyPr wrap="square" rtlCol="0">
-            <a:spAutoFit/>
-          </a:bodyPr>
-          <a:lstStyle/>
-          <a:p>
-            <a:r>
-              <a:rPr lang="en-US" sz="800" dirty="0" smtClean="0"/>
-              <a:t>Mar/1/2022</a:t>
-            </a:r>
-            <a:endParaRPr lang="en-US" sz="800" dirty="0"/>
-          </a:p>
-        </p:txBody>
-      </p:sp>
-      <p:sp>
-        <p:nvSpPr>
-          <p:cNvPr id="19" name="TextBox 18"/>
-          <p:cNvSpPr txBox="1"/>
-          <p:nvPr/>
-        </p:nvSpPr>
-        <p:spPr>
-          <a:xfrm>
-            <a:off x="2235189" y="2676882"/>
-            <a:ext cx="843911" cy="215444"/>
-          </a:xfrm>
-          <a:prstGeom prst="rect">
-            <a:avLst/>
-          </a:prstGeom>
-          <a:noFill/>
-        </p:spPr>
-        <p:txBody>
-          <a:bodyPr wrap="square" rtlCol="0">
-            <a:spAutoFit/>
-          </a:bodyPr>
-          <a:lstStyle/>
-          <a:p>
-            <a:r>
-              <a:rPr lang="en-US" sz="800" dirty="0" smtClean="0"/>
-              <a:t>Feb/10/2022</a:t>
-            </a:r>
-            <a:endParaRPr lang="en-US" sz="800" dirty="0"/>
-          </a:p>
-        </p:txBody>
-      </p:sp>
-      <p:sp>
-        <p:nvSpPr>
-          <p:cNvPr id="20" name="TextBox 19"/>
-          <p:cNvSpPr txBox="1"/>
-          <p:nvPr/>
-        </p:nvSpPr>
-        <p:spPr>
-          <a:xfrm>
-            <a:off x="4131140" y="2640898"/>
-            <a:ext cx="926050" cy="215444"/>
-          </a:xfrm>
-          <a:prstGeom prst="rect">
-            <a:avLst/>
-          </a:prstGeom>
-          <a:noFill/>
-        </p:spPr>
-        <p:txBody>
-          <a:bodyPr wrap="square" rtlCol="0">
-            <a:spAutoFit/>
-          </a:bodyPr>
-          <a:lstStyle/>
-          <a:p>
-            <a:r>
-              <a:rPr lang="en-US" sz="800" dirty="0" smtClean="0"/>
-              <a:t>May/10/2022</a:t>
-            </a:r>
-            <a:endParaRPr lang="en-US" sz="800" dirty="0"/>
-          </a:p>
-        </p:txBody>
-      </p:sp>
-      <p:sp>
-        <p:nvSpPr>
-          <p:cNvPr id="21" name="TextBox 20"/>
-          <p:cNvSpPr txBox="1"/>
-          <p:nvPr/>
-        </p:nvSpPr>
-        <p:spPr>
-          <a:xfrm>
-            <a:off x="2280465" y="3318463"/>
-            <a:ext cx="926050" cy="215444"/>
-          </a:xfrm>
-          <a:prstGeom prst="rect">
-            <a:avLst/>
-          </a:prstGeom>
-          <a:noFill/>
-        </p:spPr>
-        <p:txBody>
-          <a:bodyPr wrap="square" rtlCol="0">
-            <a:spAutoFit/>
-          </a:bodyPr>
-          <a:lstStyle/>
-          <a:p>
-            <a:r>
-              <a:rPr lang="en-US" sz="800" dirty="0" smtClean="0"/>
-              <a:t>Mar/15/2022</a:t>
-            </a:r>
-            <a:endParaRPr lang="en-US" sz="800" dirty="0"/>
-          </a:p>
-        </p:txBody>
-      </p:sp>
-      <p:sp>
-        <p:nvSpPr>
-          <p:cNvPr id="22" name="TextBox 21"/>
-          <p:cNvSpPr txBox="1"/>
-          <p:nvPr/>
-        </p:nvSpPr>
-        <p:spPr>
-          <a:xfrm>
-            <a:off x="950850" y="3330050"/>
-            <a:ext cx="843911" cy="215444"/>
-          </a:xfrm>
-          <a:prstGeom prst="rect">
-            <a:avLst/>
-          </a:prstGeom>
-          <a:noFill/>
-        </p:spPr>
-        <p:txBody>
-          <a:bodyPr wrap="square" rtlCol="0">
-            <a:spAutoFit/>
-          </a:bodyPr>
-          <a:lstStyle/>
-          <a:p>
-            <a:r>
-              <a:rPr lang="en-US" sz="800" dirty="0" smtClean="0"/>
-              <a:t>Jan</a:t>
-            </a:r>
-            <a:r>
-              <a:rPr lang="en-US" sz="800" dirty="0" smtClean="0"/>
-              <a:t>/15/2022</a:t>
-            </a:r>
-            <a:endParaRPr lang="en-US" sz="800" dirty="0"/>
-          </a:p>
-        </p:txBody>
-      </p:sp>
-      <p:sp>
-        <p:nvSpPr>
-          <p:cNvPr id="23" name="Rectangle 22"/>
-          <p:cNvSpPr/>
-          <p:nvPr/>
-        </p:nvSpPr>
-        <p:spPr>
-          <a:xfrm>
-            <a:off x="637082" y="4328984"/>
-            <a:ext cx="6941975" cy="1547346"/>
-          </a:xfrm>
-          <a:prstGeom prst="rect">
-            <a:avLst/>
-          </a:prstGeom>
-          <a:noFill/>
-          <a:ln>
-            <a:solidFill>
-              <a:schemeClr val="tx1"/>
-            </a:solidFill>
-          </a:ln>
-        </p:spPr>
-        <p:style>
-          <a:lnRef idx="2">
-            <a:schemeClr val="accent1">
-              <a:shade val="50000"/>
-            </a:schemeClr>
-          </a:lnRef>
-          <a:fillRef idx="1">
-            <a:schemeClr val="accent1"/>
-          </a:fillRef>
-          <a:effectRef idx="0">
-            <a:schemeClr val="accent1"/>
-          </a:effectRef>
-          <a:fontRef idx="minor">
-            <a:schemeClr val="lt1"/>
-          </a:fontRef>
-        </p:style>
-        <p:txBody>
-          <a:bodyPr rtlCol="0" anchor="ctr"/>
-          <a:lstStyle/>
-          <a:p>
-            <a:pPr algn="ctr"/>
-            <a:endParaRPr lang="en-US"/>
-          </a:p>
-        </p:txBody>
-      </p:sp>
       <p:cxnSp>
         <p:nvCxnSpPr>
-          <p:cNvPr id="24" name="Straight Arrow Connector 23"/>
+          <p:cNvPr id="21" name="Straight Arrow Connector 20"/>
           <p:cNvCxnSpPr/>
           <p:nvPr/>
         </p:nvCxnSpPr>
         <p:spPr>
-          <a:xfrm>
-            <a:off x="2478097" y="5250163"/>
-            <a:ext cx="601003" cy="0"/>
+          <a:xfrm flipV="1">
+            <a:off x="2840231" y="2563542"/>
+            <a:ext cx="1713745" cy="22365"/>
           </a:xfrm>
           <a:prstGeom prst="straightConnector1">
             <a:avLst/>
@@ -5118,551 +5968,200 @@
       </p:cxnSp>
       <p:sp>
         <p:nvSpPr>
+          <p:cNvPr id="24" name="TextBox 23"/>
+          <p:cNvSpPr txBox="1"/>
+          <p:nvPr/>
+        </p:nvSpPr>
+        <p:spPr>
+          <a:xfrm>
+            <a:off x="1867056" y="2686537"/>
+            <a:ext cx="843911" cy="215444"/>
+          </a:xfrm>
+          <a:prstGeom prst="rect">
+            <a:avLst/>
+          </a:prstGeom>
+          <a:noFill/>
+        </p:spPr>
+        <p:txBody>
+          <a:bodyPr wrap="square" rtlCol="0">
+            <a:spAutoFit/>
+          </a:bodyPr>
+          <a:lstStyle/>
+          <a:p>
+            <a:r>
+              <a:rPr lang="en-US" sz="800" dirty="0" smtClean="0"/>
+              <a:t>Jan/5/2022</a:t>
+            </a:r>
+            <a:endParaRPr lang="en-US" sz="800" dirty="0"/>
+          </a:p>
+        </p:txBody>
+      </p:sp>
+      <p:sp>
+        <p:nvSpPr>
           <p:cNvPr id="25" name="TextBox 24"/>
           <p:cNvSpPr txBox="1"/>
           <p:nvPr/>
         </p:nvSpPr>
         <p:spPr>
           <a:xfrm>
-            <a:off x="2988395" y="4880831"/>
-            <a:ext cx="1119674" cy="369332"/>
-          </a:xfrm>
-          <a:prstGeom prst="rect">
-            <a:avLst/>
-          </a:prstGeom>
-          <a:noFill/>
-        </p:spPr>
-        <p:txBody>
-          <a:bodyPr wrap="square" rtlCol="0">
-            <a:spAutoFit/>
-          </a:bodyPr>
-          <a:lstStyle/>
-          <a:p>
-            <a:r>
-              <a:rPr lang="en-US" dirty="0" smtClean="0"/>
-              <a:t>Cohort 4</a:t>
-            </a:r>
+            <a:off x="2617306" y="2674603"/>
+            <a:ext cx="843911" cy="215444"/>
+          </a:xfrm>
+          <a:prstGeom prst="rect">
+            <a:avLst/>
+          </a:prstGeom>
+          <a:noFill/>
+        </p:spPr>
+        <p:txBody>
+          <a:bodyPr wrap="square" rtlCol="0">
+            <a:spAutoFit/>
+          </a:bodyPr>
+          <a:lstStyle/>
+          <a:p>
+            <a:r>
+              <a:rPr lang="en-US" sz="800" dirty="0" smtClean="0"/>
+              <a:t>Jan/10/2022</a:t>
+            </a:r>
+            <a:endParaRPr lang="en-US" sz="800" dirty="0"/>
+          </a:p>
+        </p:txBody>
+      </p:sp>
+      <p:sp>
+        <p:nvSpPr>
+          <p:cNvPr id="26" name="TextBox 25"/>
+          <p:cNvSpPr txBox="1"/>
+          <p:nvPr/>
+        </p:nvSpPr>
+        <p:spPr>
+          <a:xfrm>
+            <a:off x="2816816" y="1172179"/>
+            <a:ext cx="273365" cy="2327564"/>
+          </a:xfrm>
+          <a:prstGeom prst="rect">
+            <a:avLst/>
+          </a:prstGeom>
+          <a:noFill/>
+          <a:ln w="28575">
+            <a:solidFill>
+              <a:schemeClr val="accent1"/>
+            </a:solidFill>
+            <a:prstDash val="sysDot"/>
+          </a:ln>
+        </p:spPr>
+        <p:txBody>
+          <a:bodyPr wrap="square" rtlCol="0">
+            <a:spAutoFit/>
+          </a:bodyPr>
+          <a:lstStyle/>
+          <a:p>
             <a:endParaRPr lang="en-US" dirty="0"/>
           </a:p>
         </p:txBody>
       </p:sp>
-      <p:sp>
-        <p:nvSpPr>
-          <p:cNvPr id="30" name="TextBox 29"/>
-          <p:cNvSpPr txBox="1"/>
-          <p:nvPr/>
-        </p:nvSpPr>
-        <p:spPr>
-          <a:xfrm>
-            <a:off x="1669276" y="4387860"/>
-            <a:ext cx="5122506" cy="369332"/>
-          </a:xfrm>
-          <a:prstGeom prst="rect">
-            <a:avLst/>
-          </a:prstGeom>
-          <a:noFill/>
-        </p:spPr>
-        <p:txBody>
-          <a:bodyPr wrap="square" rtlCol="0">
-            <a:spAutoFit/>
-          </a:bodyPr>
-          <a:lstStyle/>
-          <a:p>
-            <a:r>
-              <a:rPr lang="en-US" dirty="0" smtClean="0"/>
-              <a:t>Output</a:t>
-            </a:r>
-            <a:endParaRPr lang="en-US" dirty="0"/>
-          </a:p>
-        </p:txBody>
-      </p:sp>
-      <p:sp>
-        <p:nvSpPr>
-          <p:cNvPr id="32" name="TextBox 31"/>
-          <p:cNvSpPr txBox="1"/>
-          <p:nvPr/>
-        </p:nvSpPr>
-        <p:spPr>
-          <a:xfrm>
-            <a:off x="1955110" y="5482485"/>
-            <a:ext cx="809077" cy="215444"/>
-          </a:xfrm>
-          <a:prstGeom prst="rect">
-            <a:avLst/>
-          </a:prstGeom>
-          <a:noFill/>
-        </p:spPr>
-        <p:txBody>
-          <a:bodyPr wrap="square" rtlCol="0">
-            <a:spAutoFit/>
-          </a:bodyPr>
-          <a:lstStyle/>
-          <a:p>
-            <a:r>
-              <a:rPr lang="en-US" sz="800" dirty="0" smtClean="0"/>
-              <a:t>Feb</a:t>
-            </a:r>
-            <a:r>
-              <a:rPr lang="en-US" sz="800" dirty="0" smtClean="0"/>
-              <a:t>/10/2022</a:t>
-            </a:r>
-            <a:endParaRPr lang="en-US" sz="800" dirty="0"/>
-          </a:p>
-        </p:txBody>
-      </p:sp>
-      <p:sp>
-        <p:nvSpPr>
-          <p:cNvPr id="45" name="TextBox 44"/>
-          <p:cNvSpPr txBox="1"/>
-          <p:nvPr/>
-        </p:nvSpPr>
-        <p:spPr>
-          <a:xfrm>
-            <a:off x="2743490" y="5482485"/>
-            <a:ext cx="926050" cy="215444"/>
-          </a:xfrm>
-          <a:prstGeom prst="rect">
-            <a:avLst/>
-          </a:prstGeom>
-          <a:noFill/>
-        </p:spPr>
-        <p:txBody>
-          <a:bodyPr wrap="square" rtlCol="0">
-            <a:spAutoFit/>
-          </a:bodyPr>
-          <a:lstStyle/>
-          <a:p>
-            <a:r>
-              <a:rPr lang="en-US" sz="800" dirty="0" smtClean="0"/>
-              <a:t>Mar/1/2022</a:t>
-            </a:r>
-            <a:endParaRPr lang="en-US" sz="800" dirty="0"/>
-          </a:p>
-        </p:txBody>
-      </p:sp>
-      <p:sp>
-        <p:nvSpPr>
-          <p:cNvPr id="28" name="TextBox 27"/>
-          <p:cNvSpPr txBox="1"/>
-          <p:nvPr/>
-        </p:nvSpPr>
-        <p:spPr>
-          <a:xfrm>
-            <a:off x="1063690" y="513184"/>
-            <a:ext cx="5122506" cy="369332"/>
-          </a:xfrm>
-          <a:prstGeom prst="rect">
-            <a:avLst/>
-          </a:prstGeom>
-          <a:noFill/>
-        </p:spPr>
-        <p:txBody>
-          <a:bodyPr wrap="square" rtlCol="0">
-            <a:spAutoFit/>
-          </a:bodyPr>
-          <a:lstStyle/>
-          <a:p>
-            <a:r>
-              <a:rPr lang="en-US" dirty="0" smtClean="0"/>
-              <a:t>Cohort </a:t>
-            </a:r>
-            <a:r>
-              <a:rPr lang="en-US" dirty="0" smtClean="0"/>
-              <a:t>Intersect:</a:t>
-            </a:r>
-            <a:endParaRPr lang="en-US" dirty="0"/>
-          </a:p>
-        </p:txBody>
-      </p:sp>
-      <p:sp>
-        <p:nvSpPr>
-          <p:cNvPr id="4" name="Rectangle 3"/>
-          <p:cNvSpPr/>
-          <p:nvPr/>
-        </p:nvSpPr>
-        <p:spPr>
-          <a:xfrm>
-            <a:off x="1010081" y="1354975"/>
-            <a:ext cx="396812" cy="2429359"/>
-          </a:xfrm>
-          <a:prstGeom prst="rect">
-            <a:avLst/>
-          </a:prstGeom>
-          <a:noFill/>
+      <p:cxnSp>
+        <p:nvCxnSpPr>
+          <p:cNvPr id="32" name="Straight Arrow Connector 31"/>
+          <p:cNvCxnSpPr/>
+          <p:nvPr/>
+        </p:nvCxnSpPr>
+        <p:spPr>
+          <a:xfrm>
+            <a:off x="2883215" y="4988360"/>
+            <a:ext cx="150218" cy="7334"/>
+          </a:xfrm>
+          <a:prstGeom prst="straightConnector1">
+            <a:avLst/>
+          </a:prstGeom>
+          <a:ln w="28575" cap="sq">
+            <a:solidFill>
+              <a:schemeClr val="tx1">
+                <a:alpha val="93000"/>
+              </a:schemeClr>
+            </a:solidFill>
+            <a:bevel/>
+            <a:headEnd type="diamond" w="lg" len="lg"/>
+            <a:tailEnd type="diamond" w="lg" len="lg"/>
+          </a:ln>
         </p:spPr>
         <p:style>
-          <a:lnRef idx="2">
-            <a:schemeClr val="accent1">
-              <a:shade val="50000"/>
-            </a:schemeClr>
+          <a:lnRef idx="1">
+            <a:schemeClr val="accent1"/>
           </a:lnRef>
-          <a:fillRef idx="1">
+          <a:fillRef idx="0">
             <a:schemeClr val="accent1"/>
           </a:fillRef>
           <a:effectRef idx="0">
             <a:schemeClr val="accent1"/>
           </a:effectRef>
           <a:fontRef idx="minor">
-            <a:schemeClr val="lt1"/>
+            <a:schemeClr val="tx1"/>
           </a:fontRef>
         </p:style>
-        <p:txBody>
-          <a:bodyPr rtlCol="0" anchor="ctr"/>
-          <a:lstStyle/>
-          <a:p>
-            <a:pPr algn="ctr"/>
-            <a:endParaRPr lang="en-US"/>
-          </a:p>
-        </p:txBody>
-      </p:sp>
-      <p:sp>
-        <p:nvSpPr>
-          <p:cNvPr id="33" name="Rectangle 32"/>
-          <p:cNvSpPr/>
-          <p:nvPr/>
-        </p:nvSpPr>
-        <p:spPr>
-          <a:xfrm>
-            <a:off x="1417258" y="1354974"/>
-            <a:ext cx="1060839" cy="2424815"/>
-          </a:xfrm>
-          <a:prstGeom prst="rect">
-            <a:avLst/>
-          </a:prstGeom>
-          <a:noFill/>
-        </p:spPr>
-        <p:style>
-          <a:lnRef idx="2">
-            <a:schemeClr val="accent1">
-              <a:shade val="50000"/>
-            </a:schemeClr>
-          </a:lnRef>
-          <a:fillRef idx="1">
-            <a:schemeClr val="accent1"/>
-          </a:fillRef>
-          <a:effectRef idx="0">
-            <a:schemeClr val="accent1"/>
-          </a:effectRef>
-          <a:fontRef idx="minor">
-            <a:schemeClr val="lt1"/>
-          </a:fontRef>
-        </p:style>
-        <p:txBody>
-          <a:bodyPr rtlCol="0" anchor="ctr"/>
-          <a:lstStyle/>
-          <a:p>
-            <a:pPr algn="ctr"/>
-            <a:endParaRPr lang="en-US"/>
-          </a:p>
-        </p:txBody>
-      </p:sp>
-      <p:sp>
-        <p:nvSpPr>
-          <p:cNvPr id="34" name="Rectangle 33"/>
-          <p:cNvSpPr/>
-          <p:nvPr/>
-        </p:nvSpPr>
-        <p:spPr>
-          <a:xfrm>
-            <a:off x="2467445" y="1366680"/>
-            <a:ext cx="481554" cy="2413109"/>
-          </a:xfrm>
-          <a:prstGeom prst="rect">
-            <a:avLst/>
-          </a:prstGeom>
-          <a:noFill/>
-        </p:spPr>
-        <p:style>
-          <a:lnRef idx="2">
-            <a:schemeClr val="accent1">
-              <a:shade val="50000"/>
-            </a:schemeClr>
-          </a:lnRef>
-          <a:fillRef idx="1">
-            <a:schemeClr val="accent1"/>
-          </a:fillRef>
-          <a:effectRef idx="0">
-            <a:schemeClr val="accent1"/>
-          </a:effectRef>
-          <a:fontRef idx="minor">
-            <a:schemeClr val="lt1"/>
-          </a:fontRef>
-        </p:style>
-        <p:txBody>
-          <a:bodyPr rtlCol="0" anchor="ctr"/>
-          <a:lstStyle/>
-          <a:p>
-            <a:pPr algn="ctr"/>
-            <a:endParaRPr lang="en-US"/>
-          </a:p>
-        </p:txBody>
-      </p:sp>
-      <p:sp>
-        <p:nvSpPr>
-          <p:cNvPr id="35" name="Rectangle 34"/>
-          <p:cNvSpPr/>
-          <p:nvPr/>
-        </p:nvSpPr>
-        <p:spPr>
-          <a:xfrm>
-            <a:off x="2942880" y="1359640"/>
-            <a:ext cx="402930" cy="2420150"/>
-          </a:xfrm>
-          <a:prstGeom prst="rect">
-            <a:avLst/>
-          </a:prstGeom>
-          <a:noFill/>
-        </p:spPr>
-        <p:style>
-          <a:lnRef idx="2">
-            <a:schemeClr val="accent1">
-              <a:shade val="50000"/>
-            </a:schemeClr>
-          </a:lnRef>
-          <a:fillRef idx="1">
-            <a:schemeClr val="accent1"/>
-          </a:fillRef>
-          <a:effectRef idx="0">
-            <a:schemeClr val="accent1"/>
-          </a:effectRef>
-          <a:fontRef idx="minor">
-            <a:schemeClr val="lt1"/>
-          </a:fontRef>
-        </p:style>
-        <p:txBody>
-          <a:bodyPr rtlCol="0" anchor="ctr"/>
-          <a:lstStyle/>
-          <a:p>
-            <a:pPr algn="ctr"/>
-            <a:endParaRPr lang="en-US"/>
-          </a:p>
-        </p:txBody>
-      </p:sp>
-      <p:sp>
-        <p:nvSpPr>
-          <p:cNvPr id="36" name="Rectangle 35"/>
-          <p:cNvSpPr/>
-          <p:nvPr/>
-        </p:nvSpPr>
-        <p:spPr>
-          <a:xfrm>
-            <a:off x="3335544" y="1366680"/>
-            <a:ext cx="1050087" cy="2417653"/>
-          </a:xfrm>
-          <a:prstGeom prst="rect">
-            <a:avLst/>
-          </a:prstGeom>
-          <a:noFill/>
-        </p:spPr>
-        <p:style>
-          <a:lnRef idx="2">
-            <a:schemeClr val="accent1">
-              <a:shade val="50000"/>
-            </a:schemeClr>
-          </a:lnRef>
-          <a:fillRef idx="1">
-            <a:schemeClr val="accent1"/>
-          </a:fillRef>
-          <a:effectRef idx="0">
-            <a:schemeClr val="accent1"/>
-          </a:effectRef>
-          <a:fontRef idx="minor">
-            <a:schemeClr val="lt1"/>
-          </a:fontRef>
-        </p:style>
-        <p:txBody>
-          <a:bodyPr rtlCol="0" anchor="ctr"/>
-          <a:lstStyle/>
-          <a:p>
-            <a:pPr algn="ctr"/>
-            <a:endParaRPr lang="en-US"/>
-          </a:p>
-        </p:txBody>
-      </p:sp>
-      <p:sp>
-        <p:nvSpPr>
-          <p:cNvPr id="6" name="TextBox 5"/>
-          <p:cNvSpPr txBox="1"/>
-          <p:nvPr/>
-        </p:nvSpPr>
-        <p:spPr>
-          <a:xfrm>
-            <a:off x="1074047" y="997348"/>
-            <a:ext cx="249721" cy="369332"/>
-          </a:xfrm>
-          <a:prstGeom prst="rect">
-            <a:avLst/>
-          </a:prstGeom>
-          <a:noFill/>
-        </p:spPr>
-        <p:txBody>
-          <a:bodyPr wrap="square" rtlCol="0">
-            <a:spAutoFit/>
-          </a:bodyPr>
-          <a:lstStyle/>
-          <a:p>
-            <a:r>
-              <a:rPr lang="en-US" dirty="0" smtClean="0"/>
-              <a:t>1</a:t>
-            </a:r>
-            <a:endParaRPr lang="en-US" dirty="0"/>
-          </a:p>
-        </p:txBody>
-      </p:sp>
-      <p:sp>
-        <p:nvSpPr>
-          <p:cNvPr id="37" name="TextBox 36"/>
-          <p:cNvSpPr txBox="1"/>
-          <p:nvPr/>
-        </p:nvSpPr>
-        <p:spPr>
-          <a:xfrm>
-            <a:off x="1728728" y="1000242"/>
-            <a:ext cx="249721" cy="369332"/>
-          </a:xfrm>
-          <a:prstGeom prst="rect">
-            <a:avLst/>
-          </a:prstGeom>
-          <a:noFill/>
-        </p:spPr>
-        <p:txBody>
-          <a:bodyPr wrap="square" rtlCol="0">
-            <a:spAutoFit/>
-          </a:bodyPr>
-          <a:lstStyle/>
-          <a:p>
-            <a:r>
-              <a:rPr lang="en-US" dirty="0" smtClean="0"/>
-              <a:t>2</a:t>
-            </a:r>
-            <a:endParaRPr lang="en-US" dirty="0"/>
-          </a:p>
-        </p:txBody>
-      </p:sp>
-      <p:sp>
-        <p:nvSpPr>
-          <p:cNvPr id="38" name="TextBox 37"/>
-          <p:cNvSpPr txBox="1"/>
-          <p:nvPr/>
-        </p:nvSpPr>
-        <p:spPr>
-          <a:xfrm>
-            <a:off x="2523103" y="982925"/>
-            <a:ext cx="249721" cy="369332"/>
-          </a:xfrm>
-          <a:prstGeom prst="rect">
-            <a:avLst/>
-          </a:prstGeom>
-          <a:noFill/>
-        </p:spPr>
-        <p:txBody>
-          <a:bodyPr wrap="square" rtlCol="0">
-            <a:spAutoFit/>
-          </a:bodyPr>
-          <a:lstStyle/>
-          <a:p>
-            <a:r>
-              <a:rPr lang="en-US" dirty="0" smtClean="0"/>
-              <a:t>3</a:t>
-            </a:r>
-            <a:endParaRPr lang="en-US" dirty="0"/>
-          </a:p>
-        </p:txBody>
-      </p:sp>
-      <p:sp>
-        <p:nvSpPr>
-          <p:cNvPr id="39" name="TextBox 38"/>
-          <p:cNvSpPr txBox="1"/>
-          <p:nvPr/>
-        </p:nvSpPr>
-        <p:spPr>
-          <a:xfrm>
-            <a:off x="2960886" y="981391"/>
-            <a:ext cx="249721" cy="369332"/>
-          </a:xfrm>
-          <a:prstGeom prst="rect">
-            <a:avLst/>
-          </a:prstGeom>
-          <a:noFill/>
-        </p:spPr>
-        <p:txBody>
-          <a:bodyPr wrap="square" rtlCol="0">
-            <a:spAutoFit/>
-          </a:bodyPr>
-          <a:lstStyle/>
-          <a:p>
-            <a:r>
-              <a:rPr lang="en-US" dirty="0" smtClean="0"/>
-              <a:t>2</a:t>
-            </a:r>
-            <a:endParaRPr lang="en-US" dirty="0"/>
-          </a:p>
-        </p:txBody>
-      </p:sp>
-      <p:sp>
-        <p:nvSpPr>
-          <p:cNvPr id="40" name="TextBox 39"/>
-          <p:cNvSpPr txBox="1"/>
-          <p:nvPr/>
-        </p:nvSpPr>
-        <p:spPr>
-          <a:xfrm>
-            <a:off x="3544679" y="982925"/>
-            <a:ext cx="249721" cy="369332"/>
-          </a:xfrm>
-          <a:prstGeom prst="rect">
-            <a:avLst/>
-          </a:prstGeom>
-          <a:noFill/>
-        </p:spPr>
-        <p:txBody>
-          <a:bodyPr wrap="square" rtlCol="0">
-            <a:spAutoFit/>
-          </a:bodyPr>
-          <a:lstStyle/>
-          <a:p>
-            <a:r>
-              <a:rPr lang="en-US" dirty="0" smtClean="0"/>
-              <a:t>1</a:t>
-            </a:r>
-            <a:endParaRPr lang="en-US" dirty="0"/>
-          </a:p>
-        </p:txBody>
-      </p:sp>
-      <p:sp>
-        <p:nvSpPr>
-          <p:cNvPr id="41" name="TextBox 40"/>
-          <p:cNvSpPr txBox="1"/>
-          <p:nvPr/>
-        </p:nvSpPr>
-        <p:spPr>
-          <a:xfrm>
-            <a:off x="2583361" y="4785367"/>
-            <a:ext cx="249721" cy="369332"/>
-          </a:xfrm>
-          <a:prstGeom prst="rect">
-            <a:avLst/>
-          </a:prstGeom>
-          <a:noFill/>
-        </p:spPr>
-        <p:txBody>
-          <a:bodyPr wrap="square" rtlCol="0">
-            <a:spAutoFit/>
-          </a:bodyPr>
-          <a:lstStyle/>
-          <a:p>
-            <a:r>
-              <a:rPr lang="en-US" dirty="0" smtClean="0"/>
-              <a:t>3</a:t>
-            </a:r>
-            <a:endParaRPr lang="en-US" dirty="0"/>
+      </p:cxnSp>
+      <p:sp>
+        <p:nvSpPr>
+          <p:cNvPr id="34" name="TextBox 33"/>
+          <p:cNvSpPr txBox="1"/>
+          <p:nvPr/>
+        </p:nvSpPr>
+        <p:spPr>
+          <a:xfrm>
+            <a:off x="2269807" y="5320502"/>
+            <a:ext cx="763625" cy="215444"/>
+          </a:xfrm>
+          <a:prstGeom prst="rect">
+            <a:avLst/>
+          </a:prstGeom>
+          <a:noFill/>
+        </p:spPr>
+        <p:txBody>
+          <a:bodyPr wrap="square" rtlCol="0">
+            <a:spAutoFit/>
+          </a:bodyPr>
+          <a:lstStyle/>
+          <a:p>
+            <a:r>
+              <a:rPr lang="en-US" sz="800" dirty="0" smtClean="0"/>
+              <a:t>Jan/10/2022</a:t>
+            </a:r>
+            <a:endParaRPr lang="en-US" sz="800" dirty="0"/>
+          </a:p>
+        </p:txBody>
+      </p:sp>
+      <p:sp>
+        <p:nvSpPr>
+          <p:cNvPr id="35" name="TextBox 34"/>
+          <p:cNvSpPr txBox="1"/>
+          <p:nvPr/>
+        </p:nvSpPr>
+        <p:spPr>
+          <a:xfrm>
+            <a:off x="2917420" y="5304235"/>
+            <a:ext cx="893700" cy="215444"/>
+          </a:xfrm>
+          <a:prstGeom prst="rect">
+            <a:avLst/>
+          </a:prstGeom>
+          <a:noFill/>
+        </p:spPr>
+        <p:txBody>
+          <a:bodyPr wrap="square" rtlCol="0">
+            <a:spAutoFit/>
+          </a:bodyPr>
+          <a:lstStyle/>
+          <a:p>
+            <a:r>
+              <a:rPr lang="en-US" sz="800" dirty="0" smtClean="0"/>
+              <a:t>Jan/15/2022</a:t>
+            </a:r>
+            <a:endParaRPr lang="en-US" sz="800" dirty="0"/>
           </a:p>
         </p:txBody>
       </p:sp>
     </p:spTree>
     <p:extLst>
       <p:ext uri="{BB962C8B-B14F-4D97-AF65-F5344CB8AC3E}">
-        <p14:creationId xmlns:p14="http://schemas.microsoft.com/office/powerpoint/2010/main" val="3343999880"/>
+        <p14:creationId xmlns:p14="http://schemas.microsoft.com/office/powerpoint/2010/main" val="1513521855"/>
       </p:ext>
     </p:extLst>
   </p:cSld>
@@ -5742,9 +6241,9 @@
           <p:nvPr/>
         </p:nvCxnSpPr>
         <p:spPr>
-          <a:xfrm>
-            <a:off x="1010081" y="1787575"/>
-            <a:ext cx="1928552" cy="8313"/>
+          <a:xfrm flipV="1">
+            <a:off x="2132300" y="1772856"/>
+            <a:ext cx="946800" cy="14719"/>
           </a:xfrm>
           <a:prstGeom prst="straightConnector1">
             <a:avLst/>
@@ -5783,7 +6282,7 @@
         </p:nvSpPr>
         <p:spPr>
           <a:xfrm>
-            <a:off x="1483566" y="1436913"/>
+            <a:off x="2111958" y="1395878"/>
             <a:ext cx="1119674" cy="369332"/>
           </a:xfrm>
           <a:prstGeom prst="rect">
@@ -5812,9 +6311,9 @@
           <p:nvPr/>
         </p:nvCxnSpPr>
         <p:spPr>
-          <a:xfrm>
-            <a:off x="2478097" y="2552694"/>
-            <a:ext cx="1928552" cy="8313"/>
+          <a:xfrm flipV="1">
+            <a:off x="1288473" y="2561008"/>
+            <a:ext cx="3118176" cy="4919"/>
           </a:xfrm>
           <a:prstGeom prst="straightConnector1">
             <a:avLst/>
@@ -5853,7 +6352,7 @@
         </p:nvSpPr>
         <p:spPr>
           <a:xfrm>
-            <a:off x="2951582" y="2202032"/>
+            <a:off x="2100877" y="2585907"/>
             <a:ext cx="1119674" cy="369332"/>
           </a:xfrm>
           <a:prstGeom prst="rect">
@@ -5877,6 +6376,44 @@
       </p:sp>
       <p:sp>
         <p:nvSpPr>
+          <p:cNvPr id="14" name="TextBox 13"/>
+          <p:cNvSpPr txBox="1"/>
+          <p:nvPr/>
+        </p:nvSpPr>
+        <p:spPr>
+          <a:xfrm>
+            <a:off x="1063689" y="513184"/>
+            <a:ext cx="6126820" cy="369332"/>
+          </a:xfrm>
+          <a:prstGeom prst="rect">
+            <a:avLst/>
+          </a:prstGeom>
+          <a:noFill/>
+        </p:spPr>
+        <p:txBody>
+          <a:bodyPr wrap="square" rtlCol="0">
+            <a:spAutoFit/>
+          </a:bodyPr>
+          <a:lstStyle/>
+          <a:p>
+            <a:r>
+              <a:rPr lang="en-US" dirty="0" smtClean="0"/>
+              <a:t>Cohort Intersect 3: Example of three cohorts </a:t>
+            </a:r>
+            <a:r>
+              <a:rPr lang="en-US" b="1" dirty="0" smtClean="0"/>
+              <a:t>without</a:t>
+            </a:r>
+            <a:r>
+              <a:rPr lang="en-US" dirty="0" smtClean="0"/>
+              <a:t> overlap</a:t>
+            </a:r>
+            <a:endParaRPr lang="en-US" dirty="0"/>
+          </a:p>
+        </p:txBody>
+      </p:sp>
+      <p:sp>
+        <p:nvSpPr>
           <p:cNvPr id="15" name="TextBox 14"/>
           <p:cNvSpPr txBox="1"/>
           <p:nvPr/>
@@ -5943,7 +6480,7 @@
         </p:nvSpPr>
         <p:spPr>
           <a:xfrm>
-            <a:off x="814871" y="1940773"/>
+            <a:off x="1937090" y="1940773"/>
             <a:ext cx="668695" cy="216133"/>
           </a:xfrm>
           <a:prstGeom prst="rect">
@@ -5967,14 +6504,14 @@
       </p:sp>
       <p:sp>
         <p:nvSpPr>
-          <p:cNvPr id="18" name="TextBox 17"/>
-          <p:cNvSpPr txBox="1"/>
-          <p:nvPr/>
-        </p:nvSpPr>
-        <p:spPr>
-          <a:xfrm>
-            <a:off x="2816284" y="1946425"/>
-            <a:ext cx="887967" cy="215444"/>
+          <p:cNvPr id="19" name="TextBox 18"/>
+          <p:cNvSpPr txBox="1"/>
+          <p:nvPr/>
+        </p:nvSpPr>
+        <p:spPr>
+          <a:xfrm>
+            <a:off x="874999" y="2716362"/>
+            <a:ext cx="843911" cy="215444"/>
           </a:xfrm>
           <a:prstGeom prst="rect">
             <a:avLst/>
@@ -5989,37 +6526,7 @@
           <a:p>
             <a:r>
               <a:rPr lang="en-US" sz="800" dirty="0" smtClean="0"/>
-              <a:t>Mar/1/2022</a:t>
-            </a:r>
-            <a:endParaRPr lang="en-US" sz="800" dirty="0"/>
-          </a:p>
-        </p:txBody>
-      </p:sp>
-      <p:sp>
-        <p:nvSpPr>
-          <p:cNvPr id="19" name="TextBox 18"/>
-          <p:cNvSpPr txBox="1"/>
-          <p:nvPr/>
-        </p:nvSpPr>
-        <p:spPr>
-          <a:xfrm>
-            <a:off x="2235189" y="2676882"/>
-            <a:ext cx="843911" cy="215444"/>
-          </a:xfrm>
-          <a:prstGeom prst="rect">
-            <a:avLst/>
-          </a:prstGeom>
-          <a:noFill/>
-        </p:spPr>
-        <p:txBody>
-          <a:bodyPr wrap="square" rtlCol="0">
-            <a:spAutoFit/>
-          </a:bodyPr>
-          <a:lstStyle/>
-          <a:p>
-            <a:r>
-              <a:rPr lang="en-US" sz="800" dirty="0" smtClean="0"/>
-              <a:t>Feb/10/2022</a:t>
+              <a:t>Dec/15/2021</a:t>
             </a:r>
             <a:endParaRPr lang="en-US" sz="800" dirty="0"/>
           </a:p>
@@ -6049,7 +6556,7 @@
           <a:p>
             <a:r>
               <a:rPr lang="en-US" sz="800" dirty="0" smtClean="0"/>
-              <a:t>May/10/2022</a:t>
+              <a:t>Jan/30/2022</a:t>
             </a:r>
             <a:endParaRPr lang="en-US" sz="800" dirty="0"/>
           </a:p>
@@ -6101,16 +6608,77 @@
           </a:p>
         </p:txBody>
       </p:sp>
+      <p:sp>
+        <p:nvSpPr>
+          <p:cNvPr id="27" name="TextBox 26"/>
+          <p:cNvSpPr txBox="1"/>
+          <p:nvPr/>
+        </p:nvSpPr>
+        <p:spPr>
+          <a:xfrm>
+            <a:off x="2783502" y="1924817"/>
+            <a:ext cx="874098" cy="215444"/>
+          </a:xfrm>
+          <a:prstGeom prst="rect">
+            <a:avLst/>
+          </a:prstGeom>
+          <a:noFill/>
+        </p:spPr>
+        <p:txBody>
+          <a:bodyPr wrap="square" rtlCol="0">
+            <a:spAutoFit/>
+          </a:bodyPr>
+          <a:lstStyle/>
+          <a:p>
+            <a:r>
+              <a:rPr lang="en-US" sz="800" dirty="0" smtClean="0"/>
+              <a:t>Jan/15/2022</a:t>
+            </a:r>
+            <a:endParaRPr lang="en-US" sz="800" dirty="0"/>
+          </a:p>
+        </p:txBody>
+      </p:sp>
+      <p:sp>
+        <p:nvSpPr>
+          <p:cNvPr id="33" name="TextBox 32"/>
+          <p:cNvSpPr txBox="1"/>
+          <p:nvPr/>
+        </p:nvSpPr>
+        <p:spPr>
+          <a:xfrm>
+            <a:off x="1718910" y="4816495"/>
+            <a:ext cx="4977298" cy="369332"/>
+          </a:xfrm>
+          <a:prstGeom prst="rect">
+            <a:avLst/>
+          </a:prstGeom>
+          <a:noFill/>
+        </p:spPr>
+        <p:txBody>
+          <a:bodyPr wrap="square" rtlCol="0">
+            <a:spAutoFit/>
+          </a:bodyPr>
+          <a:lstStyle/>
+          <a:p>
+            <a:pPr algn="ctr"/>
+            <a:r>
+              <a:rPr lang="en-US" dirty="0" smtClean="0"/>
+              <a:t>NULL Cohort – i.e. no cohort is created</a:t>
+            </a:r>
+            <a:endParaRPr lang="en-US" dirty="0"/>
+          </a:p>
+        </p:txBody>
+      </p:sp>
       <p:cxnSp>
         <p:nvCxnSpPr>
-          <p:cNvPr id="24" name="Straight Arrow Connector 23"/>
+          <p:cNvPr id="21" name="Straight Arrow Connector 20"/>
           <p:cNvCxnSpPr/>
           <p:nvPr/>
         </p:nvCxnSpPr>
         <p:spPr>
-          <a:xfrm>
-            <a:off x="1068273" y="5154699"/>
-            <a:ext cx="1399172" cy="0"/>
+          <a:xfrm flipV="1">
+            <a:off x="5587615" y="3249748"/>
+            <a:ext cx="946800" cy="14719"/>
           </a:xfrm>
           <a:prstGeom prst="straightConnector1">
             <a:avLst/>
@@ -6143,13 +6711,73 @@
       </p:cxnSp>
       <p:sp>
         <p:nvSpPr>
+          <p:cNvPr id="22" name="TextBox 21"/>
+          <p:cNvSpPr txBox="1"/>
+          <p:nvPr/>
+        </p:nvSpPr>
+        <p:spPr>
+          <a:xfrm>
+            <a:off x="5392405" y="3417665"/>
+            <a:ext cx="734075" cy="215444"/>
+          </a:xfrm>
+          <a:prstGeom prst="rect">
+            <a:avLst/>
+          </a:prstGeom>
+          <a:noFill/>
+        </p:spPr>
+        <p:txBody>
+          <a:bodyPr wrap="square" rtlCol="0">
+            <a:spAutoFit/>
+          </a:bodyPr>
+          <a:lstStyle/>
+          <a:p>
+            <a:r>
+              <a:rPr lang="en-US" sz="800" dirty="0" smtClean="0"/>
+              <a:t>Mar/1/2022</a:t>
+            </a:r>
+            <a:endParaRPr lang="en-US" sz="800" dirty="0"/>
+          </a:p>
+        </p:txBody>
+      </p:sp>
+      <p:sp>
+        <p:nvSpPr>
+          <p:cNvPr id="24" name="TextBox 23"/>
+          <p:cNvSpPr txBox="1"/>
+          <p:nvPr/>
+        </p:nvSpPr>
+        <p:spPr>
+          <a:xfrm>
+            <a:off x="6238817" y="3401709"/>
+            <a:ext cx="874098" cy="215444"/>
+          </a:xfrm>
+          <a:prstGeom prst="rect">
+            <a:avLst/>
+          </a:prstGeom>
+          <a:noFill/>
+        </p:spPr>
+        <p:txBody>
+          <a:bodyPr wrap="square" rtlCol="0">
+            <a:spAutoFit/>
+          </a:bodyPr>
+          <a:lstStyle/>
+          <a:p>
+            <a:r>
+              <a:rPr lang="en-US" sz="800" dirty="0" smtClean="0"/>
+              <a:t>Mar/15/2022</a:t>
+            </a:r>
+            <a:endParaRPr lang="en-US" sz="800" dirty="0"/>
+          </a:p>
+        </p:txBody>
+      </p:sp>
+      <p:sp>
+        <p:nvSpPr>
           <p:cNvPr id="25" name="TextBox 24"/>
           <p:cNvSpPr txBox="1"/>
           <p:nvPr/>
         </p:nvSpPr>
         <p:spPr>
           <a:xfrm>
-            <a:off x="1231622" y="5130994"/>
+            <a:off x="5576534" y="2832992"/>
             <a:ext cx="1119674" cy="369332"/>
           </a:xfrm>
           <a:prstGeom prst="rect">
@@ -6165,129 +6793,62 @@
           <a:p>
             <a:r>
               <a:rPr lang="en-US" dirty="0" smtClean="0"/>
-              <a:t>Cohort </a:t>
-            </a:r>
-            <a:r>
-              <a:rPr lang="en-US" dirty="0" smtClean="0"/>
-              <a:t>3</a:t>
+              <a:t>Cohort 3</a:t>
             </a:r>
             <a:endParaRPr lang="en-US" dirty="0"/>
           </a:p>
         </p:txBody>
       </p:sp>
-      <p:sp>
-        <p:nvSpPr>
-          <p:cNvPr id="32" name="TextBox 31"/>
-          <p:cNvSpPr txBox="1"/>
-          <p:nvPr/>
-        </p:nvSpPr>
-        <p:spPr>
-          <a:xfrm>
-            <a:off x="814871" y="5478570"/>
-            <a:ext cx="809077" cy="215444"/>
-          </a:xfrm>
-          <a:prstGeom prst="rect">
-            <a:avLst/>
-          </a:prstGeom>
-          <a:noFill/>
-        </p:spPr>
-        <p:txBody>
-          <a:bodyPr wrap="square" rtlCol="0">
-            <a:spAutoFit/>
-          </a:bodyPr>
-          <a:lstStyle/>
-          <a:p>
-            <a:r>
-              <a:rPr lang="en-US" sz="800" dirty="0" smtClean="0"/>
-              <a:t>Jan</a:t>
-            </a:r>
-            <a:r>
-              <a:rPr lang="en-US" sz="800" dirty="0" smtClean="0"/>
-              <a:t>/1/2022</a:t>
-            </a:r>
-            <a:endParaRPr lang="en-US" sz="800" dirty="0"/>
-          </a:p>
-        </p:txBody>
-      </p:sp>
-      <p:sp>
-        <p:nvSpPr>
-          <p:cNvPr id="45" name="TextBox 44"/>
-          <p:cNvSpPr txBox="1"/>
-          <p:nvPr/>
-        </p:nvSpPr>
-        <p:spPr>
-          <a:xfrm>
-            <a:off x="2170141" y="5475185"/>
-            <a:ext cx="926050" cy="215444"/>
-          </a:xfrm>
-          <a:prstGeom prst="rect">
-            <a:avLst/>
-          </a:prstGeom>
-          <a:noFill/>
-        </p:spPr>
-        <p:txBody>
-          <a:bodyPr wrap="square" rtlCol="0">
-            <a:spAutoFit/>
-          </a:bodyPr>
-          <a:lstStyle/>
-          <a:p>
-            <a:r>
-              <a:rPr lang="en-US" sz="800" dirty="0" smtClean="0"/>
-              <a:t>Feb/10/2022</a:t>
-            </a:r>
-            <a:endParaRPr lang="en-US" sz="800" dirty="0"/>
-          </a:p>
-        </p:txBody>
-      </p:sp>
-      <p:sp>
-        <p:nvSpPr>
-          <p:cNvPr id="28" name="TextBox 27"/>
-          <p:cNvSpPr txBox="1"/>
-          <p:nvPr/>
-        </p:nvSpPr>
-        <p:spPr>
-          <a:xfrm>
-            <a:off x="1063690" y="513184"/>
-            <a:ext cx="5122506" cy="369332"/>
-          </a:xfrm>
-          <a:prstGeom prst="rect">
-            <a:avLst/>
-          </a:prstGeom>
-          <a:noFill/>
-        </p:spPr>
-        <p:txBody>
-          <a:bodyPr wrap="square" rtlCol="0">
-            <a:spAutoFit/>
-          </a:bodyPr>
-          <a:lstStyle/>
-          <a:p>
-            <a:r>
-              <a:rPr lang="en-US" dirty="0" smtClean="0"/>
-              <a:t>Cohort </a:t>
-            </a:r>
-            <a:r>
-              <a:rPr lang="en-US" dirty="0" smtClean="0"/>
-              <a:t>Minus:</a:t>
-            </a:r>
-            <a:endParaRPr lang="en-US" dirty="0"/>
-          </a:p>
-        </p:txBody>
-      </p:sp>
-      <p:sp>
-        <p:nvSpPr>
-          <p:cNvPr id="33" name="Rectangle 32"/>
+    </p:spTree>
+    <p:extLst>
+      <p:ext uri="{BB962C8B-B14F-4D97-AF65-F5344CB8AC3E}">
+        <p14:creationId xmlns:p14="http://schemas.microsoft.com/office/powerpoint/2010/main" val="510027154"/>
+      </p:ext>
+    </p:extLst>
+  </p:cSld>
+  <p:clrMapOvr>
+    <a:masterClrMapping/>
+  </p:clrMapOvr>
+</p:sld>
+</file>
+
+<file path=ppt/slides/slide5.xml><?xml version="1.0" encoding="utf-8"?>
+<p:sld xmlns:a="http://schemas.openxmlformats.org/drawingml/2006/main" xmlns:r="http://schemas.openxmlformats.org/officeDocument/2006/relationships" xmlns:p="http://schemas.openxmlformats.org/presentationml/2006/main">
+  <p:cSld>
+    <p:spTree>
+      <p:nvGrpSpPr>
+        <p:cNvPr id="1" name=""/>
+        <p:cNvGrpSpPr/>
+        <p:nvPr/>
+      </p:nvGrpSpPr>
+      <p:grpSpPr>
+        <a:xfrm>
+          <a:off x="0" y="0"/>
+          <a:ext cx="0" cy="0"/>
+          <a:chOff x="0" y="0"/>
+          <a:chExt cx="0" cy="0"/>
+        </a:xfrm>
+      </p:grpSpPr>
+      <p:sp>
+        <p:nvSpPr>
+          <p:cNvPr id="8" name="Rectangle 7"/>
           <p:cNvSpPr/>
           <p:nvPr/>
         </p:nvSpPr>
         <p:spPr>
           <a:xfrm>
-            <a:off x="1005834" y="1354974"/>
-            <a:ext cx="1472263" cy="2424815"/>
-          </a:xfrm>
-          <a:prstGeom prst="rect">
-            <a:avLst/>
-          </a:prstGeom>
-          <a:noFill/>
+            <a:off x="637082" y="406653"/>
+            <a:ext cx="6941975" cy="3377681"/>
+          </a:xfrm>
+          <a:prstGeom prst="rect">
+            <a:avLst/>
+          </a:prstGeom>
+          <a:noFill/>
+          <a:ln>
+            <a:solidFill>
+              <a:schemeClr val="tx1"/>
+            </a:solidFill>
+          </a:ln>
         </p:spPr>
         <p:style>
           <a:lnRef idx="2">
@@ -6314,21 +6875,346 @@
           </a:p>
         </p:txBody>
       </p:sp>
-      <p:sp>
-        <p:nvSpPr>
-          <p:cNvPr id="34" name="Rectangle 33"/>
+      <p:cxnSp>
+        <p:nvCxnSpPr>
+          <p:cNvPr id="5" name="Straight Arrow Connector 4"/>
+          <p:cNvCxnSpPr/>
+          <p:nvPr/>
+        </p:nvCxnSpPr>
+        <p:spPr>
+          <a:xfrm flipV="1">
+            <a:off x="2132300" y="1772856"/>
+            <a:ext cx="946800" cy="14719"/>
+          </a:xfrm>
+          <a:prstGeom prst="straightConnector1">
+            <a:avLst/>
+          </a:prstGeom>
+          <a:ln w="28575" cap="sq">
+            <a:solidFill>
+              <a:schemeClr val="tx1">
+                <a:alpha val="93000"/>
+              </a:schemeClr>
+            </a:solidFill>
+            <a:bevel/>
+            <a:headEnd type="diamond" w="lg" len="lg"/>
+            <a:tailEnd type="diamond" w="lg" len="lg"/>
+          </a:ln>
+        </p:spPr>
+        <p:style>
+          <a:lnRef idx="1">
+            <a:schemeClr val="accent1"/>
+          </a:lnRef>
+          <a:fillRef idx="0">
+            <a:schemeClr val="accent1"/>
+          </a:fillRef>
+          <a:effectRef idx="0">
+            <a:schemeClr val="accent1"/>
+          </a:effectRef>
+          <a:fontRef idx="minor">
+            <a:schemeClr val="tx1"/>
+          </a:fontRef>
+        </p:style>
+      </p:cxnSp>
+      <p:sp>
+        <p:nvSpPr>
+          <p:cNvPr id="9" name="TextBox 8"/>
+          <p:cNvSpPr txBox="1"/>
+          <p:nvPr/>
+        </p:nvSpPr>
+        <p:spPr>
+          <a:xfrm>
+            <a:off x="2111958" y="1395878"/>
+            <a:ext cx="1119674" cy="369332"/>
+          </a:xfrm>
+          <a:prstGeom prst="rect">
+            <a:avLst/>
+          </a:prstGeom>
+          <a:noFill/>
+        </p:spPr>
+        <p:txBody>
+          <a:bodyPr wrap="square" rtlCol="0">
+            <a:spAutoFit/>
+          </a:bodyPr>
+          <a:lstStyle/>
+          <a:p>
+            <a:r>
+              <a:rPr lang="en-US" dirty="0" smtClean="0"/>
+              <a:t>Cohort 1</a:t>
+            </a:r>
+            <a:endParaRPr lang="en-US" dirty="0"/>
+          </a:p>
+        </p:txBody>
+      </p:sp>
+      <p:cxnSp>
+        <p:nvCxnSpPr>
+          <p:cNvPr id="10" name="Straight Arrow Connector 9"/>
+          <p:cNvCxnSpPr/>
+          <p:nvPr/>
+        </p:nvCxnSpPr>
+        <p:spPr>
+          <a:xfrm flipV="1">
+            <a:off x="1288473" y="2561008"/>
+            <a:ext cx="3118176" cy="4919"/>
+          </a:xfrm>
+          <a:prstGeom prst="straightConnector1">
+            <a:avLst/>
+          </a:prstGeom>
+          <a:ln w="28575" cap="sq">
+            <a:solidFill>
+              <a:schemeClr val="tx1">
+                <a:alpha val="93000"/>
+              </a:schemeClr>
+            </a:solidFill>
+            <a:bevel/>
+            <a:headEnd type="diamond" w="lg" len="lg"/>
+            <a:tailEnd type="diamond" w="lg" len="lg"/>
+          </a:ln>
+        </p:spPr>
+        <p:style>
+          <a:lnRef idx="1">
+            <a:schemeClr val="accent1"/>
+          </a:lnRef>
+          <a:fillRef idx="0">
+            <a:schemeClr val="accent1"/>
+          </a:fillRef>
+          <a:effectRef idx="0">
+            <a:schemeClr val="accent1"/>
+          </a:effectRef>
+          <a:fontRef idx="minor">
+            <a:schemeClr val="tx1"/>
+          </a:fontRef>
+        </p:style>
+      </p:cxnSp>
+      <p:sp>
+        <p:nvSpPr>
+          <p:cNvPr id="11" name="TextBox 10"/>
+          <p:cNvSpPr txBox="1"/>
+          <p:nvPr/>
+        </p:nvSpPr>
+        <p:spPr>
+          <a:xfrm>
+            <a:off x="2100877" y="2585907"/>
+            <a:ext cx="1119674" cy="369332"/>
+          </a:xfrm>
+          <a:prstGeom prst="rect">
+            <a:avLst/>
+          </a:prstGeom>
+          <a:noFill/>
+        </p:spPr>
+        <p:txBody>
+          <a:bodyPr wrap="square" rtlCol="0">
+            <a:spAutoFit/>
+          </a:bodyPr>
+          <a:lstStyle/>
+          <a:p>
+            <a:r>
+              <a:rPr lang="en-US" dirty="0" smtClean="0"/>
+              <a:t>Cohort 2</a:t>
+            </a:r>
+            <a:endParaRPr lang="en-US" dirty="0"/>
+          </a:p>
+        </p:txBody>
+      </p:sp>
+      <p:sp>
+        <p:nvSpPr>
+          <p:cNvPr id="14" name="TextBox 13"/>
+          <p:cNvSpPr txBox="1"/>
+          <p:nvPr/>
+        </p:nvSpPr>
+        <p:spPr>
+          <a:xfrm>
+            <a:off x="1063689" y="513184"/>
+            <a:ext cx="5993816" cy="369332"/>
+          </a:xfrm>
+          <a:prstGeom prst="rect">
+            <a:avLst/>
+          </a:prstGeom>
+          <a:noFill/>
+        </p:spPr>
+        <p:txBody>
+          <a:bodyPr wrap="square" rtlCol="0">
+            <a:spAutoFit/>
+          </a:bodyPr>
+          <a:lstStyle/>
+          <a:p>
+            <a:r>
+              <a:rPr lang="en-US" dirty="0" smtClean="0"/>
+              <a:t>Cohort Intersect 4: Example of three cohorts without overlap</a:t>
+            </a:r>
+            <a:endParaRPr lang="en-US" dirty="0"/>
+          </a:p>
+        </p:txBody>
+      </p:sp>
+      <p:sp>
+        <p:nvSpPr>
+          <p:cNvPr id="15" name="TextBox 14"/>
+          <p:cNvSpPr txBox="1"/>
+          <p:nvPr/>
+        </p:nvSpPr>
+        <p:spPr>
+          <a:xfrm>
+            <a:off x="709127" y="46652"/>
+            <a:ext cx="1614195" cy="369332"/>
+          </a:xfrm>
+          <a:prstGeom prst="rect">
+            <a:avLst/>
+          </a:prstGeom>
+          <a:noFill/>
+        </p:spPr>
+        <p:txBody>
+          <a:bodyPr wrap="square" rtlCol="0">
+            <a:spAutoFit/>
+          </a:bodyPr>
+          <a:lstStyle/>
+          <a:p>
+            <a:r>
+              <a:rPr lang="en-US" dirty="0" smtClean="0"/>
+              <a:t>Input</a:t>
+            </a:r>
+            <a:endParaRPr lang="en-US" dirty="0"/>
+          </a:p>
+        </p:txBody>
+      </p:sp>
+      <p:sp>
+        <p:nvSpPr>
+          <p:cNvPr id="16" name="TextBox 15"/>
+          <p:cNvSpPr txBox="1"/>
+          <p:nvPr/>
+        </p:nvSpPr>
+        <p:spPr>
+          <a:xfrm>
+            <a:off x="555946" y="3930214"/>
+            <a:ext cx="1614195" cy="369332"/>
+          </a:xfrm>
+          <a:prstGeom prst="rect">
+            <a:avLst/>
+          </a:prstGeom>
+          <a:noFill/>
+        </p:spPr>
+        <p:txBody>
+          <a:bodyPr wrap="square" rtlCol="0">
+            <a:spAutoFit/>
+          </a:bodyPr>
+          <a:lstStyle/>
+          <a:p>
+            <a:r>
+              <a:rPr lang="en-US" dirty="0" smtClean="0"/>
+              <a:t>Output</a:t>
+            </a:r>
+            <a:endParaRPr lang="en-US" dirty="0"/>
+          </a:p>
+        </p:txBody>
+      </p:sp>
+      <p:sp>
+        <p:nvSpPr>
+          <p:cNvPr id="17" name="TextBox 16"/>
+          <p:cNvSpPr txBox="1"/>
+          <p:nvPr/>
+        </p:nvSpPr>
+        <p:spPr>
+          <a:xfrm>
+            <a:off x="1937090" y="1940773"/>
+            <a:ext cx="668695" cy="216133"/>
+          </a:xfrm>
+          <a:prstGeom prst="rect">
+            <a:avLst/>
+          </a:prstGeom>
+          <a:noFill/>
+        </p:spPr>
+        <p:txBody>
+          <a:bodyPr wrap="square" rtlCol="0">
+            <a:spAutoFit/>
+          </a:bodyPr>
+          <a:lstStyle/>
+          <a:p>
+            <a:r>
+              <a:rPr lang="en-US" sz="800" dirty="0" smtClean="0"/>
+              <a:t>Jan/1/2022</a:t>
+            </a:r>
+            <a:endParaRPr lang="en-US" sz="800" dirty="0"/>
+          </a:p>
+        </p:txBody>
+      </p:sp>
+      <p:sp>
+        <p:nvSpPr>
+          <p:cNvPr id="19" name="TextBox 18"/>
+          <p:cNvSpPr txBox="1"/>
+          <p:nvPr/>
+        </p:nvSpPr>
+        <p:spPr>
+          <a:xfrm>
+            <a:off x="874999" y="2716362"/>
+            <a:ext cx="843911" cy="215444"/>
+          </a:xfrm>
+          <a:prstGeom prst="rect">
+            <a:avLst/>
+          </a:prstGeom>
+          <a:noFill/>
+        </p:spPr>
+        <p:txBody>
+          <a:bodyPr wrap="square" rtlCol="0">
+            <a:spAutoFit/>
+          </a:bodyPr>
+          <a:lstStyle/>
+          <a:p>
+            <a:r>
+              <a:rPr lang="en-US" sz="800" dirty="0" smtClean="0"/>
+              <a:t>Dec/15/2021</a:t>
+            </a:r>
+            <a:endParaRPr lang="en-US" sz="800" dirty="0"/>
+          </a:p>
+        </p:txBody>
+      </p:sp>
+      <p:sp>
+        <p:nvSpPr>
+          <p:cNvPr id="20" name="TextBox 19"/>
+          <p:cNvSpPr txBox="1"/>
+          <p:nvPr/>
+        </p:nvSpPr>
+        <p:spPr>
+          <a:xfrm>
+            <a:off x="4131140" y="2640898"/>
+            <a:ext cx="926050" cy="215444"/>
+          </a:xfrm>
+          <a:prstGeom prst="rect">
+            <a:avLst/>
+          </a:prstGeom>
+          <a:noFill/>
+        </p:spPr>
+        <p:txBody>
+          <a:bodyPr wrap="square" rtlCol="0">
+            <a:spAutoFit/>
+          </a:bodyPr>
+          <a:lstStyle/>
+          <a:p>
+            <a:r>
+              <a:rPr lang="en-US" sz="800" dirty="0" smtClean="0"/>
+              <a:t>Jan/30/2022</a:t>
+            </a:r>
+            <a:endParaRPr lang="en-US" sz="800" dirty="0"/>
+          </a:p>
+        </p:txBody>
+      </p:sp>
+      <p:sp>
+        <p:nvSpPr>
+          <p:cNvPr id="23" name="Rectangle 22"/>
           <p:cNvSpPr/>
           <p:nvPr/>
         </p:nvSpPr>
         <p:spPr>
           <a:xfrm>
-            <a:off x="2467445" y="1352258"/>
-            <a:ext cx="481554" cy="2427532"/>
-          </a:xfrm>
-          <a:prstGeom prst="rect">
-            <a:avLst/>
-          </a:prstGeom>
-          <a:noFill/>
+            <a:off x="637082" y="4328984"/>
+            <a:ext cx="6941975" cy="1547346"/>
+          </a:xfrm>
+          <a:prstGeom prst="rect">
+            <a:avLst/>
+          </a:prstGeom>
+          <a:noFill/>
+          <a:ln>
+            <a:solidFill>
+              <a:schemeClr val="tx1"/>
+            </a:solidFill>
+          </a:ln>
         </p:spPr>
         <p:style>
           <a:lnRef idx="2">
@@ -6357,21 +7243,144 @@
       </p:sp>
       <p:sp>
         <p:nvSpPr>
-          <p:cNvPr id="36" name="Rectangle 35"/>
+          <p:cNvPr id="27" name="TextBox 26"/>
+          <p:cNvSpPr txBox="1"/>
+          <p:nvPr/>
+        </p:nvSpPr>
+        <p:spPr>
+          <a:xfrm>
+            <a:off x="2783502" y="1924817"/>
+            <a:ext cx="874098" cy="215444"/>
+          </a:xfrm>
+          <a:prstGeom prst="rect">
+            <a:avLst/>
+          </a:prstGeom>
+          <a:noFill/>
+        </p:spPr>
+        <p:txBody>
+          <a:bodyPr wrap="square" rtlCol="0">
+            <a:spAutoFit/>
+          </a:bodyPr>
+          <a:lstStyle/>
+          <a:p>
+            <a:r>
+              <a:rPr lang="en-US" sz="800" dirty="0" smtClean="0"/>
+              <a:t>Jan/15/2022</a:t>
+            </a:r>
+            <a:endParaRPr lang="en-US" sz="800" dirty="0"/>
+          </a:p>
+        </p:txBody>
+      </p:sp>
+      <p:sp>
+        <p:nvSpPr>
+          <p:cNvPr id="25" name="TextBox 24"/>
+          <p:cNvSpPr txBox="1"/>
+          <p:nvPr/>
+        </p:nvSpPr>
+        <p:spPr>
+          <a:xfrm>
+            <a:off x="5057191" y="2832992"/>
+            <a:ext cx="2133318" cy="369332"/>
+          </a:xfrm>
+          <a:prstGeom prst="rect">
+            <a:avLst/>
+          </a:prstGeom>
+          <a:noFill/>
+        </p:spPr>
+        <p:txBody>
+          <a:bodyPr wrap="square" rtlCol="0">
+            <a:spAutoFit/>
+          </a:bodyPr>
+          <a:lstStyle/>
+          <a:p>
+            <a:r>
+              <a:rPr lang="en-US" dirty="0" smtClean="0"/>
+              <a:t>Cohort 3 = NULL</a:t>
+            </a:r>
+            <a:endParaRPr lang="en-US" dirty="0"/>
+          </a:p>
+        </p:txBody>
+      </p:sp>
+      <p:sp>
+        <p:nvSpPr>
+          <p:cNvPr id="26" name="TextBox 25"/>
+          <p:cNvSpPr txBox="1"/>
+          <p:nvPr/>
+        </p:nvSpPr>
+        <p:spPr>
+          <a:xfrm>
+            <a:off x="1718910" y="4816495"/>
+            <a:ext cx="4977298" cy="369332"/>
+          </a:xfrm>
+          <a:prstGeom prst="rect">
+            <a:avLst/>
+          </a:prstGeom>
+          <a:noFill/>
+        </p:spPr>
+        <p:txBody>
+          <a:bodyPr wrap="square" rtlCol="0">
+            <a:spAutoFit/>
+          </a:bodyPr>
+          <a:lstStyle/>
+          <a:p>
+            <a:pPr algn="ctr"/>
+            <a:r>
+              <a:rPr lang="en-US" dirty="0" smtClean="0"/>
+              <a:t>NULL Cohort – i.e. no cohort is created</a:t>
+            </a:r>
+            <a:endParaRPr lang="en-US" dirty="0"/>
+          </a:p>
+        </p:txBody>
+      </p:sp>
+    </p:spTree>
+    <p:extLst>
+      <p:ext uri="{BB962C8B-B14F-4D97-AF65-F5344CB8AC3E}">
+        <p14:creationId xmlns:p14="http://schemas.microsoft.com/office/powerpoint/2010/main" val="665410435"/>
+      </p:ext>
+    </p:extLst>
+  </p:cSld>
+  <p:clrMapOvr>
+    <a:masterClrMapping/>
+  </p:clrMapOvr>
+</p:sld>
+</file>
+
+<file path=ppt/slides/slide6.xml><?xml version="1.0" encoding="utf-8"?>
+<p:sld xmlns:a="http://schemas.openxmlformats.org/drawingml/2006/main" xmlns:r="http://schemas.openxmlformats.org/officeDocument/2006/relationships" xmlns:p="http://schemas.openxmlformats.org/presentationml/2006/main">
+  <p:cSld>
+    <p:spTree>
+      <p:nvGrpSpPr>
+        <p:cNvPr id="1" name=""/>
+        <p:cNvGrpSpPr/>
+        <p:nvPr/>
+      </p:nvGrpSpPr>
+      <p:grpSpPr>
+        <a:xfrm>
+          <a:off x="0" y="0"/>
+          <a:ext cx="0" cy="0"/>
+          <a:chOff x="0" y="0"/>
+          <a:chExt cx="0" cy="0"/>
+        </a:xfrm>
+      </p:grpSpPr>
+      <p:sp>
+        <p:nvSpPr>
+          <p:cNvPr id="8" name="Rectangle 7"/>
           <p:cNvSpPr/>
           <p:nvPr/>
         </p:nvSpPr>
         <p:spPr>
           <a:xfrm>
-            <a:off x="2938634" y="1354974"/>
-            <a:ext cx="1446998" cy="2429359"/>
+            <a:off x="637082" y="406653"/>
+            <a:ext cx="6941975" cy="3377681"/>
           </a:xfrm>
           <a:prstGeom prst="rect">
             <a:avLst/>
           </a:prstGeom>
           <a:noFill/>
           <a:ln>
-            <a:prstDash val="sysDot"/>
+            <a:solidFill>
+              <a:schemeClr val="tx1"/>
+            </a:solidFill>
           </a:ln>
         </p:spPr>
         <p:style>
@@ -6399,6 +7408,502 @@
           </a:p>
         </p:txBody>
       </p:sp>
+      <p:cxnSp>
+        <p:nvCxnSpPr>
+          <p:cNvPr id="5" name="Straight Arrow Connector 4"/>
+          <p:cNvCxnSpPr/>
+          <p:nvPr/>
+        </p:nvCxnSpPr>
+        <p:spPr>
+          <a:xfrm>
+            <a:off x="2132300" y="1787575"/>
+            <a:ext cx="18615" cy="4782"/>
+          </a:xfrm>
+          <a:prstGeom prst="straightConnector1">
+            <a:avLst/>
+          </a:prstGeom>
+          <a:ln w="28575" cap="sq">
+            <a:solidFill>
+              <a:schemeClr val="tx1">
+                <a:alpha val="93000"/>
+              </a:schemeClr>
+            </a:solidFill>
+            <a:bevel/>
+            <a:headEnd type="diamond" w="lg" len="lg"/>
+            <a:tailEnd type="diamond" w="lg" len="lg"/>
+          </a:ln>
+        </p:spPr>
+        <p:style>
+          <a:lnRef idx="1">
+            <a:schemeClr val="accent1"/>
+          </a:lnRef>
+          <a:fillRef idx="0">
+            <a:schemeClr val="accent1"/>
+          </a:fillRef>
+          <a:effectRef idx="0">
+            <a:schemeClr val="accent1"/>
+          </a:effectRef>
+          <a:fontRef idx="minor">
+            <a:schemeClr val="tx1"/>
+          </a:fontRef>
+        </p:style>
+      </p:cxnSp>
+      <p:sp>
+        <p:nvSpPr>
+          <p:cNvPr id="9" name="TextBox 8"/>
+          <p:cNvSpPr txBox="1"/>
+          <p:nvPr/>
+        </p:nvSpPr>
+        <p:spPr>
+          <a:xfrm>
+            <a:off x="1491665" y="1403524"/>
+            <a:ext cx="1119674" cy="369332"/>
+          </a:xfrm>
+          <a:prstGeom prst="rect">
+            <a:avLst/>
+          </a:prstGeom>
+          <a:noFill/>
+        </p:spPr>
+        <p:txBody>
+          <a:bodyPr wrap="square" rtlCol="0">
+            <a:spAutoFit/>
+          </a:bodyPr>
+          <a:lstStyle/>
+          <a:p>
+            <a:r>
+              <a:rPr lang="en-US" dirty="0" smtClean="0"/>
+              <a:t>Cohort 1</a:t>
+            </a:r>
+            <a:endParaRPr lang="en-US" dirty="0"/>
+          </a:p>
+        </p:txBody>
+      </p:sp>
+      <p:cxnSp>
+        <p:nvCxnSpPr>
+          <p:cNvPr id="10" name="Straight Arrow Connector 9"/>
+          <p:cNvCxnSpPr/>
+          <p:nvPr/>
+        </p:nvCxnSpPr>
+        <p:spPr>
+          <a:xfrm flipV="1">
+            <a:off x="2168319" y="2561007"/>
+            <a:ext cx="2238330" cy="1527"/>
+          </a:xfrm>
+          <a:prstGeom prst="straightConnector1">
+            <a:avLst/>
+          </a:prstGeom>
+          <a:ln w="28575" cap="sq">
+            <a:solidFill>
+              <a:schemeClr val="tx1">
+                <a:alpha val="93000"/>
+              </a:schemeClr>
+            </a:solidFill>
+            <a:bevel/>
+            <a:headEnd type="diamond" w="lg" len="lg"/>
+            <a:tailEnd type="diamond" w="lg" len="lg"/>
+          </a:ln>
+        </p:spPr>
+        <p:style>
+          <a:lnRef idx="1">
+            <a:schemeClr val="accent1"/>
+          </a:lnRef>
+          <a:fillRef idx="0">
+            <a:schemeClr val="accent1"/>
+          </a:fillRef>
+          <a:effectRef idx="0">
+            <a:schemeClr val="accent1"/>
+          </a:effectRef>
+          <a:fontRef idx="minor">
+            <a:schemeClr val="tx1"/>
+          </a:fontRef>
+        </p:style>
+      </p:cxnSp>
+      <p:sp>
+        <p:nvSpPr>
+          <p:cNvPr id="11" name="TextBox 10"/>
+          <p:cNvSpPr txBox="1"/>
+          <p:nvPr/>
+        </p:nvSpPr>
+        <p:spPr>
+          <a:xfrm>
+            <a:off x="2951582" y="2202032"/>
+            <a:ext cx="1119674" cy="369332"/>
+          </a:xfrm>
+          <a:prstGeom prst="rect">
+            <a:avLst/>
+          </a:prstGeom>
+          <a:noFill/>
+        </p:spPr>
+        <p:txBody>
+          <a:bodyPr wrap="square" rtlCol="0">
+            <a:spAutoFit/>
+          </a:bodyPr>
+          <a:lstStyle/>
+          <a:p>
+            <a:r>
+              <a:rPr lang="en-US" dirty="0" smtClean="0"/>
+              <a:t>Cohort 2</a:t>
+            </a:r>
+            <a:endParaRPr lang="en-US" dirty="0"/>
+          </a:p>
+        </p:txBody>
+      </p:sp>
+      <p:sp>
+        <p:nvSpPr>
+          <p:cNvPr id="14" name="TextBox 13"/>
+          <p:cNvSpPr txBox="1"/>
+          <p:nvPr/>
+        </p:nvSpPr>
+        <p:spPr>
+          <a:xfrm>
+            <a:off x="1063690" y="513184"/>
+            <a:ext cx="5728092" cy="369332"/>
+          </a:xfrm>
+          <a:prstGeom prst="rect">
+            <a:avLst/>
+          </a:prstGeom>
+          <a:noFill/>
+        </p:spPr>
+        <p:txBody>
+          <a:bodyPr wrap="square" rtlCol="0">
+            <a:spAutoFit/>
+          </a:bodyPr>
+          <a:lstStyle/>
+          <a:p>
+            <a:r>
+              <a:rPr lang="en-US" dirty="0" smtClean="0"/>
+              <a:t>Cohort Intersect 5: 1 day cohort intersected with cohort 2 </a:t>
+            </a:r>
+            <a:endParaRPr lang="en-US" dirty="0"/>
+          </a:p>
+        </p:txBody>
+      </p:sp>
+      <p:sp>
+        <p:nvSpPr>
+          <p:cNvPr id="15" name="TextBox 14"/>
+          <p:cNvSpPr txBox="1"/>
+          <p:nvPr/>
+        </p:nvSpPr>
+        <p:spPr>
+          <a:xfrm>
+            <a:off x="709127" y="46652"/>
+            <a:ext cx="1614195" cy="369332"/>
+          </a:xfrm>
+          <a:prstGeom prst="rect">
+            <a:avLst/>
+          </a:prstGeom>
+          <a:noFill/>
+        </p:spPr>
+        <p:txBody>
+          <a:bodyPr wrap="square" rtlCol="0">
+            <a:spAutoFit/>
+          </a:bodyPr>
+          <a:lstStyle/>
+          <a:p>
+            <a:r>
+              <a:rPr lang="en-US" dirty="0" smtClean="0"/>
+              <a:t>Input</a:t>
+            </a:r>
+            <a:endParaRPr lang="en-US" dirty="0"/>
+          </a:p>
+        </p:txBody>
+      </p:sp>
+      <p:sp>
+        <p:nvSpPr>
+          <p:cNvPr id="16" name="TextBox 15"/>
+          <p:cNvSpPr txBox="1"/>
+          <p:nvPr/>
+        </p:nvSpPr>
+        <p:spPr>
+          <a:xfrm>
+            <a:off x="555946" y="3930214"/>
+            <a:ext cx="1614195" cy="369332"/>
+          </a:xfrm>
+          <a:prstGeom prst="rect">
+            <a:avLst/>
+          </a:prstGeom>
+          <a:noFill/>
+        </p:spPr>
+        <p:txBody>
+          <a:bodyPr wrap="square" rtlCol="0">
+            <a:spAutoFit/>
+          </a:bodyPr>
+          <a:lstStyle/>
+          <a:p>
+            <a:r>
+              <a:rPr lang="en-US" dirty="0" smtClean="0"/>
+              <a:t>Output</a:t>
+            </a:r>
+            <a:endParaRPr lang="en-US" dirty="0"/>
+          </a:p>
+        </p:txBody>
+      </p:sp>
+      <p:sp>
+        <p:nvSpPr>
+          <p:cNvPr id="17" name="TextBox 16"/>
+          <p:cNvSpPr txBox="1"/>
+          <p:nvPr/>
+        </p:nvSpPr>
+        <p:spPr>
+          <a:xfrm>
+            <a:off x="1937090" y="1940773"/>
+            <a:ext cx="668695" cy="216133"/>
+          </a:xfrm>
+          <a:prstGeom prst="rect">
+            <a:avLst/>
+          </a:prstGeom>
+          <a:noFill/>
+        </p:spPr>
+        <p:txBody>
+          <a:bodyPr wrap="square" rtlCol="0">
+            <a:spAutoFit/>
+          </a:bodyPr>
+          <a:lstStyle/>
+          <a:p>
+            <a:r>
+              <a:rPr lang="en-US" sz="800" dirty="0" smtClean="0"/>
+              <a:t>Jan/1/2022</a:t>
+            </a:r>
+            <a:endParaRPr lang="en-US" sz="800" dirty="0"/>
+          </a:p>
+        </p:txBody>
+      </p:sp>
+      <p:sp>
+        <p:nvSpPr>
+          <p:cNvPr id="19" name="TextBox 18"/>
+          <p:cNvSpPr txBox="1"/>
+          <p:nvPr/>
+        </p:nvSpPr>
+        <p:spPr>
+          <a:xfrm>
+            <a:off x="2235189" y="2676882"/>
+            <a:ext cx="843911" cy="215444"/>
+          </a:xfrm>
+          <a:prstGeom prst="rect">
+            <a:avLst/>
+          </a:prstGeom>
+          <a:noFill/>
+        </p:spPr>
+        <p:txBody>
+          <a:bodyPr wrap="square" rtlCol="0">
+            <a:spAutoFit/>
+          </a:bodyPr>
+          <a:lstStyle/>
+          <a:p>
+            <a:r>
+              <a:rPr lang="en-US" sz="800" dirty="0" smtClean="0"/>
+              <a:t>Jan/1/2022</a:t>
+            </a:r>
+            <a:endParaRPr lang="en-US" sz="800" dirty="0"/>
+          </a:p>
+        </p:txBody>
+      </p:sp>
+      <p:sp>
+        <p:nvSpPr>
+          <p:cNvPr id="20" name="TextBox 19"/>
+          <p:cNvSpPr txBox="1"/>
+          <p:nvPr/>
+        </p:nvSpPr>
+        <p:spPr>
+          <a:xfrm>
+            <a:off x="4131140" y="2640898"/>
+            <a:ext cx="926050" cy="215444"/>
+          </a:xfrm>
+          <a:prstGeom prst="rect">
+            <a:avLst/>
+          </a:prstGeom>
+          <a:noFill/>
+        </p:spPr>
+        <p:txBody>
+          <a:bodyPr wrap="square" rtlCol="0">
+            <a:spAutoFit/>
+          </a:bodyPr>
+          <a:lstStyle/>
+          <a:p>
+            <a:r>
+              <a:rPr lang="en-US" sz="800" dirty="0" smtClean="0"/>
+              <a:t>Jan/2/2022</a:t>
+            </a:r>
+            <a:endParaRPr lang="en-US" sz="800" dirty="0"/>
+          </a:p>
+        </p:txBody>
+      </p:sp>
+      <p:sp>
+        <p:nvSpPr>
+          <p:cNvPr id="23" name="Rectangle 22"/>
+          <p:cNvSpPr/>
+          <p:nvPr/>
+        </p:nvSpPr>
+        <p:spPr>
+          <a:xfrm>
+            <a:off x="637082" y="4328984"/>
+            <a:ext cx="6941975" cy="1547346"/>
+          </a:xfrm>
+          <a:prstGeom prst="rect">
+            <a:avLst/>
+          </a:prstGeom>
+          <a:noFill/>
+          <a:ln>
+            <a:solidFill>
+              <a:schemeClr val="tx1"/>
+            </a:solidFill>
+          </a:ln>
+        </p:spPr>
+        <p:style>
+          <a:lnRef idx="2">
+            <a:schemeClr val="accent1">
+              <a:shade val="50000"/>
+            </a:schemeClr>
+          </a:lnRef>
+          <a:fillRef idx="1">
+            <a:schemeClr val="accent1"/>
+          </a:fillRef>
+          <a:effectRef idx="0">
+            <a:schemeClr val="accent1"/>
+          </a:effectRef>
+          <a:fontRef idx="minor">
+            <a:schemeClr val="lt1"/>
+          </a:fontRef>
+        </p:style>
+        <p:txBody>
+          <a:bodyPr rtlCol="0" anchor="ctr"/>
+          <a:lstStyle/>
+          <a:p>
+            <a:pPr algn="ctr"/>
+            <a:endParaRPr lang="en-US"/>
+          </a:p>
+        </p:txBody>
+      </p:sp>
+      <p:cxnSp>
+        <p:nvCxnSpPr>
+          <p:cNvPr id="24" name="Straight Arrow Connector 23"/>
+          <p:cNvCxnSpPr/>
+          <p:nvPr/>
+        </p:nvCxnSpPr>
+        <p:spPr>
+          <a:xfrm flipV="1">
+            <a:off x="2146720" y="5279601"/>
+            <a:ext cx="22903" cy="22241"/>
+          </a:xfrm>
+          <a:prstGeom prst="straightConnector1">
+            <a:avLst/>
+          </a:prstGeom>
+          <a:ln w="28575" cap="sq">
+            <a:solidFill>
+              <a:schemeClr val="tx1">
+                <a:alpha val="93000"/>
+              </a:schemeClr>
+            </a:solidFill>
+            <a:bevel/>
+            <a:headEnd type="diamond" w="lg" len="lg"/>
+            <a:tailEnd type="diamond" w="lg" len="lg"/>
+          </a:ln>
+        </p:spPr>
+        <p:style>
+          <a:lnRef idx="1">
+            <a:schemeClr val="accent1"/>
+          </a:lnRef>
+          <a:fillRef idx="0">
+            <a:schemeClr val="accent1"/>
+          </a:fillRef>
+          <a:effectRef idx="0">
+            <a:schemeClr val="accent1"/>
+          </a:effectRef>
+          <a:fontRef idx="minor">
+            <a:schemeClr val="tx1"/>
+          </a:fontRef>
+        </p:style>
+      </p:cxnSp>
+      <p:sp>
+        <p:nvSpPr>
+          <p:cNvPr id="25" name="TextBox 24"/>
+          <p:cNvSpPr txBox="1"/>
+          <p:nvPr/>
+        </p:nvSpPr>
+        <p:spPr>
+          <a:xfrm>
+            <a:off x="1608482" y="4880831"/>
+            <a:ext cx="1119674" cy="369332"/>
+          </a:xfrm>
+          <a:prstGeom prst="rect">
+            <a:avLst/>
+          </a:prstGeom>
+          <a:noFill/>
+        </p:spPr>
+        <p:txBody>
+          <a:bodyPr wrap="square" rtlCol="0">
+            <a:spAutoFit/>
+          </a:bodyPr>
+          <a:lstStyle/>
+          <a:p>
+            <a:r>
+              <a:rPr lang="en-US" dirty="0" smtClean="0"/>
+              <a:t>Cohort 3</a:t>
+            </a:r>
+            <a:endParaRPr lang="en-US" dirty="0"/>
+          </a:p>
+        </p:txBody>
+      </p:sp>
+      <p:sp>
+        <p:nvSpPr>
+          <p:cNvPr id="30" name="TextBox 29"/>
+          <p:cNvSpPr txBox="1"/>
+          <p:nvPr/>
+        </p:nvSpPr>
+        <p:spPr>
+          <a:xfrm>
+            <a:off x="1669276" y="4387860"/>
+            <a:ext cx="5122506" cy="369332"/>
+          </a:xfrm>
+          <a:prstGeom prst="rect">
+            <a:avLst/>
+          </a:prstGeom>
+          <a:noFill/>
+        </p:spPr>
+        <p:txBody>
+          <a:bodyPr wrap="square" rtlCol="0">
+            <a:spAutoFit/>
+          </a:bodyPr>
+          <a:lstStyle/>
+          <a:p>
+            <a:r>
+              <a:rPr lang="en-US" dirty="0" smtClean="0"/>
+              <a:t>Output</a:t>
+            </a:r>
+            <a:endParaRPr lang="en-US" dirty="0"/>
+          </a:p>
+        </p:txBody>
+      </p:sp>
+      <p:sp>
+        <p:nvSpPr>
+          <p:cNvPr id="32" name="TextBox 31"/>
+          <p:cNvSpPr txBox="1"/>
+          <p:nvPr/>
+        </p:nvSpPr>
+        <p:spPr>
+          <a:xfrm>
+            <a:off x="1908008" y="5450257"/>
+            <a:ext cx="668695" cy="216133"/>
+          </a:xfrm>
+          <a:prstGeom prst="rect">
+            <a:avLst/>
+          </a:prstGeom>
+          <a:noFill/>
+        </p:spPr>
+        <p:txBody>
+          <a:bodyPr wrap="square" rtlCol="0">
+            <a:spAutoFit/>
+          </a:bodyPr>
+          <a:lstStyle/>
+          <a:p>
+            <a:r>
+              <a:rPr lang="en-US" sz="800" dirty="0" smtClean="0"/>
+              <a:t>Jan/1/2022</a:t>
+            </a:r>
+            <a:endParaRPr lang="en-US" sz="800" dirty="0"/>
+          </a:p>
+        </p:txBody>
+      </p:sp>
       <p:sp>
         <p:nvSpPr>
           <p:cNvPr id="6" name="TextBox 5"/>
@@ -6407,122 +7912,2425 @@
         </p:nvSpPr>
         <p:spPr>
           <a:xfrm>
-            <a:off x="1601823" y="997348"/>
-            <a:ext cx="249721" cy="369332"/>
-          </a:xfrm>
-          <a:prstGeom prst="rect">
-            <a:avLst/>
-          </a:prstGeom>
-          <a:noFill/>
-        </p:spPr>
-        <p:txBody>
-          <a:bodyPr wrap="square" rtlCol="0">
-            <a:spAutoFit/>
-          </a:bodyPr>
-          <a:lstStyle/>
-          <a:p>
-            <a:r>
-              <a:rPr lang="en-US" dirty="0" smtClean="0"/>
-              <a:t>1</a:t>
-            </a:r>
+            <a:off x="2132300" y="1695796"/>
+            <a:ext cx="45719" cy="399697"/>
+          </a:xfrm>
+          <a:prstGeom prst="rect">
+            <a:avLst/>
+          </a:prstGeom>
+          <a:noFill/>
+        </p:spPr>
+        <p:txBody>
+          <a:bodyPr wrap="square" rtlCol="0">
+            <a:spAutoFit/>
+          </a:bodyPr>
+          <a:lstStyle/>
+          <a:p>
             <a:endParaRPr lang="en-US" dirty="0"/>
           </a:p>
         </p:txBody>
       </p:sp>
       <p:sp>
         <p:nvSpPr>
-          <p:cNvPr id="38" name="TextBox 37"/>
-          <p:cNvSpPr txBox="1"/>
-          <p:nvPr/>
-        </p:nvSpPr>
-        <p:spPr>
-          <a:xfrm>
-            <a:off x="2523103" y="982925"/>
-            <a:ext cx="249721" cy="369332"/>
-          </a:xfrm>
-          <a:prstGeom prst="rect">
-            <a:avLst/>
-          </a:prstGeom>
-          <a:noFill/>
-        </p:spPr>
-        <p:txBody>
-          <a:bodyPr wrap="square" rtlCol="0">
-            <a:spAutoFit/>
-          </a:bodyPr>
-          <a:lstStyle/>
-          <a:p>
-            <a:r>
-              <a:rPr lang="en-US" dirty="0" smtClean="0"/>
-              <a:t>2</a:t>
-            </a:r>
+          <p:cNvPr id="26" name="TextBox 25"/>
+          <p:cNvSpPr txBox="1"/>
+          <p:nvPr/>
+        </p:nvSpPr>
+        <p:spPr>
+          <a:xfrm>
+            <a:off x="2051502" y="1695466"/>
+            <a:ext cx="190853" cy="1680852"/>
+          </a:xfrm>
+          <a:prstGeom prst="rect">
+            <a:avLst/>
+          </a:prstGeom>
+          <a:noFill/>
+        </p:spPr>
+        <p:txBody>
+          <a:bodyPr wrap="square" rtlCol="0">
+            <a:spAutoFit/>
+          </a:bodyPr>
+          <a:lstStyle/>
+          <a:p>
             <a:endParaRPr lang="en-US" dirty="0"/>
-          </a:p>
-        </p:txBody>
-      </p:sp>
-      <p:sp>
-        <p:nvSpPr>
-          <p:cNvPr id="41" name="TextBox 40"/>
-          <p:cNvSpPr txBox="1"/>
-          <p:nvPr/>
-        </p:nvSpPr>
-        <p:spPr>
-          <a:xfrm>
-            <a:off x="1465210" y="4732224"/>
-            <a:ext cx="249721" cy="369332"/>
-          </a:xfrm>
-          <a:prstGeom prst="rect">
-            <a:avLst/>
-          </a:prstGeom>
-          <a:noFill/>
-        </p:spPr>
-        <p:txBody>
-          <a:bodyPr wrap="square" rtlCol="0">
-            <a:spAutoFit/>
-          </a:bodyPr>
-          <a:lstStyle/>
-          <a:p>
-            <a:r>
-              <a:rPr lang="en-US" dirty="0" smtClean="0"/>
-              <a:t>1</a:t>
-            </a:r>
-            <a:endParaRPr lang="en-US" dirty="0"/>
-          </a:p>
-        </p:txBody>
-      </p:sp>
-      <p:sp>
-        <p:nvSpPr>
-          <p:cNvPr id="3" name="TextBox 2"/>
-          <p:cNvSpPr txBox="1"/>
-          <p:nvPr/>
-        </p:nvSpPr>
-        <p:spPr>
-          <a:xfrm>
-            <a:off x="3260267" y="1097280"/>
-            <a:ext cx="1261857" cy="461665"/>
-          </a:xfrm>
-          <a:prstGeom prst="rect">
-            <a:avLst/>
-          </a:prstGeom>
-          <a:noFill/>
-        </p:spPr>
-        <p:txBody>
-          <a:bodyPr wrap="square" rtlCol="0">
-            <a:spAutoFit/>
-          </a:bodyPr>
-          <a:lstStyle/>
-          <a:p>
-            <a:r>
-              <a:rPr lang="en-US" sz="1200" dirty="0" smtClean="0"/>
-              <a:t>Removed by intersect</a:t>
-            </a:r>
-            <a:endParaRPr lang="en-US" sz="1200" dirty="0"/>
           </a:p>
         </p:txBody>
       </p:sp>
     </p:spTree>
     <p:extLst>
       <p:ext uri="{BB962C8B-B14F-4D97-AF65-F5344CB8AC3E}">
-        <p14:creationId xmlns:p14="http://schemas.microsoft.com/office/powerpoint/2010/main" val="182041440"/>
+        <p14:creationId xmlns:p14="http://schemas.microsoft.com/office/powerpoint/2010/main" val="525306742"/>
+      </p:ext>
+    </p:extLst>
+  </p:cSld>
+  <p:clrMapOvr>
+    <a:masterClrMapping/>
+  </p:clrMapOvr>
+</p:sld>
+</file>
+
+<file path=ppt/slides/slide7.xml><?xml version="1.0" encoding="utf-8"?>
+<p:sld xmlns:a="http://schemas.openxmlformats.org/drawingml/2006/main" xmlns:r="http://schemas.openxmlformats.org/officeDocument/2006/relationships" xmlns:p="http://schemas.openxmlformats.org/presentationml/2006/main">
+  <p:cSld>
+    <p:spTree>
+      <p:nvGrpSpPr>
+        <p:cNvPr id="1" name=""/>
+        <p:cNvGrpSpPr/>
+        <p:nvPr/>
+      </p:nvGrpSpPr>
+      <p:grpSpPr>
+        <a:xfrm>
+          <a:off x="0" y="0"/>
+          <a:ext cx="0" cy="0"/>
+          <a:chOff x="0" y="0"/>
+          <a:chExt cx="0" cy="0"/>
+        </a:xfrm>
+      </p:grpSpPr>
+      <p:sp>
+        <p:nvSpPr>
+          <p:cNvPr id="8" name="Rectangle 7"/>
+          <p:cNvSpPr/>
+          <p:nvPr/>
+        </p:nvSpPr>
+        <p:spPr>
+          <a:xfrm>
+            <a:off x="637082" y="406653"/>
+            <a:ext cx="6941975" cy="3377681"/>
+          </a:xfrm>
+          <a:prstGeom prst="rect">
+            <a:avLst/>
+          </a:prstGeom>
+          <a:noFill/>
+          <a:ln>
+            <a:solidFill>
+              <a:schemeClr val="tx1"/>
+            </a:solidFill>
+          </a:ln>
+        </p:spPr>
+        <p:style>
+          <a:lnRef idx="2">
+            <a:schemeClr val="accent1">
+              <a:shade val="50000"/>
+            </a:schemeClr>
+          </a:lnRef>
+          <a:fillRef idx="1">
+            <a:schemeClr val="accent1"/>
+          </a:fillRef>
+          <a:effectRef idx="0">
+            <a:schemeClr val="accent1"/>
+          </a:effectRef>
+          <a:fontRef idx="minor">
+            <a:schemeClr val="lt1"/>
+          </a:fontRef>
+        </p:style>
+        <p:txBody>
+          <a:bodyPr rtlCol="0" anchor="ctr"/>
+          <a:lstStyle/>
+          <a:p>
+            <a:pPr algn="ctr"/>
+            <a:endParaRPr lang="en-US"/>
+          </a:p>
+        </p:txBody>
+      </p:sp>
+      <p:cxnSp>
+        <p:nvCxnSpPr>
+          <p:cNvPr id="5" name="Straight Arrow Connector 4"/>
+          <p:cNvCxnSpPr/>
+          <p:nvPr/>
+        </p:nvCxnSpPr>
+        <p:spPr>
+          <a:xfrm>
+            <a:off x="1010081" y="1787575"/>
+            <a:ext cx="1928552" cy="8313"/>
+          </a:xfrm>
+          <a:prstGeom prst="straightConnector1">
+            <a:avLst/>
+          </a:prstGeom>
+          <a:ln w="28575" cap="sq">
+            <a:solidFill>
+              <a:schemeClr val="tx1">
+                <a:alpha val="93000"/>
+              </a:schemeClr>
+            </a:solidFill>
+            <a:bevel/>
+            <a:headEnd type="diamond" w="lg" len="lg"/>
+            <a:tailEnd type="diamond" w="lg" len="lg"/>
+          </a:ln>
+        </p:spPr>
+        <p:style>
+          <a:lnRef idx="1">
+            <a:schemeClr val="accent1"/>
+          </a:lnRef>
+          <a:fillRef idx="0">
+            <a:schemeClr val="accent1"/>
+          </a:fillRef>
+          <a:effectRef idx="0">
+            <a:schemeClr val="accent1"/>
+          </a:effectRef>
+          <a:fontRef idx="minor">
+            <a:schemeClr val="tx1"/>
+          </a:fontRef>
+        </p:style>
+      </p:cxnSp>
+      <p:sp>
+        <p:nvSpPr>
+          <p:cNvPr id="9" name="TextBox 8"/>
+          <p:cNvSpPr txBox="1"/>
+          <p:nvPr/>
+        </p:nvSpPr>
+        <p:spPr>
+          <a:xfrm>
+            <a:off x="1483566" y="1436913"/>
+            <a:ext cx="1119674" cy="369332"/>
+          </a:xfrm>
+          <a:prstGeom prst="rect">
+            <a:avLst/>
+          </a:prstGeom>
+          <a:noFill/>
+        </p:spPr>
+        <p:txBody>
+          <a:bodyPr wrap="square" rtlCol="0">
+            <a:spAutoFit/>
+          </a:bodyPr>
+          <a:lstStyle/>
+          <a:p>
+            <a:r>
+              <a:rPr lang="en-US" dirty="0" smtClean="0"/>
+              <a:t>Cohort 1</a:t>
+            </a:r>
+            <a:endParaRPr lang="en-US" dirty="0"/>
+          </a:p>
+        </p:txBody>
+      </p:sp>
+      <p:cxnSp>
+        <p:nvCxnSpPr>
+          <p:cNvPr id="10" name="Straight Arrow Connector 9"/>
+          <p:cNvCxnSpPr/>
+          <p:nvPr/>
+        </p:nvCxnSpPr>
+        <p:spPr>
+          <a:xfrm>
+            <a:off x="2478097" y="2552694"/>
+            <a:ext cx="1928552" cy="8313"/>
+          </a:xfrm>
+          <a:prstGeom prst="straightConnector1">
+            <a:avLst/>
+          </a:prstGeom>
+          <a:ln w="28575" cap="sq">
+            <a:solidFill>
+              <a:schemeClr val="tx1">
+                <a:alpha val="93000"/>
+              </a:schemeClr>
+            </a:solidFill>
+            <a:bevel/>
+            <a:headEnd type="diamond" w="lg" len="lg"/>
+            <a:tailEnd type="diamond" w="lg" len="lg"/>
+          </a:ln>
+        </p:spPr>
+        <p:style>
+          <a:lnRef idx="1">
+            <a:schemeClr val="accent1"/>
+          </a:lnRef>
+          <a:fillRef idx="0">
+            <a:schemeClr val="accent1"/>
+          </a:fillRef>
+          <a:effectRef idx="0">
+            <a:schemeClr val="accent1"/>
+          </a:effectRef>
+          <a:fontRef idx="minor">
+            <a:schemeClr val="tx1"/>
+          </a:fontRef>
+        </p:style>
+      </p:cxnSp>
+      <p:sp>
+        <p:nvSpPr>
+          <p:cNvPr id="11" name="TextBox 10"/>
+          <p:cNvSpPr txBox="1"/>
+          <p:nvPr/>
+        </p:nvSpPr>
+        <p:spPr>
+          <a:xfrm>
+            <a:off x="2951582" y="2202032"/>
+            <a:ext cx="1119674" cy="369332"/>
+          </a:xfrm>
+          <a:prstGeom prst="rect">
+            <a:avLst/>
+          </a:prstGeom>
+          <a:noFill/>
+        </p:spPr>
+        <p:txBody>
+          <a:bodyPr wrap="square" rtlCol="0">
+            <a:spAutoFit/>
+          </a:bodyPr>
+          <a:lstStyle/>
+          <a:p>
+            <a:r>
+              <a:rPr lang="en-US" dirty="0" smtClean="0"/>
+              <a:t>Cohort 2</a:t>
+            </a:r>
+            <a:endParaRPr lang="en-US" dirty="0"/>
+          </a:p>
+        </p:txBody>
+      </p:sp>
+      <p:sp>
+        <p:nvSpPr>
+          <p:cNvPr id="15" name="TextBox 14"/>
+          <p:cNvSpPr txBox="1"/>
+          <p:nvPr/>
+        </p:nvSpPr>
+        <p:spPr>
+          <a:xfrm>
+            <a:off x="709127" y="46652"/>
+            <a:ext cx="1614195" cy="369332"/>
+          </a:xfrm>
+          <a:prstGeom prst="rect">
+            <a:avLst/>
+          </a:prstGeom>
+          <a:noFill/>
+        </p:spPr>
+        <p:txBody>
+          <a:bodyPr wrap="square" rtlCol="0">
+            <a:spAutoFit/>
+          </a:bodyPr>
+          <a:lstStyle/>
+          <a:p>
+            <a:r>
+              <a:rPr lang="en-US" dirty="0" smtClean="0"/>
+              <a:t>Input</a:t>
+            </a:r>
+            <a:endParaRPr lang="en-US" dirty="0"/>
+          </a:p>
+        </p:txBody>
+      </p:sp>
+      <p:sp>
+        <p:nvSpPr>
+          <p:cNvPr id="16" name="TextBox 15"/>
+          <p:cNvSpPr txBox="1"/>
+          <p:nvPr/>
+        </p:nvSpPr>
+        <p:spPr>
+          <a:xfrm>
+            <a:off x="555946" y="3930214"/>
+            <a:ext cx="1614195" cy="369332"/>
+          </a:xfrm>
+          <a:prstGeom prst="rect">
+            <a:avLst/>
+          </a:prstGeom>
+          <a:noFill/>
+        </p:spPr>
+        <p:txBody>
+          <a:bodyPr wrap="square" rtlCol="0">
+            <a:spAutoFit/>
+          </a:bodyPr>
+          <a:lstStyle/>
+          <a:p>
+            <a:r>
+              <a:rPr lang="en-US" dirty="0" smtClean="0"/>
+              <a:t>Output</a:t>
+            </a:r>
+            <a:endParaRPr lang="en-US" dirty="0"/>
+          </a:p>
+        </p:txBody>
+      </p:sp>
+      <p:sp>
+        <p:nvSpPr>
+          <p:cNvPr id="17" name="TextBox 16"/>
+          <p:cNvSpPr txBox="1"/>
+          <p:nvPr/>
+        </p:nvSpPr>
+        <p:spPr>
+          <a:xfrm>
+            <a:off x="814871" y="1940773"/>
+            <a:ext cx="668695" cy="216133"/>
+          </a:xfrm>
+          <a:prstGeom prst="rect">
+            <a:avLst/>
+          </a:prstGeom>
+          <a:noFill/>
+        </p:spPr>
+        <p:txBody>
+          <a:bodyPr wrap="square" rtlCol="0">
+            <a:spAutoFit/>
+          </a:bodyPr>
+          <a:lstStyle/>
+          <a:p>
+            <a:r>
+              <a:rPr lang="en-US" sz="800" dirty="0" smtClean="0"/>
+              <a:t>Jan/1/2022</a:t>
+            </a:r>
+            <a:endParaRPr lang="en-US" sz="800" dirty="0"/>
+          </a:p>
+        </p:txBody>
+      </p:sp>
+      <p:sp>
+        <p:nvSpPr>
+          <p:cNvPr id="18" name="TextBox 17"/>
+          <p:cNvSpPr txBox="1"/>
+          <p:nvPr/>
+        </p:nvSpPr>
+        <p:spPr>
+          <a:xfrm>
+            <a:off x="2816284" y="1946425"/>
+            <a:ext cx="887967" cy="215444"/>
+          </a:xfrm>
+          <a:prstGeom prst="rect">
+            <a:avLst/>
+          </a:prstGeom>
+          <a:noFill/>
+        </p:spPr>
+        <p:txBody>
+          <a:bodyPr wrap="square" rtlCol="0">
+            <a:spAutoFit/>
+          </a:bodyPr>
+          <a:lstStyle/>
+          <a:p>
+            <a:r>
+              <a:rPr lang="en-US" sz="800" dirty="0" smtClean="0"/>
+              <a:t>Mar/1/2022</a:t>
+            </a:r>
+            <a:endParaRPr lang="en-US" sz="800" dirty="0"/>
+          </a:p>
+        </p:txBody>
+      </p:sp>
+      <p:sp>
+        <p:nvSpPr>
+          <p:cNvPr id="19" name="TextBox 18"/>
+          <p:cNvSpPr txBox="1"/>
+          <p:nvPr/>
+        </p:nvSpPr>
+        <p:spPr>
+          <a:xfrm>
+            <a:off x="2235189" y="2676882"/>
+            <a:ext cx="843911" cy="215444"/>
+          </a:xfrm>
+          <a:prstGeom prst="rect">
+            <a:avLst/>
+          </a:prstGeom>
+          <a:noFill/>
+        </p:spPr>
+        <p:txBody>
+          <a:bodyPr wrap="square" rtlCol="0">
+            <a:spAutoFit/>
+          </a:bodyPr>
+          <a:lstStyle/>
+          <a:p>
+            <a:r>
+              <a:rPr lang="en-US" sz="800" dirty="0" smtClean="0"/>
+              <a:t>Feb/10/2022</a:t>
+            </a:r>
+            <a:endParaRPr lang="en-US" sz="800" dirty="0"/>
+          </a:p>
+        </p:txBody>
+      </p:sp>
+      <p:sp>
+        <p:nvSpPr>
+          <p:cNvPr id="20" name="TextBox 19"/>
+          <p:cNvSpPr txBox="1"/>
+          <p:nvPr/>
+        </p:nvSpPr>
+        <p:spPr>
+          <a:xfrm>
+            <a:off x="4131140" y="2640898"/>
+            <a:ext cx="926050" cy="215444"/>
+          </a:xfrm>
+          <a:prstGeom prst="rect">
+            <a:avLst/>
+          </a:prstGeom>
+          <a:noFill/>
+        </p:spPr>
+        <p:txBody>
+          <a:bodyPr wrap="square" rtlCol="0">
+            <a:spAutoFit/>
+          </a:bodyPr>
+          <a:lstStyle/>
+          <a:p>
+            <a:r>
+              <a:rPr lang="en-US" sz="800" dirty="0" smtClean="0"/>
+              <a:t>May/10/2022</a:t>
+            </a:r>
+            <a:endParaRPr lang="en-US" sz="800" dirty="0"/>
+          </a:p>
+        </p:txBody>
+      </p:sp>
+      <p:sp>
+        <p:nvSpPr>
+          <p:cNvPr id="23" name="Rectangle 22"/>
+          <p:cNvSpPr/>
+          <p:nvPr/>
+        </p:nvSpPr>
+        <p:spPr>
+          <a:xfrm>
+            <a:off x="637082" y="4328984"/>
+            <a:ext cx="6941975" cy="1547346"/>
+          </a:xfrm>
+          <a:prstGeom prst="rect">
+            <a:avLst/>
+          </a:prstGeom>
+          <a:noFill/>
+          <a:ln>
+            <a:solidFill>
+              <a:schemeClr val="tx1"/>
+            </a:solidFill>
+          </a:ln>
+        </p:spPr>
+        <p:style>
+          <a:lnRef idx="2">
+            <a:schemeClr val="accent1">
+              <a:shade val="50000"/>
+            </a:schemeClr>
+          </a:lnRef>
+          <a:fillRef idx="1">
+            <a:schemeClr val="accent1"/>
+          </a:fillRef>
+          <a:effectRef idx="0">
+            <a:schemeClr val="accent1"/>
+          </a:effectRef>
+          <a:fontRef idx="minor">
+            <a:schemeClr val="lt1"/>
+          </a:fontRef>
+        </p:style>
+        <p:txBody>
+          <a:bodyPr rtlCol="0" anchor="ctr"/>
+          <a:lstStyle/>
+          <a:p>
+            <a:pPr algn="ctr"/>
+            <a:endParaRPr lang="en-US"/>
+          </a:p>
+        </p:txBody>
+      </p:sp>
+      <p:cxnSp>
+        <p:nvCxnSpPr>
+          <p:cNvPr id="24" name="Straight Arrow Connector 23"/>
+          <p:cNvCxnSpPr/>
+          <p:nvPr/>
+        </p:nvCxnSpPr>
+        <p:spPr>
+          <a:xfrm>
+            <a:off x="1063690" y="5130994"/>
+            <a:ext cx="1287606" cy="1"/>
+          </a:xfrm>
+          <a:prstGeom prst="straightConnector1">
+            <a:avLst/>
+          </a:prstGeom>
+          <a:ln w="28575" cap="sq">
+            <a:solidFill>
+              <a:schemeClr val="tx1">
+                <a:alpha val="93000"/>
+              </a:schemeClr>
+            </a:solidFill>
+            <a:bevel/>
+            <a:headEnd type="diamond" w="lg" len="lg"/>
+            <a:tailEnd type="diamond" w="lg" len="lg"/>
+          </a:ln>
+        </p:spPr>
+        <p:style>
+          <a:lnRef idx="1">
+            <a:schemeClr val="accent1"/>
+          </a:lnRef>
+          <a:fillRef idx="0">
+            <a:schemeClr val="accent1"/>
+          </a:fillRef>
+          <a:effectRef idx="0">
+            <a:schemeClr val="accent1"/>
+          </a:effectRef>
+          <a:fontRef idx="minor">
+            <a:schemeClr val="tx1"/>
+          </a:fontRef>
+        </p:style>
+      </p:cxnSp>
+      <p:sp>
+        <p:nvSpPr>
+          <p:cNvPr id="25" name="TextBox 24"/>
+          <p:cNvSpPr txBox="1"/>
+          <p:nvPr/>
+        </p:nvSpPr>
+        <p:spPr>
+          <a:xfrm>
+            <a:off x="1231622" y="5130994"/>
+            <a:ext cx="1119674" cy="369332"/>
+          </a:xfrm>
+          <a:prstGeom prst="rect">
+            <a:avLst/>
+          </a:prstGeom>
+          <a:noFill/>
+        </p:spPr>
+        <p:txBody>
+          <a:bodyPr wrap="square" rtlCol="0">
+            <a:spAutoFit/>
+          </a:bodyPr>
+          <a:lstStyle/>
+          <a:p>
+            <a:r>
+              <a:rPr lang="en-US" dirty="0" smtClean="0"/>
+              <a:t>Cohort 3</a:t>
+            </a:r>
+            <a:endParaRPr lang="en-US" dirty="0"/>
+          </a:p>
+        </p:txBody>
+      </p:sp>
+      <p:sp>
+        <p:nvSpPr>
+          <p:cNvPr id="32" name="TextBox 31"/>
+          <p:cNvSpPr txBox="1"/>
+          <p:nvPr/>
+        </p:nvSpPr>
+        <p:spPr>
+          <a:xfrm>
+            <a:off x="814871" y="5478570"/>
+            <a:ext cx="809077" cy="215444"/>
+          </a:xfrm>
+          <a:prstGeom prst="rect">
+            <a:avLst/>
+          </a:prstGeom>
+          <a:noFill/>
+        </p:spPr>
+        <p:txBody>
+          <a:bodyPr wrap="square" rtlCol="0">
+            <a:spAutoFit/>
+          </a:bodyPr>
+          <a:lstStyle/>
+          <a:p>
+            <a:r>
+              <a:rPr lang="en-US" sz="800" dirty="0" smtClean="0"/>
+              <a:t>Jan/1/2022</a:t>
+            </a:r>
+            <a:endParaRPr lang="en-US" sz="800" dirty="0"/>
+          </a:p>
+        </p:txBody>
+      </p:sp>
+      <p:sp>
+        <p:nvSpPr>
+          <p:cNvPr id="45" name="TextBox 44"/>
+          <p:cNvSpPr txBox="1"/>
+          <p:nvPr/>
+        </p:nvSpPr>
+        <p:spPr>
+          <a:xfrm>
+            <a:off x="2170141" y="5475185"/>
+            <a:ext cx="926050" cy="215444"/>
+          </a:xfrm>
+          <a:prstGeom prst="rect">
+            <a:avLst/>
+          </a:prstGeom>
+          <a:noFill/>
+        </p:spPr>
+        <p:txBody>
+          <a:bodyPr wrap="square" rtlCol="0">
+            <a:spAutoFit/>
+          </a:bodyPr>
+          <a:lstStyle/>
+          <a:p>
+            <a:r>
+              <a:rPr lang="en-US" sz="800" dirty="0" smtClean="0"/>
+              <a:t>Feb/09/2022</a:t>
+            </a:r>
+            <a:endParaRPr lang="en-US" sz="800" dirty="0"/>
+          </a:p>
+        </p:txBody>
+      </p:sp>
+      <p:sp>
+        <p:nvSpPr>
+          <p:cNvPr id="28" name="TextBox 27"/>
+          <p:cNvSpPr txBox="1"/>
+          <p:nvPr/>
+        </p:nvSpPr>
+        <p:spPr>
+          <a:xfrm>
+            <a:off x="1063690" y="513184"/>
+            <a:ext cx="5122506" cy="369332"/>
+          </a:xfrm>
+          <a:prstGeom prst="rect">
+            <a:avLst/>
+          </a:prstGeom>
+          <a:noFill/>
+        </p:spPr>
+        <p:txBody>
+          <a:bodyPr wrap="square" rtlCol="0">
+            <a:spAutoFit/>
+          </a:bodyPr>
+          <a:lstStyle/>
+          <a:p>
+            <a:r>
+              <a:rPr lang="en-US" dirty="0" smtClean="0"/>
+              <a:t>Cohort </a:t>
+            </a:r>
+            <a:r>
+              <a:rPr lang="en-US" dirty="0" smtClean="0"/>
+              <a:t>Minus 1: Minus Cohort 2 from Cohort 1</a:t>
+            </a:r>
+            <a:endParaRPr lang="en-US" dirty="0"/>
+          </a:p>
+        </p:txBody>
+      </p:sp>
+    </p:spTree>
+    <p:extLst>
+      <p:ext uri="{BB962C8B-B14F-4D97-AF65-F5344CB8AC3E}">
+        <p14:creationId xmlns:p14="http://schemas.microsoft.com/office/powerpoint/2010/main" val="902798895"/>
+      </p:ext>
+    </p:extLst>
+  </p:cSld>
+  <p:clrMapOvr>
+    <a:masterClrMapping/>
+  </p:clrMapOvr>
+</p:sld>
+</file>
+
+<file path=ppt/slides/slide8.xml><?xml version="1.0" encoding="utf-8"?>
+<p:sld xmlns:a="http://schemas.openxmlformats.org/drawingml/2006/main" xmlns:r="http://schemas.openxmlformats.org/officeDocument/2006/relationships" xmlns:p="http://schemas.openxmlformats.org/presentationml/2006/main">
+  <p:cSld>
+    <p:spTree>
+      <p:nvGrpSpPr>
+        <p:cNvPr id="1" name=""/>
+        <p:cNvGrpSpPr/>
+        <p:nvPr/>
+      </p:nvGrpSpPr>
+      <p:grpSpPr>
+        <a:xfrm>
+          <a:off x="0" y="0"/>
+          <a:ext cx="0" cy="0"/>
+          <a:chOff x="0" y="0"/>
+          <a:chExt cx="0" cy="0"/>
+        </a:xfrm>
+      </p:grpSpPr>
+      <p:sp>
+        <p:nvSpPr>
+          <p:cNvPr id="8" name="Rectangle 7"/>
+          <p:cNvSpPr/>
+          <p:nvPr/>
+        </p:nvSpPr>
+        <p:spPr>
+          <a:xfrm>
+            <a:off x="637082" y="406653"/>
+            <a:ext cx="6941975" cy="3377681"/>
+          </a:xfrm>
+          <a:prstGeom prst="rect">
+            <a:avLst/>
+          </a:prstGeom>
+          <a:noFill/>
+          <a:ln>
+            <a:solidFill>
+              <a:schemeClr val="tx1"/>
+            </a:solidFill>
+          </a:ln>
+        </p:spPr>
+        <p:style>
+          <a:lnRef idx="2">
+            <a:schemeClr val="accent1">
+              <a:shade val="50000"/>
+            </a:schemeClr>
+          </a:lnRef>
+          <a:fillRef idx="1">
+            <a:schemeClr val="accent1"/>
+          </a:fillRef>
+          <a:effectRef idx="0">
+            <a:schemeClr val="accent1"/>
+          </a:effectRef>
+          <a:fontRef idx="minor">
+            <a:schemeClr val="lt1"/>
+          </a:fontRef>
+        </p:style>
+        <p:txBody>
+          <a:bodyPr rtlCol="0" anchor="ctr"/>
+          <a:lstStyle/>
+          <a:p>
+            <a:pPr algn="ctr"/>
+            <a:endParaRPr lang="en-US"/>
+          </a:p>
+        </p:txBody>
+      </p:sp>
+      <p:cxnSp>
+        <p:nvCxnSpPr>
+          <p:cNvPr id="5" name="Straight Arrow Connector 4"/>
+          <p:cNvCxnSpPr/>
+          <p:nvPr/>
+        </p:nvCxnSpPr>
+        <p:spPr>
+          <a:xfrm>
+            <a:off x="1010081" y="1787575"/>
+            <a:ext cx="1928552" cy="8313"/>
+          </a:xfrm>
+          <a:prstGeom prst="straightConnector1">
+            <a:avLst/>
+          </a:prstGeom>
+          <a:ln w="28575" cap="sq">
+            <a:solidFill>
+              <a:schemeClr val="tx1">
+                <a:alpha val="93000"/>
+              </a:schemeClr>
+            </a:solidFill>
+            <a:bevel/>
+            <a:headEnd type="diamond" w="lg" len="lg"/>
+            <a:tailEnd type="diamond" w="lg" len="lg"/>
+          </a:ln>
+        </p:spPr>
+        <p:style>
+          <a:lnRef idx="1">
+            <a:schemeClr val="accent1"/>
+          </a:lnRef>
+          <a:fillRef idx="0">
+            <a:schemeClr val="accent1"/>
+          </a:fillRef>
+          <a:effectRef idx="0">
+            <a:schemeClr val="accent1"/>
+          </a:effectRef>
+          <a:fontRef idx="minor">
+            <a:schemeClr val="tx1"/>
+          </a:fontRef>
+        </p:style>
+      </p:cxnSp>
+      <p:sp>
+        <p:nvSpPr>
+          <p:cNvPr id="9" name="TextBox 8"/>
+          <p:cNvSpPr txBox="1"/>
+          <p:nvPr/>
+        </p:nvSpPr>
+        <p:spPr>
+          <a:xfrm>
+            <a:off x="1483566" y="1436913"/>
+            <a:ext cx="1119674" cy="369332"/>
+          </a:xfrm>
+          <a:prstGeom prst="rect">
+            <a:avLst/>
+          </a:prstGeom>
+          <a:noFill/>
+        </p:spPr>
+        <p:txBody>
+          <a:bodyPr wrap="square" rtlCol="0">
+            <a:spAutoFit/>
+          </a:bodyPr>
+          <a:lstStyle/>
+          <a:p>
+            <a:r>
+              <a:rPr lang="en-US" dirty="0" smtClean="0"/>
+              <a:t>Cohort 1</a:t>
+            </a:r>
+            <a:endParaRPr lang="en-US" dirty="0"/>
+          </a:p>
+        </p:txBody>
+      </p:sp>
+      <p:cxnSp>
+        <p:nvCxnSpPr>
+          <p:cNvPr id="10" name="Straight Arrow Connector 9"/>
+          <p:cNvCxnSpPr/>
+          <p:nvPr/>
+        </p:nvCxnSpPr>
+        <p:spPr>
+          <a:xfrm>
+            <a:off x="2478097" y="2552694"/>
+            <a:ext cx="1928552" cy="8313"/>
+          </a:xfrm>
+          <a:prstGeom prst="straightConnector1">
+            <a:avLst/>
+          </a:prstGeom>
+          <a:ln w="28575" cap="sq">
+            <a:solidFill>
+              <a:schemeClr val="tx1">
+                <a:alpha val="93000"/>
+              </a:schemeClr>
+            </a:solidFill>
+            <a:bevel/>
+            <a:headEnd type="diamond" w="lg" len="lg"/>
+            <a:tailEnd type="diamond" w="lg" len="lg"/>
+          </a:ln>
+        </p:spPr>
+        <p:style>
+          <a:lnRef idx="1">
+            <a:schemeClr val="accent1"/>
+          </a:lnRef>
+          <a:fillRef idx="0">
+            <a:schemeClr val="accent1"/>
+          </a:fillRef>
+          <a:effectRef idx="0">
+            <a:schemeClr val="accent1"/>
+          </a:effectRef>
+          <a:fontRef idx="minor">
+            <a:schemeClr val="tx1"/>
+          </a:fontRef>
+        </p:style>
+      </p:cxnSp>
+      <p:sp>
+        <p:nvSpPr>
+          <p:cNvPr id="11" name="TextBox 10"/>
+          <p:cNvSpPr txBox="1"/>
+          <p:nvPr/>
+        </p:nvSpPr>
+        <p:spPr>
+          <a:xfrm>
+            <a:off x="2951582" y="2202032"/>
+            <a:ext cx="1119674" cy="369332"/>
+          </a:xfrm>
+          <a:prstGeom prst="rect">
+            <a:avLst/>
+          </a:prstGeom>
+          <a:noFill/>
+        </p:spPr>
+        <p:txBody>
+          <a:bodyPr wrap="square" rtlCol="0">
+            <a:spAutoFit/>
+          </a:bodyPr>
+          <a:lstStyle/>
+          <a:p>
+            <a:r>
+              <a:rPr lang="en-US" dirty="0" smtClean="0"/>
+              <a:t>Cohort 2</a:t>
+            </a:r>
+            <a:endParaRPr lang="en-US" dirty="0"/>
+          </a:p>
+        </p:txBody>
+      </p:sp>
+      <p:sp>
+        <p:nvSpPr>
+          <p:cNvPr id="15" name="TextBox 14"/>
+          <p:cNvSpPr txBox="1"/>
+          <p:nvPr/>
+        </p:nvSpPr>
+        <p:spPr>
+          <a:xfrm>
+            <a:off x="709127" y="46652"/>
+            <a:ext cx="1614195" cy="369332"/>
+          </a:xfrm>
+          <a:prstGeom prst="rect">
+            <a:avLst/>
+          </a:prstGeom>
+          <a:noFill/>
+        </p:spPr>
+        <p:txBody>
+          <a:bodyPr wrap="square" rtlCol="0">
+            <a:spAutoFit/>
+          </a:bodyPr>
+          <a:lstStyle/>
+          <a:p>
+            <a:r>
+              <a:rPr lang="en-US" dirty="0" smtClean="0"/>
+              <a:t>Input</a:t>
+            </a:r>
+            <a:endParaRPr lang="en-US" dirty="0"/>
+          </a:p>
+        </p:txBody>
+      </p:sp>
+      <p:sp>
+        <p:nvSpPr>
+          <p:cNvPr id="16" name="TextBox 15"/>
+          <p:cNvSpPr txBox="1"/>
+          <p:nvPr/>
+        </p:nvSpPr>
+        <p:spPr>
+          <a:xfrm>
+            <a:off x="555946" y="3930214"/>
+            <a:ext cx="1614195" cy="369332"/>
+          </a:xfrm>
+          <a:prstGeom prst="rect">
+            <a:avLst/>
+          </a:prstGeom>
+          <a:noFill/>
+        </p:spPr>
+        <p:txBody>
+          <a:bodyPr wrap="square" rtlCol="0">
+            <a:spAutoFit/>
+          </a:bodyPr>
+          <a:lstStyle/>
+          <a:p>
+            <a:r>
+              <a:rPr lang="en-US" dirty="0" smtClean="0"/>
+              <a:t>Output</a:t>
+            </a:r>
+            <a:endParaRPr lang="en-US" dirty="0"/>
+          </a:p>
+        </p:txBody>
+      </p:sp>
+      <p:sp>
+        <p:nvSpPr>
+          <p:cNvPr id="17" name="TextBox 16"/>
+          <p:cNvSpPr txBox="1"/>
+          <p:nvPr/>
+        </p:nvSpPr>
+        <p:spPr>
+          <a:xfrm>
+            <a:off x="814871" y="1940773"/>
+            <a:ext cx="668695" cy="216133"/>
+          </a:xfrm>
+          <a:prstGeom prst="rect">
+            <a:avLst/>
+          </a:prstGeom>
+          <a:noFill/>
+        </p:spPr>
+        <p:txBody>
+          <a:bodyPr wrap="square" rtlCol="0">
+            <a:spAutoFit/>
+          </a:bodyPr>
+          <a:lstStyle/>
+          <a:p>
+            <a:r>
+              <a:rPr lang="en-US" sz="800" dirty="0" smtClean="0"/>
+              <a:t>Jan/1/2022</a:t>
+            </a:r>
+            <a:endParaRPr lang="en-US" sz="800" dirty="0"/>
+          </a:p>
+        </p:txBody>
+      </p:sp>
+      <p:sp>
+        <p:nvSpPr>
+          <p:cNvPr id="18" name="TextBox 17"/>
+          <p:cNvSpPr txBox="1"/>
+          <p:nvPr/>
+        </p:nvSpPr>
+        <p:spPr>
+          <a:xfrm>
+            <a:off x="2816284" y="1946425"/>
+            <a:ext cx="887967" cy="215444"/>
+          </a:xfrm>
+          <a:prstGeom prst="rect">
+            <a:avLst/>
+          </a:prstGeom>
+          <a:noFill/>
+        </p:spPr>
+        <p:txBody>
+          <a:bodyPr wrap="square" rtlCol="0">
+            <a:spAutoFit/>
+          </a:bodyPr>
+          <a:lstStyle/>
+          <a:p>
+            <a:r>
+              <a:rPr lang="en-US" sz="800" dirty="0" smtClean="0"/>
+              <a:t>Mar/1/2022</a:t>
+            </a:r>
+            <a:endParaRPr lang="en-US" sz="800" dirty="0"/>
+          </a:p>
+        </p:txBody>
+      </p:sp>
+      <p:sp>
+        <p:nvSpPr>
+          <p:cNvPr id="19" name="TextBox 18"/>
+          <p:cNvSpPr txBox="1"/>
+          <p:nvPr/>
+        </p:nvSpPr>
+        <p:spPr>
+          <a:xfrm>
+            <a:off x="2235189" y="2676882"/>
+            <a:ext cx="843911" cy="215444"/>
+          </a:xfrm>
+          <a:prstGeom prst="rect">
+            <a:avLst/>
+          </a:prstGeom>
+          <a:noFill/>
+        </p:spPr>
+        <p:txBody>
+          <a:bodyPr wrap="square" rtlCol="0">
+            <a:spAutoFit/>
+          </a:bodyPr>
+          <a:lstStyle/>
+          <a:p>
+            <a:r>
+              <a:rPr lang="en-US" sz="800" dirty="0" smtClean="0"/>
+              <a:t>Feb/10/2022</a:t>
+            </a:r>
+            <a:endParaRPr lang="en-US" sz="800" dirty="0"/>
+          </a:p>
+        </p:txBody>
+      </p:sp>
+      <p:sp>
+        <p:nvSpPr>
+          <p:cNvPr id="20" name="TextBox 19"/>
+          <p:cNvSpPr txBox="1"/>
+          <p:nvPr/>
+        </p:nvSpPr>
+        <p:spPr>
+          <a:xfrm>
+            <a:off x="4131140" y="2640898"/>
+            <a:ext cx="926050" cy="215444"/>
+          </a:xfrm>
+          <a:prstGeom prst="rect">
+            <a:avLst/>
+          </a:prstGeom>
+          <a:noFill/>
+        </p:spPr>
+        <p:txBody>
+          <a:bodyPr wrap="square" rtlCol="0">
+            <a:spAutoFit/>
+          </a:bodyPr>
+          <a:lstStyle/>
+          <a:p>
+            <a:r>
+              <a:rPr lang="en-US" sz="800" dirty="0" smtClean="0"/>
+              <a:t>May/10/2022</a:t>
+            </a:r>
+            <a:endParaRPr lang="en-US" sz="800" dirty="0"/>
+          </a:p>
+        </p:txBody>
+      </p:sp>
+      <p:sp>
+        <p:nvSpPr>
+          <p:cNvPr id="23" name="Rectangle 22"/>
+          <p:cNvSpPr/>
+          <p:nvPr/>
+        </p:nvSpPr>
+        <p:spPr>
+          <a:xfrm>
+            <a:off x="637082" y="4328984"/>
+            <a:ext cx="6941975" cy="1547346"/>
+          </a:xfrm>
+          <a:prstGeom prst="rect">
+            <a:avLst/>
+          </a:prstGeom>
+          <a:noFill/>
+          <a:ln>
+            <a:solidFill>
+              <a:schemeClr val="tx1"/>
+            </a:solidFill>
+          </a:ln>
+        </p:spPr>
+        <p:style>
+          <a:lnRef idx="2">
+            <a:schemeClr val="accent1">
+              <a:shade val="50000"/>
+            </a:schemeClr>
+          </a:lnRef>
+          <a:fillRef idx="1">
+            <a:schemeClr val="accent1"/>
+          </a:fillRef>
+          <a:effectRef idx="0">
+            <a:schemeClr val="accent1"/>
+          </a:effectRef>
+          <a:fontRef idx="minor">
+            <a:schemeClr val="lt1"/>
+          </a:fontRef>
+        </p:style>
+        <p:txBody>
+          <a:bodyPr rtlCol="0" anchor="ctr"/>
+          <a:lstStyle/>
+          <a:p>
+            <a:pPr algn="ctr"/>
+            <a:endParaRPr lang="en-US"/>
+          </a:p>
+        </p:txBody>
+      </p:sp>
+      <p:cxnSp>
+        <p:nvCxnSpPr>
+          <p:cNvPr id="24" name="Straight Arrow Connector 23"/>
+          <p:cNvCxnSpPr/>
+          <p:nvPr/>
+        </p:nvCxnSpPr>
+        <p:spPr>
+          <a:xfrm>
+            <a:off x="2951582" y="5130994"/>
+            <a:ext cx="1587167" cy="1"/>
+          </a:xfrm>
+          <a:prstGeom prst="straightConnector1">
+            <a:avLst/>
+          </a:prstGeom>
+          <a:ln w="28575" cap="sq">
+            <a:solidFill>
+              <a:schemeClr val="tx1">
+                <a:alpha val="93000"/>
+              </a:schemeClr>
+            </a:solidFill>
+            <a:bevel/>
+            <a:headEnd type="diamond" w="lg" len="lg"/>
+            <a:tailEnd type="diamond" w="lg" len="lg"/>
+          </a:ln>
+        </p:spPr>
+        <p:style>
+          <a:lnRef idx="1">
+            <a:schemeClr val="accent1"/>
+          </a:lnRef>
+          <a:fillRef idx="0">
+            <a:schemeClr val="accent1"/>
+          </a:fillRef>
+          <a:effectRef idx="0">
+            <a:schemeClr val="accent1"/>
+          </a:effectRef>
+          <a:fontRef idx="minor">
+            <a:schemeClr val="tx1"/>
+          </a:fontRef>
+        </p:style>
+      </p:cxnSp>
+      <p:sp>
+        <p:nvSpPr>
+          <p:cNvPr id="25" name="TextBox 24"/>
+          <p:cNvSpPr txBox="1"/>
+          <p:nvPr/>
+        </p:nvSpPr>
+        <p:spPr>
+          <a:xfrm>
+            <a:off x="3243681" y="5102657"/>
+            <a:ext cx="1119674" cy="369332"/>
+          </a:xfrm>
+          <a:prstGeom prst="rect">
+            <a:avLst/>
+          </a:prstGeom>
+          <a:noFill/>
+        </p:spPr>
+        <p:txBody>
+          <a:bodyPr wrap="square" rtlCol="0">
+            <a:spAutoFit/>
+          </a:bodyPr>
+          <a:lstStyle/>
+          <a:p>
+            <a:r>
+              <a:rPr lang="en-US" dirty="0" smtClean="0"/>
+              <a:t>Cohort </a:t>
+            </a:r>
+            <a:r>
+              <a:rPr lang="en-US" dirty="0" smtClean="0"/>
+              <a:t>4</a:t>
+            </a:r>
+            <a:endParaRPr lang="en-US" dirty="0"/>
+          </a:p>
+        </p:txBody>
+      </p:sp>
+      <p:sp>
+        <p:nvSpPr>
+          <p:cNvPr id="32" name="TextBox 31"/>
+          <p:cNvSpPr txBox="1"/>
+          <p:nvPr/>
+        </p:nvSpPr>
+        <p:spPr>
+          <a:xfrm>
+            <a:off x="2676469" y="5427042"/>
+            <a:ext cx="809077" cy="215444"/>
+          </a:xfrm>
+          <a:prstGeom prst="rect">
+            <a:avLst/>
+          </a:prstGeom>
+          <a:noFill/>
+        </p:spPr>
+        <p:txBody>
+          <a:bodyPr wrap="square" rtlCol="0">
+            <a:spAutoFit/>
+          </a:bodyPr>
+          <a:lstStyle/>
+          <a:p>
+            <a:r>
+              <a:rPr lang="en-US" sz="800" dirty="0" smtClean="0"/>
+              <a:t>Mar</a:t>
+            </a:r>
+            <a:r>
+              <a:rPr lang="en-US" sz="800" dirty="0" smtClean="0"/>
+              <a:t>/2/2022</a:t>
+            </a:r>
+            <a:endParaRPr lang="en-US" sz="800" dirty="0"/>
+          </a:p>
+        </p:txBody>
+      </p:sp>
+      <p:sp>
+        <p:nvSpPr>
+          <p:cNvPr id="45" name="TextBox 44"/>
+          <p:cNvSpPr txBox="1"/>
+          <p:nvPr/>
+        </p:nvSpPr>
+        <p:spPr>
+          <a:xfrm>
+            <a:off x="4192429" y="5427042"/>
+            <a:ext cx="926050" cy="215444"/>
+          </a:xfrm>
+          <a:prstGeom prst="rect">
+            <a:avLst/>
+          </a:prstGeom>
+          <a:noFill/>
+        </p:spPr>
+        <p:txBody>
+          <a:bodyPr wrap="square" rtlCol="0">
+            <a:spAutoFit/>
+          </a:bodyPr>
+          <a:lstStyle/>
+          <a:p>
+            <a:r>
+              <a:rPr lang="en-US" sz="800" dirty="0" smtClean="0"/>
+              <a:t>May</a:t>
+            </a:r>
+            <a:r>
+              <a:rPr lang="en-US" sz="800" dirty="0" smtClean="0"/>
+              <a:t>/10/2022</a:t>
+            </a:r>
+            <a:endParaRPr lang="en-US" sz="800" dirty="0"/>
+          </a:p>
+        </p:txBody>
+      </p:sp>
+      <p:sp>
+        <p:nvSpPr>
+          <p:cNvPr id="28" name="TextBox 27"/>
+          <p:cNvSpPr txBox="1"/>
+          <p:nvPr/>
+        </p:nvSpPr>
+        <p:spPr>
+          <a:xfrm>
+            <a:off x="1063690" y="513184"/>
+            <a:ext cx="5122506" cy="369332"/>
+          </a:xfrm>
+          <a:prstGeom prst="rect">
+            <a:avLst/>
+          </a:prstGeom>
+          <a:noFill/>
+        </p:spPr>
+        <p:txBody>
+          <a:bodyPr wrap="square" rtlCol="0">
+            <a:spAutoFit/>
+          </a:bodyPr>
+          <a:lstStyle/>
+          <a:p>
+            <a:r>
+              <a:rPr lang="en-US" dirty="0" smtClean="0"/>
+              <a:t>Cohort </a:t>
+            </a:r>
+            <a:r>
+              <a:rPr lang="en-US" dirty="0" smtClean="0"/>
+              <a:t>Minus 2: Minus Cohort 1 from Cohort 2</a:t>
+            </a:r>
+            <a:endParaRPr lang="en-US" dirty="0"/>
+          </a:p>
+        </p:txBody>
+      </p:sp>
+    </p:spTree>
+    <p:extLst>
+      <p:ext uri="{BB962C8B-B14F-4D97-AF65-F5344CB8AC3E}">
+        <p14:creationId xmlns:p14="http://schemas.microsoft.com/office/powerpoint/2010/main" val="2955582915"/>
+      </p:ext>
+    </p:extLst>
+  </p:cSld>
+  <p:clrMapOvr>
+    <a:masterClrMapping/>
+  </p:clrMapOvr>
+</p:sld>
+</file>
+
+<file path=ppt/slides/slide9.xml><?xml version="1.0" encoding="utf-8"?>
+<p:sld xmlns:a="http://schemas.openxmlformats.org/drawingml/2006/main" xmlns:r="http://schemas.openxmlformats.org/officeDocument/2006/relationships" xmlns:p="http://schemas.openxmlformats.org/presentationml/2006/main">
+  <p:cSld>
+    <p:spTree>
+      <p:nvGrpSpPr>
+        <p:cNvPr id="1" name=""/>
+        <p:cNvGrpSpPr/>
+        <p:nvPr/>
+      </p:nvGrpSpPr>
+      <p:grpSpPr>
+        <a:xfrm>
+          <a:off x="0" y="0"/>
+          <a:ext cx="0" cy="0"/>
+          <a:chOff x="0" y="0"/>
+          <a:chExt cx="0" cy="0"/>
+        </a:xfrm>
+      </p:grpSpPr>
+      <p:sp>
+        <p:nvSpPr>
+          <p:cNvPr id="8" name="Rectangle 7"/>
+          <p:cNvSpPr/>
+          <p:nvPr/>
+        </p:nvSpPr>
+        <p:spPr>
+          <a:xfrm>
+            <a:off x="637082" y="406653"/>
+            <a:ext cx="6941975" cy="3377681"/>
+          </a:xfrm>
+          <a:prstGeom prst="rect">
+            <a:avLst/>
+          </a:prstGeom>
+          <a:noFill/>
+          <a:ln>
+            <a:solidFill>
+              <a:schemeClr val="tx1"/>
+            </a:solidFill>
+          </a:ln>
+        </p:spPr>
+        <p:style>
+          <a:lnRef idx="2">
+            <a:schemeClr val="accent1">
+              <a:shade val="50000"/>
+            </a:schemeClr>
+          </a:lnRef>
+          <a:fillRef idx="1">
+            <a:schemeClr val="accent1"/>
+          </a:fillRef>
+          <a:effectRef idx="0">
+            <a:schemeClr val="accent1"/>
+          </a:effectRef>
+          <a:fontRef idx="minor">
+            <a:schemeClr val="lt1"/>
+          </a:fontRef>
+        </p:style>
+        <p:txBody>
+          <a:bodyPr rtlCol="0" anchor="ctr"/>
+          <a:lstStyle/>
+          <a:p>
+            <a:pPr algn="ctr"/>
+            <a:endParaRPr lang="en-US"/>
+          </a:p>
+        </p:txBody>
+      </p:sp>
+      <p:cxnSp>
+        <p:nvCxnSpPr>
+          <p:cNvPr id="5" name="Straight Arrow Connector 4"/>
+          <p:cNvCxnSpPr/>
+          <p:nvPr/>
+        </p:nvCxnSpPr>
+        <p:spPr>
+          <a:xfrm>
+            <a:off x="1010081" y="1787575"/>
+            <a:ext cx="1928552" cy="8313"/>
+          </a:xfrm>
+          <a:prstGeom prst="straightConnector1">
+            <a:avLst/>
+          </a:prstGeom>
+          <a:ln w="28575" cap="sq">
+            <a:solidFill>
+              <a:schemeClr val="tx1">
+                <a:alpha val="93000"/>
+              </a:schemeClr>
+            </a:solidFill>
+            <a:bevel/>
+            <a:headEnd type="diamond" w="lg" len="lg"/>
+            <a:tailEnd type="diamond" w="lg" len="lg"/>
+          </a:ln>
+        </p:spPr>
+        <p:style>
+          <a:lnRef idx="1">
+            <a:schemeClr val="accent1"/>
+          </a:lnRef>
+          <a:fillRef idx="0">
+            <a:schemeClr val="accent1"/>
+          </a:fillRef>
+          <a:effectRef idx="0">
+            <a:schemeClr val="accent1"/>
+          </a:effectRef>
+          <a:fontRef idx="minor">
+            <a:schemeClr val="tx1"/>
+          </a:fontRef>
+        </p:style>
+      </p:cxnSp>
+      <p:sp>
+        <p:nvSpPr>
+          <p:cNvPr id="9" name="TextBox 8"/>
+          <p:cNvSpPr txBox="1"/>
+          <p:nvPr/>
+        </p:nvSpPr>
+        <p:spPr>
+          <a:xfrm>
+            <a:off x="1483566" y="1436913"/>
+            <a:ext cx="1119674" cy="369332"/>
+          </a:xfrm>
+          <a:prstGeom prst="rect">
+            <a:avLst/>
+          </a:prstGeom>
+          <a:noFill/>
+        </p:spPr>
+        <p:txBody>
+          <a:bodyPr wrap="square" rtlCol="0">
+            <a:spAutoFit/>
+          </a:bodyPr>
+          <a:lstStyle/>
+          <a:p>
+            <a:r>
+              <a:rPr lang="en-US" dirty="0" smtClean="0"/>
+              <a:t>Cohort 1</a:t>
+            </a:r>
+            <a:endParaRPr lang="en-US" dirty="0"/>
+          </a:p>
+        </p:txBody>
+      </p:sp>
+      <p:cxnSp>
+        <p:nvCxnSpPr>
+          <p:cNvPr id="10" name="Straight Arrow Connector 9"/>
+          <p:cNvCxnSpPr/>
+          <p:nvPr/>
+        </p:nvCxnSpPr>
+        <p:spPr>
+          <a:xfrm>
+            <a:off x="2478097" y="2552694"/>
+            <a:ext cx="1928552" cy="8313"/>
+          </a:xfrm>
+          <a:prstGeom prst="straightConnector1">
+            <a:avLst/>
+          </a:prstGeom>
+          <a:ln w="28575" cap="sq">
+            <a:solidFill>
+              <a:schemeClr val="tx1">
+                <a:alpha val="93000"/>
+              </a:schemeClr>
+            </a:solidFill>
+            <a:bevel/>
+            <a:headEnd type="diamond" w="lg" len="lg"/>
+            <a:tailEnd type="diamond" w="lg" len="lg"/>
+          </a:ln>
+        </p:spPr>
+        <p:style>
+          <a:lnRef idx="1">
+            <a:schemeClr val="accent1"/>
+          </a:lnRef>
+          <a:fillRef idx="0">
+            <a:schemeClr val="accent1"/>
+          </a:fillRef>
+          <a:effectRef idx="0">
+            <a:schemeClr val="accent1"/>
+          </a:effectRef>
+          <a:fontRef idx="minor">
+            <a:schemeClr val="tx1"/>
+          </a:fontRef>
+        </p:style>
+      </p:cxnSp>
+      <p:sp>
+        <p:nvSpPr>
+          <p:cNvPr id="11" name="TextBox 10"/>
+          <p:cNvSpPr txBox="1"/>
+          <p:nvPr/>
+        </p:nvSpPr>
+        <p:spPr>
+          <a:xfrm>
+            <a:off x="2951582" y="2202032"/>
+            <a:ext cx="1119674" cy="369332"/>
+          </a:xfrm>
+          <a:prstGeom prst="rect">
+            <a:avLst/>
+          </a:prstGeom>
+          <a:noFill/>
+        </p:spPr>
+        <p:txBody>
+          <a:bodyPr wrap="square" rtlCol="0">
+            <a:spAutoFit/>
+          </a:bodyPr>
+          <a:lstStyle/>
+          <a:p>
+            <a:r>
+              <a:rPr lang="en-US" dirty="0" smtClean="0"/>
+              <a:t>Cohort 2</a:t>
+            </a:r>
+            <a:endParaRPr lang="en-US" dirty="0"/>
+          </a:p>
+        </p:txBody>
+      </p:sp>
+      <p:cxnSp>
+        <p:nvCxnSpPr>
+          <p:cNvPr id="12" name="Straight Arrow Connector 11"/>
+          <p:cNvCxnSpPr/>
+          <p:nvPr/>
+        </p:nvCxnSpPr>
+        <p:spPr>
+          <a:xfrm>
+            <a:off x="1406893" y="3280482"/>
+            <a:ext cx="1928552" cy="8313"/>
+          </a:xfrm>
+          <a:prstGeom prst="straightConnector1">
+            <a:avLst/>
+          </a:prstGeom>
+          <a:ln w="28575" cap="sq">
+            <a:solidFill>
+              <a:schemeClr val="tx1">
+                <a:alpha val="93000"/>
+              </a:schemeClr>
+            </a:solidFill>
+            <a:bevel/>
+            <a:headEnd type="diamond" w="lg" len="lg"/>
+            <a:tailEnd type="diamond" w="lg" len="lg"/>
+          </a:ln>
+        </p:spPr>
+        <p:style>
+          <a:lnRef idx="1">
+            <a:schemeClr val="accent1"/>
+          </a:lnRef>
+          <a:fillRef idx="0">
+            <a:schemeClr val="accent1"/>
+          </a:fillRef>
+          <a:effectRef idx="0">
+            <a:schemeClr val="accent1"/>
+          </a:effectRef>
+          <a:fontRef idx="minor">
+            <a:schemeClr val="tx1"/>
+          </a:fontRef>
+        </p:style>
+      </p:cxnSp>
+      <p:sp>
+        <p:nvSpPr>
+          <p:cNvPr id="13" name="TextBox 12"/>
+          <p:cNvSpPr txBox="1"/>
+          <p:nvPr/>
+        </p:nvSpPr>
+        <p:spPr>
+          <a:xfrm>
+            <a:off x="1160791" y="2890966"/>
+            <a:ext cx="1119674" cy="369332"/>
+          </a:xfrm>
+          <a:prstGeom prst="rect">
+            <a:avLst/>
+          </a:prstGeom>
+          <a:noFill/>
+        </p:spPr>
+        <p:txBody>
+          <a:bodyPr wrap="square" rtlCol="0">
+            <a:spAutoFit/>
+          </a:bodyPr>
+          <a:lstStyle/>
+          <a:p>
+            <a:r>
+              <a:rPr lang="en-US" dirty="0" smtClean="0"/>
+              <a:t>Cohort 3</a:t>
+            </a:r>
+            <a:endParaRPr lang="en-US" dirty="0"/>
+          </a:p>
+        </p:txBody>
+      </p:sp>
+      <p:sp>
+        <p:nvSpPr>
+          <p:cNvPr id="15" name="TextBox 14"/>
+          <p:cNvSpPr txBox="1"/>
+          <p:nvPr/>
+        </p:nvSpPr>
+        <p:spPr>
+          <a:xfrm>
+            <a:off x="709127" y="46652"/>
+            <a:ext cx="1614195" cy="369332"/>
+          </a:xfrm>
+          <a:prstGeom prst="rect">
+            <a:avLst/>
+          </a:prstGeom>
+          <a:noFill/>
+        </p:spPr>
+        <p:txBody>
+          <a:bodyPr wrap="square" rtlCol="0">
+            <a:spAutoFit/>
+          </a:bodyPr>
+          <a:lstStyle/>
+          <a:p>
+            <a:r>
+              <a:rPr lang="en-US" dirty="0" smtClean="0"/>
+              <a:t>Input</a:t>
+            </a:r>
+            <a:endParaRPr lang="en-US" dirty="0"/>
+          </a:p>
+        </p:txBody>
+      </p:sp>
+      <p:sp>
+        <p:nvSpPr>
+          <p:cNvPr id="16" name="TextBox 15"/>
+          <p:cNvSpPr txBox="1"/>
+          <p:nvPr/>
+        </p:nvSpPr>
+        <p:spPr>
+          <a:xfrm>
+            <a:off x="555946" y="3930214"/>
+            <a:ext cx="1614195" cy="369332"/>
+          </a:xfrm>
+          <a:prstGeom prst="rect">
+            <a:avLst/>
+          </a:prstGeom>
+          <a:noFill/>
+        </p:spPr>
+        <p:txBody>
+          <a:bodyPr wrap="square" rtlCol="0">
+            <a:spAutoFit/>
+          </a:bodyPr>
+          <a:lstStyle/>
+          <a:p>
+            <a:r>
+              <a:rPr lang="en-US" dirty="0" smtClean="0"/>
+              <a:t>Output</a:t>
+            </a:r>
+            <a:endParaRPr lang="en-US" dirty="0"/>
+          </a:p>
+        </p:txBody>
+      </p:sp>
+      <p:sp>
+        <p:nvSpPr>
+          <p:cNvPr id="17" name="TextBox 16"/>
+          <p:cNvSpPr txBox="1"/>
+          <p:nvPr/>
+        </p:nvSpPr>
+        <p:spPr>
+          <a:xfrm>
+            <a:off x="814871" y="1940773"/>
+            <a:ext cx="668695" cy="216133"/>
+          </a:xfrm>
+          <a:prstGeom prst="rect">
+            <a:avLst/>
+          </a:prstGeom>
+          <a:noFill/>
+        </p:spPr>
+        <p:txBody>
+          <a:bodyPr wrap="square" rtlCol="0">
+            <a:spAutoFit/>
+          </a:bodyPr>
+          <a:lstStyle/>
+          <a:p>
+            <a:r>
+              <a:rPr lang="en-US" sz="800" dirty="0" smtClean="0"/>
+              <a:t>Jan/1/2022</a:t>
+            </a:r>
+            <a:endParaRPr lang="en-US" sz="800" dirty="0"/>
+          </a:p>
+        </p:txBody>
+      </p:sp>
+      <p:sp>
+        <p:nvSpPr>
+          <p:cNvPr id="18" name="TextBox 17"/>
+          <p:cNvSpPr txBox="1"/>
+          <p:nvPr/>
+        </p:nvSpPr>
+        <p:spPr>
+          <a:xfrm>
+            <a:off x="2816284" y="1946425"/>
+            <a:ext cx="887967" cy="215444"/>
+          </a:xfrm>
+          <a:prstGeom prst="rect">
+            <a:avLst/>
+          </a:prstGeom>
+          <a:noFill/>
+        </p:spPr>
+        <p:txBody>
+          <a:bodyPr wrap="square" rtlCol="0">
+            <a:spAutoFit/>
+          </a:bodyPr>
+          <a:lstStyle/>
+          <a:p>
+            <a:r>
+              <a:rPr lang="en-US" sz="800" dirty="0" smtClean="0"/>
+              <a:t>Mar/1/2022</a:t>
+            </a:r>
+            <a:endParaRPr lang="en-US" sz="800" dirty="0"/>
+          </a:p>
+        </p:txBody>
+      </p:sp>
+      <p:sp>
+        <p:nvSpPr>
+          <p:cNvPr id="19" name="TextBox 18"/>
+          <p:cNvSpPr txBox="1"/>
+          <p:nvPr/>
+        </p:nvSpPr>
+        <p:spPr>
+          <a:xfrm>
+            <a:off x="2235189" y="2676882"/>
+            <a:ext cx="843911" cy="215444"/>
+          </a:xfrm>
+          <a:prstGeom prst="rect">
+            <a:avLst/>
+          </a:prstGeom>
+          <a:noFill/>
+        </p:spPr>
+        <p:txBody>
+          <a:bodyPr wrap="square" rtlCol="0">
+            <a:spAutoFit/>
+          </a:bodyPr>
+          <a:lstStyle/>
+          <a:p>
+            <a:r>
+              <a:rPr lang="en-US" sz="800" dirty="0" smtClean="0"/>
+              <a:t>Feb/10/2022</a:t>
+            </a:r>
+            <a:endParaRPr lang="en-US" sz="800" dirty="0"/>
+          </a:p>
+        </p:txBody>
+      </p:sp>
+      <p:sp>
+        <p:nvSpPr>
+          <p:cNvPr id="20" name="TextBox 19"/>
+          <p:cNvSpPr txBox="1"/>
+          <p:nvPr/>
+        </p:nvSpPr>
+        <p:spPr>
+          <a:xfrm>
+            <a:off x="4131140" y="2640898"/>
+            <a:ext cx="926050" cy="215444"/>
+          </a:xfrm>
+          <a:prstGeom prst="rect">
+            <a:avLst/>
+          </a:prstGeom>
+          <a:noFill/>
+        </p:spPr>
+        <p:txBody>
+          <a:bodyPr wrap="square" rtlCol="0">
+            <a:spAutoFit/>
+          </a:bodyPr>
+          <a:lstStyle/>
+          <a:p>
+            <a:r>
+              <a:rPr lang="en-US" sz="800" dirty="0" smtClean="0"/>
+              <a:t>May/10/2022</a:t>
+            </a:r>
+            <a:endParaRPr lang="en-US" sz="800" dirty="0"/>
+          </a:p>
+        </p:txBody>
+      </p:sp>
+      <p:sp>
+        <p:nvSpPr>
+          <p:cNvPr id="21" name="TextBox 20"/>
+          <p:cNvSpPr txBox="1"/>
+          <p:nvPr/>
+        </p:nvSpPr>
+        <p:spPr>
+          <a:xfrm>
+            <a:off x="2280465" y="3318463"/>
+            <a:ext cx="926050" cy="215444"/>
+          </a:xfrm>
+          <a:prstGeom prst="rect">
+            <a:avLst/>
+          </a:prstGeom>
+          <a:noFill/>
+        </p:spPr>
+        <p:txBody>
+          <a:bodyPr wrap="square" rtlCol="0">
+            <a:spAutoFit/>
+          </a:bodyPr>
+          <a:lstStyle/>
+          <a:p>
+            <a:r>
+              <a:rPr lang="en-US" sz="800" dirty="0" smtClean="0"/>
+              <a:t>Mar/15/2022</a:t>
+            </a:r>
+            <a:endParaRPr lang="en-US" sz="800" dirty="0"/>
+          </a:p>
+        </p:txBody>
+      </p:sp>
+      <p:sp>
+        <p:nvSpPr>
+          <p:cNvPr id="22" name="TextBox 21"/>
+          <p:cNvSpPr txBox="1"/>
+          <p:nvPr/>
+        </p:nvSpPr>
+        <p:spPr>
+          <a:xfrm>
+            <a:off x="950850" y="3330050"/>
+            <a:ext cx="843911" cy="215444"/>
+          </a:xfrm>
+          <a:prstGeom prst="rect">
+            <a:avLst/>
+          </a:prstGeom>
+          <a:noFill/>
+        </p:spPr>
+        <p:txBody>
+          <a:bodyPr wrap="square" rtlCol="0">
+            <a:spAutoFit/>
+          </a:bodyPr>
+          <a:lstStyle/>
+          <a:p>
+            <a:r>
+              <a:rPr lang="en-US" sz="800" dirty="0" smtClean="0"/>
+              <a:t>Jan/15/2022</a:t>
+            </a:r>
+            <a:endParaRPr lang="en-US" sz="800" dirty="0"/>
+          </a:p>
+        </p:txBody>
+      </p:sp>
+      <p:sp>
+        <p:nvSpPr>
+          <p:cNvPr id="23" name="Rectangle 22"/>
+          <p:cNvSpPr/>
+          <p:nvPr/>
+        </p:nvSpPr>
+        <p:spPr>
+          <a:xfrm>
+            <a:off x="637082" y="4328984"/>
+            <a:ext cx="6941975" cy="1547346"/>
+          </a:xfrm>
+          <a:prstGeom prst="rect">
+            <a:avLst/>
+          </a:prstGeom>
+          <a:noFill/>
+          <a:ln>
+            <a:solidFill>
+              <a:schemeClr val="tx1"/>
+            </a:solidFill>
+          </a:ln>
+        </p:spPr>
+        <p:style>
+          <a:lnRef idx="2">
+            <a:schemeClr val="accent1">
+              <a:shade val="50000"/>
+            </a:schemeClr>
+          </a:lnRef>
+          <a:fillRef idx="1">
+            <a:schemeClr val="accent1"/>
+          </a:fillRef>
+          <a:effectRef idx="0">
+            <a:schemeClr val="accent1"/>
+          </a:effectRef>
+          <a:fontRef idx="minor">
+            <a:schemeClr val="lt1"/>
+          </a:fontRef>
+        </p:style>
+        <p:txBody>
+          <a:bodyPr rtlCol="0" anchor="ctr"/>
+          <a:lstStyle/>
+          <a:p>
+            <a:pPr algn="ctr"/>
+            <a:endParaRPr lang="en-US"/>
+          </a:p>
+        </p:txBody>
+      </p:sp>
+      <p:cxnSp>
+        <p:nvCxnSpPr>
+          <p:cNvPr id="24" name="Straight Arrow Connector 23"/>
+          <p:cNvCxnSpPr/>
+          <p:nvPr/>
+        </p:nvCxnSpPr>
+        <p:spPr>
+          <a:xfrm>
+            <a:off x="2478097" y="5250163"/>
+            <a:ext cx="601003" cy="0"/>
+          </a:xfrm>
+          <a:prstGeom prst="straightConnector1">
+            <a:avLst/>
+          </a:prstGeom>
+          <a:ln w="28575" cap="sq">
+            <a:solidFill>
+              <a:schemeClr val="tx1">
+                <a:alpha val="93000"/>
+              </a:schemeClr>
+            </a:solidFill>
+            <a:bevel/>
+            <a:headEnd type="diamond" w="lg" len="lg"/>
+            <a:tailEnd type="diamond" w="lg" len="lg"/>
+          </a:ln>
+        </p:spPr>
+        <p:style>
+          <a:lnRef idx="1">
+            <a:schemeClr val="accent1"/>
+          </a:lnRef>
+          <a:fillRef idx="0">
+            <a:schemeClr val="accent1"/>
+          </a:fillRef>
+          <a:effectRef idx="0">
+            <a:schemeClr val="accent1"/>
+          </a:effectRef>
+          <a:fontRef idx="minor">
+            <a:schemeClr val="tx1"/>
+          </a:fontRef>
+        </p:style>
+      </p:cxnSp>
+      <p:sp>
+        <p:nvSpPr>
+          <p:cNvPr id="25" name="TextBox 24"/>
+          <p:cNvSpPr txBox="1"/>
+          <p:nvPr/>
+        </p:nvSpPr>
+        <p:spPr>
+          <a:xfrm>
+            <a:off x="2988395" y="4880831"/>
+            <a:ext cx="1119674" cy="369332"/>
+          </a:xfrm>
+          <a:prstGeom prst="rect">
+            <a:avLst/>
+          </a:prstGeom>
+          <a:noFill/>
+        </p:spPr>
+        <p:txBody>
+          <a:bodyPr wrap="square" rtlCol="0">
+            <a:spAutoFit/>
+          </a:bodyPr>
+          <a:lstStyle/>
+          <a:p>
+            <a:r>
+              <a:rPr lang="en-US" dirty="0" smtClean="0"/>
+              <a:t>Cohort 4</a:t>
+            </a:r>
+            <a:endParaRPr lang="en-US" dirty="0"/>
+          </a:p>
+        </p:txBody>
+      </p:sp>
+      <p:sp>
+        <p:nvSpPr>
+          <p:cNvPr id="30" name="TextBox 29"/>
+          <p:cNvSpPr txBox="1"/>
+          <p:nvPr/>
+        </p:nvSpPr>
+        <p:spPr>
+          <a:xfrm>
+            <a:off x="1669276" y="4387860"/>
+            <a:ext cx="5122506" cy="369332"/>
+          </a:xfrm>
+          <a:prstGeom prst="rect">
+            <a:avLst/>
+          </a:prstGeom>
+          <a:noFill/>
+        </p:spPr>
+        <p:txBody>
+          <a:bodyPr wrap="square" rtlCol="0">
+            <a:spAutoFit/>
+          </a:bodyPr>
+          <a:lstStyle/>
+          <a:p>
+            <a:r>
+              <a:rPr lang="en-US" dirty="0" smtClean="0"/>
+              <a:t>Output</a:t>
+            </a:r>
+            <a:endParaRPr lang="en-US" dirty="0"/>
+          </a:p>
+        </p:txBody>
+      </p:sp>
+      <p:sp>
+        <p:nvSpPr>
+          <p:cNvPr id="32" name="TextBox 31"/>
+          <p:cNvSpPr txBox="1"/>
+          <p:nvPr/>
+        </p:nvSpPr>
+        <p:spPr>
+          <a:xfrm>
+            <a:off x="1955110" y="5482485"/>
+            <a:ext cx="809077" cy="215444"/>
+          </a:xfrm>
+          <a:prstGeom prst="rect">
+            <a:avLst/>
+          </a:prstGeom>
+          <a:noFill/>
+        </p:spPr>
+        <p:txBody>
+          <a:bodyPr wrap="square" rtlCol="0">
+            <a:spAutoFit/>
+          </a:bodyPr>
+          <a:lstStyle/>
+          <a:p>
+            <a:r>
+              <a:rPr lang="en-US" sz="800" dirty="0" smtClean="0"/>
+              <a:t>Feb/10/2022</a:t>
+            </a:r>
+            <a:endParaRPr lang="en-US" sz="800" dirty="0"/>
+          </a:p>
+        </p:txBody>
+      </p:sp>
+      <p:sp>
+        <p:nvSpPr>
+          <p:cNvPr id="45" name="TextBox 44"/>
+          <p:cNvSpPr txBox="1"/>
+          <p:nvPr/>
+        </p:nvSpPr>
+        <p:spPr>
+          <a:xfrm>
+            <a:off x="2743490" y="5482485"/>
+            <a:ext cx="926050" cy="215444"/>
+          </a:xfrm>
+          <a:prstGeom prst="rect">
+            <a:avLst/>
+          </a:prstGeom>
+          <a:noFill/>
+        </p:spPr>
+        <p:txBody>
+          <a:bodyPr wrap="square" rtlCol="0">
+            <a:spAutoFit/>
+          </a:bodyPr>
+          <a:lstStyle/>
+          <a:p>
+            <a:r>
+              <a:rPr lang="en-US" sz="800" dirty="0" smtClean="0"/>
+              <a:t>Mar/1/2022</a:t>
+            </a:r>
+            <a:endParaRPr lang="en-US" sz="800" dirty="0"/>
+          </a:p>
+        </p:txBody>
+      </p:sp>
+      <p:sp>
+        <p:nvSpPr>
+          <p:cNvPr id="28" name="TextBox 27"/>
+          <p:cNvSpPr txBox="1"/>
+          <p:nvPr/>
+        </p:nvSpPr>
+        <p:spPr>
+          <a:xfrm>
+            <a:off x="1063690" y="513184"/>
+            <a:ext cx="5122506" cy="369332"/>
+          </a:xfrm>
+          <a:prstGeom prst="rect">
+            <a:avLst/>
+          </a:prstGeom>
+          <a:noFill/>
+        </p:spPr>
+        <p:txBody>
+          <a:bodyPr wrap="square" rtlCol="0">
+            <a:spAutoFit/>
+          </a:bodyPr>
+          <a:lstStyle/>
+          <a:p>
+            <a:r>
+              <a:rPr lang="en-US" dirty="0" smtClean="0"/>
+              <a:t>Cohort Intersect:</a:t>
+            </a:r>
+            <a:endParaRPr lang="en-US" dirty="0"/>
+          </a:p>
+        </p:txBody>
+      </p:sp>
+      <p:sp>
+        <p:nvSpPr>
+          <p:cNvPr id="4" name="Rectangle 3"/>
+          <p:cNvSpPr/>
+          <p:nvPr/>
+        </p:nvSpPr>
+        <p:spPr>
+          <a:xfrm>
+            <a:off x="1010081" y="1354975"/>
+            <a:ext cx="396812" cy="2429359"/>
+          </a:xfrm>
+          <a:prstGeom prst="rect">
+            <a:avLst/>
+          </a:prstGeom>
+          <a:noFill/>
+        </p:spPr>
+        <p:style>
+          <a:lnRef idx="2">
+            <a:schemeClr val="accent1">
+              <a:shade val="50000"/>
+            </a:schemeClr>
+          </a:lnRef>
+          <a:fillRef idx="1">
+            <a:schemeClr val="accent1"/>
+          </a:fillRef>
+          <a:effectRef idx="0">
+            <a:schemeClr val="accent1"/>
+          </a:effectRef>
+          <a:fontRef idx="minor">
+            <a:schemeClr val="lt1"/>
+          </a:fontRef>
+        </p:style>
+        <p:txBody>
+          <a:bodyPr rtlCol="0" anchor="ctr"/>
+          <a:lstStyle/>
+          <a:p>
+            <a:pPr algn="ctr"/>
+            <a:endParaRPr lang="en-US"/>
+          </a:p>
+        </p:txBody>
+      </p:sp>
+      <p:sp>
+        <p:nvSpPr>
+          <p:cNvPr id="33" name="Rectangle 32"/>
+          <p:cNvSpPr/>
+          <p:nvPr/>
+        </p:nvSpPr>
+        <p:spPr>
+          <a:xfrm>
+            <a:off x="1417258" y="1354974"/>
+            <a:ext cx="1060839" cy="2424815"/>
+          </a:xfrm>
+          <a:prstGeom prst="rect">
+            <a:avLst/>
+          </a:prstGeom>
+          <a:noFill/>
+        </p:spPr>
+        <p:style>
+          <a:lnRef idx="2">
+            <a:schemeClr val="accent1">
+              <a:shade val="50000"/>
+            </a:schemeClr>
+          </a:lnRef>
+          <a:fillRef idx="1">
+            <a:schemeClr val="accent1"/>
+          </a:fillRef>
+          <a:effectRef idx="0">
+            <a:schemeClr val="accent1"/>
+          </a:effectRef>
+          <a:fontRef idx="minor">
+            <a:schemeClr val="lt1"/>
+          </a:fontRef>
+        </p:style>
+        <p:txBody>
+          <a:bodyPr rtlCol="0" anchor="ctr"/>
+          <a:lstStyle/>
+          <a:p>
+            <a:pPr algn="ctr"/>
+            <a:endParaRPr lang="en-US"/>
+          </a:p>
+        </p:txBody>
+      </p:sp>
+      <p:sp>
+        <p:nvSpPr>
+          <p:cNvPr id="34" name="Rectangle 33"/>
+          <p:cNvSpPr/>
+          <p:nvPr/>
+        </p:nvSpPr>
+        <p:spPr>
+          <a:xfrm>
+            <a:off x="2467445" y="1366680"/>
+            <a:ext cx="481554" cy="2413109"/>
+          </a:xfrm>
+          <a:prstGeom prst="rect">
+            <a:avLst/>
+          </a:prstGeom>
+          <a:noFill/>
+        </p:spPr>
+        <p:style>
+          <a:lnRef idx="2">
+            <a:schemeClr val="accent1">
+              <a:shade val="50000"/>
+            </a:schemeClr>
+          </a:lnRef>
+          <a:fillRef idx="1">
+            <a:schemeClr val="accent1"/>
+          </a:fillRef>
+          <a:effectRef idx="0">
+            <a:schemeClr val="accent1"/>
+          </a:effectRef>
+          <a:fontRef idx="minor">
+            <a:schemeClr val="lt1"/>
+          </a:fontRef>
+        </p:style>
+        <p:txBody>
+          <a:bodyPr rtlCol="0" anchor="ctr"/>
+          <a:lstStyle/>
+          <a:p>
+            <a:pPr algn="ctr"/>
+            <a:endParaRPr lang="en-US"/>
+          </a:p>
+        </p:txBody>
+      </p:sp>
+      <p:sp>
+        <p:nvSpPr>
+          <p:cNvPr id="35" name="Rectangle 34"/>
+          <p:cNvSpPr/>
+          <p:nvPr/>
+        </p:nvSpPr>
+        <p:spPr>
+          <a:xfrm>
+            <a:off x="2942880" y="1359640"/>
+            <a:ext cx="402930" cy="2420150"/>
+          </a:xfrm>
+          <a:prstGeom prst="rect">
+            <a:avLst/>
+          </a:prstGeom>
+          <a:noFill/>
+        </p:spPr>
+        <p:style>
+          <a:lnRef idx="2">
+            <a:schemeClr val="accent1">
+              <a:shade val="50000"/>
+            </a:schemeClr>
+          </a:lnRef>
+          <a:fillRef idx="1">
+            <a:schemeClr val="accent1"/>
+          </a:fillRef>
+          <a:effectRef idx="0">
+            <a:schemeClr val="accent1"/>
+          </a:effectRef>
+          <a:fontRef idx="minor">
+            <a:schemeClr val="lt1"/>
+          </a:fontRef>
+        </p:style>
+        <p:txBody>
+          <a:bodyPr rtlCol="0" anchor="ctr"/>
+          <a:lstStyle/>
+          <a:p>
+            <a:pPr algn="ctr"/>
+            <a:endParaRPr lang="en-US"/>
+          </a:p>
+        </p:txBody>
+      </p:sp>
+      <p:sp>
+        <p:nvSpPr>
+          <p:cNvPr id="36" name="Rectangle 35"/>
+          <p:cNvSpPr/>
+          <p:nvPr/>
+        </p:nvSpPr>
+        <p:spPr>
+          <a:xfrm>
+            <a:off x="3335544" y="1366680"/>
+            <a:ext cx="1050087" cy="2417653"/>
+          </a:xfrm>
+          <a:prstGeom prst="rect">
+            <a:avLst/>
+          </a:prstGeom>
+          <a:noFill/>
+        </p:spPr>
+        <p:style>
+          <a:lnRef idx="2">
+            <a:schemeClr val="accent1">
+              <a:shade val="50000"/>
+            </a:schemeClr>
+          </a:lnRef>
+          <a:fillRef idx="1">
+            <a:schemeClr val="accent1"/>
+          </a:fillRef>
+          <a:effectRef idx="0">
+            <a:schemeClr val="accent1"/>
+          </a:effectRef>
+          <a:fontRef idx="minor">
+            <a:schemeClr val="lt1"/>
+          </a:fontRef>
+        </p:style>
+        <p:txBody>
+          <a:bodyPr rtlCol="0" anchor="ctr"/>
+          <a:lstStyle/>
+          <a:p>
+            <a:pPr algn="ctr"/>
+            <a:endParaRPr lang="en-US"/>
+          </a:p>
+        </p:txBody>
+      </p:sp>
+      <p:sp>
+        <p:nvSpPr>
+          <p:cNvPr id="6" name="TextBox 5"/>
+          <p:cNvSpPr txBox="1"/>
+          <p:nvPr/>
+        </p:nvSpPr>
+        <p:spPr>
+          <a:xfrm>
+            <a:off x="1074047" y="997348"/>
+            <a:ext cx="249721" cy="369332"/>
+          </a:xfrm>
+          <a:prstGeom prst="rect">
+            <a:avLst/>
+          </a:prstGeom>
+          <a:noFill/>
+        </p:spPr>
+        <p:txBody>
+          <a:bodyPr wrap="square" rtlCol="0">
+            <a:spAutoFit/>
+          </a:bodyPr>
+          <a:lstStyle/>
+          <a:p>
+            <a:r>
+              <a:rPr lang="en-US" dirty="0" smtClean="0"/>
+              <a:t>1</a:t>
+            </a:r>
+            <a:endParaRPr lang="en-US" dirty="0"/>
+          </a:p>
+        </p:txBody>
+      </p:sp>
+      <p:sp>
+        <p:nvSpPr>
+          <p:cNvPr id="37" name="TextBox 36"/>
+          <p:cNvSpPr txBox="1"/>
+          <p:nvPr/>
+        </p:nvSpPr>
+        <p:spPr>
+          <a:xfrm>
+            <a:off x="1728728" y="1000242"/>
+            <a:ext cx="249721" cy="369332"/>
+          </a:xfrm>
+          <a:prstGeom prst="rect">
+            <a:avLst/>
+          </a:prstGeom>
+          <a:noFill/>
+        </p:spPr>
+        <p:txBody>
+          <a:bodyPr wrap="square" rtlCol="0">
+            <a:spAutoFit/>
+          </a:bodyPr>
+          <a:lstStyle/>
+          <a:p>
+            <a:r>
+              <a:rPr lang="en-US" dirty="0" smtClean="0"/>
+              <a:t>2</a:t>
+            </a:r>
+            <a:endParaRPr lang="en-US" dirty="0"/>
+          </a:p>
+        </p:txBody>
+      </p:sp>
+      <p:sp>
+        <p:nvSpPr>
+          <p:cNvPr id="38" name="TextBox 37"/>
+          <p:cNvSpPr txBox="1"/>
+          <p:nvPr/>
+        </p:nvSpPr>
+        <p:spPr>
+          <a:xfrm>
+            <a:off x="2523103" y="982925"/>
+            <a:ext cx="249721" cy="369332"/>
+          </a:xfrm>
+          <a:prstGeom prst="rect">
+            <a:avLst/>
+          </a:prstGeom>
+          <a:noFill/>
+        </p:spPr>
+        <p:txBody>
+          <a:bodyPr wrap="square" rtlCol="0">
+            <a:spAutoFit/>
+          </a:bodyPr>
+          <a:lstStyle/>
+          <a:p>
+            <a:r>
+              <a:rPr lang="en-US" dirty="0" smtClean="0"/>
+              <a:t>3</a:t>
+            </a:r>
+            <a:endParaRPr lang="en-US" dirty="0"/>
+          </a:p>
+        </p:txBody>
+      </p:sp>
+      <p:sp>
+        <p:nvSpPr>
+          <p:cNvPr id="39" name="TextBox 38"/>
+          <p:cNvSpPr txBox="1"/>
+          <p:nvPr/>
+        </p:nvSpPr>
+        <p:spPr>
+          <a:xfrm>
+            <a:off x="2960886" y="981391"/>
+            <a:ext cx="249721" cy="369332"/>
+          </a:xfrm>
+          <a:prstGeom prst="rect">
+            <a:avLst/>
+          </a:prstGeom>
+          <a:noFill/>
+        </p:spPr>
+        <p:txBody>
+          <a:bodyPr wrap="square" rtlCol="0">
+            <a:spAutoFit/>
+          </a:bodyPr>
+          <a:lstStyle/>
+          <a:p>
+            <a:r>
+              <a:rPr lang="en-US" dirty="0" smtClean="0"/>
+              <a:t>2</a:t>
+            </a:r>
+            <a:endParaRPr lang="en-US" dirty="0"/>
+          </a:p>
+        </p:txBody>
+      </p:sp>
+      <p:sp>
+        <p:nvSpPr>
+          <p:cNvPr id="40" name="TextBox 39"/>
+          <p:cNvSpPr txBox="1"/>
+          <p:nvPr/>
+        </p:nvSpPr>
+        <p:spPr>
+          <a:xfrm>
+            <a:off x="3544679" y="982925"/>
+            <a:ext cx="249721" cy="369332"/>
+          </a:xfrm>
+          <a:prstGeom prst="rect">
+            <a:avLst/>
+          </a:prstGeom>
+          <a:noFill/>
+        </p:spPr>
+        <p:txBody>
+          <a:bodyPr wrap="square" rtlCol="0">
+            <a:spAutoFit/>
+          </a:bodyPr>
+          <a:lstStyle/>
+          <a:p>
+            <a:r>
+              <a:rPr lang="en-US" dirty="0" smtClean="0"/>
+              <a:t>1</a:t>
+            </a:r>
+            <a:endParaRPr lang="en-US" dirty="0"/>
+          </a:p>
+        </p:txBody>
+      </p:sp>
+      <p:sp>
+        <p:nvSpPr>
+          <p:cNvPr id="41" name="TextBox 40"/>
+          <p:cNvSpPr txBox="1"/>
+          <p:nvPr/>
+        </p:nvSpPr>
+        <p:spPr>
+          <a:xfrm>
+            <a:off x="2583361" y="4785367"/>
+            <a:ext cx="249721" cy="369332"/>
+          </a:xfrm>
+          <a:prstGeom prst="rect">
+            <a:avLst/>
+          </a:prstGeom>
+          <a:noFill/>
+        </p:spPr>
+        <p:txBody>
+          <a:bodyPr wrap="square" rtlCol="0">
+            <a:spAutoFit/>
+          </a:bodyPr>
+          <a:lstStyle/>
+          <a:p>
+            <a:r>
+              <a:rPr lang="en-US" dirty="0" smtClean="0"/>
+              <a:t>3</a:t>
+            </a:r>
+            <a:endParaRPr lang="en-US" dirty="0"/>
+          </a:p>
+        </p:txBody>
+      </p:sp>
+    </p:spTree>
+    <p:extLst>
+      <p:ext uri="{BB962C8B-B14F-4D97-AF65-F5344CB8AC3E}">
+        <p14:creationId xmlns:p14="http://schemas.microsoft.com/office/powerpoint/2010/main" val="3343999880"/>
       </p:ext>
     </p:extLst>
   </p:cSld>
